--- a/Presentations/0719 Patent Chemistry.pptx
+++ b/Presentations/0719 Patent Chemistry.pptx
@@ -1,37 +1,37 @@
 
 <file path=ppt/presentation.xml><?xml version="1.0" encoding="utf-8"?>
-<p:presentation xmlns:a="http://schemas.openxmlformats.org/drawingml/2006/main" xmlns:r="http://schemas.openxmlformats.org/officeDocument/2006/relationships" xmlns:mc="http://schemas.openxmlformats.org/markup-compatibility/2006" xmlns:mv="urn:schemas-microsoft-com:mac:vml" xmlns:p="http://schemas.openxmlformats.org/presentationml/2006/main" xmlns:c="http://schemas.openxmlformats.org/drawingml/2006/chart" xmlns:dgm="http://schemas.openxmlformats.org/drawingml/2006/diagram" xmlns:o="urn:schemas-microsoft-com:office:office" xmlns:v="urn:schemas-microsoft-com:vml" xmlns:pvml="urn:schemas-microsoft-com:office:powerpoint" xmlns:com="http://schemas.openxmlformats.org/drawingml/2006/compatibility" xmlns:p14="http://schemas.microsoft.com/office/powerpoint/2010/main" xmlns:p15="http://schemas.microsoft.com/office/powerpoint/2012/main" xmlns:ahyp="http://schemas.microsoft.com/office/drawing/2018/hyperlinkcolor" autoCompressPictures="0" strictFirstAndLastChars="0" saveSubsetFonts="1">
+<p:presentation xmlns:a="http://schemas.openxmlformats.org/drawingml/2006/main" xmlns:r="http://schemas.openxmlformats.org/officeDocument/2006/relationships" xmlns:p="http://schemas.openxmlformats.org/presentationml/2006/main" strictFirstAndLastChars="0" saveSubsetFonts="1" autoCompressPictures="0">
   <p:sldMasterIdLst>
-    <p:sldMasterId id="2147483659" r:id="rId4"/>
+    <p:sldMasterId id="2147483659" r:id="rId1"/>
   </p:sldMasterIdLst>
   <p:notesMasterIdLst>
-    <p:notesMasterId r:id="rId5"/>
+    <p:notesMasterId r:id="rId21"/>
   </p:notesMasterIdLst>
   <p:sldIdLst>
-    <p:sldId id="256" r:id="rId6"/>
-    <p:sldId id="257" r:id="rId7"/>
-    <p:sldId id="258" r:id="rId8"/>
-    <p:sldId id="259" r:id="rId9"/>
-    <p:sldId id="260" r:id="rId10"/>
-    <p:sldId id="261" r:id="rId11"/>
-    <p:sldId id="262" r:id="rId12"/>
-    <p:sldId id="263" r:id="rId13"/>
-    <p:sldId id="264" r:id="rId14"/>
-    <p:sldId id="265" r:id="rId15"/>
-    <p:sldId id="266" r:id="rId16"/>
-    <p:sldId id="267" r:id="rId17"/>
-    <p:sldId id="268" r:id="rId18"/>
-    <p:sldId id="269" r:id="rId19"/>
-    <p:sldId id="270" r:id="rId20"/>
-    <p:sldId id="271" r:id="rId21"/>
-    <p:sldId id="272" r:id="rId22"/>
-    <p:sldId id="273" r:id="rId23"/>
-    <p:sldId id="274" r:id="rId24"/>
+    <p:sldId id="256" r:id="rId2"/>
+    <p:sldId id="257" r:id="rId3"/>
+    <p:sldId id="258" r:id="rId4"/>
+    <p:sldId id="259" r:id="rId5"/>
+    <p:sldId id="260" r:id="rId6"/>
+    <p:sldId id="261" r:id="rId7"/>
+    <p:sldId id="262" r:id="rId8"/>
+    <p:sldId id="263" r:id="rId9"/>
+    <p:sldId id="264" r:id="rId10"/>
+    <p:sldId id="265" r:id="rId11"/>
+    <p:sldId id="266" r:id="rId12"/>
+    <p:sldId id="267" r:id="rId13"/>
+    <p:sldId id="268" r:id="rId14"/>
+    <p:sldId id="269" r:id="rId15"/>
+    <p:sldId id="270" r:id="rId16"/>
+    <p:sldId id="271" r:id="rId17"/>
+    <p:sldId id="272" r:id="rId18"/>
+    <p:sldId id="273" r:id="rId19"/>
+    <p:sldId id="274" r:id="rId20"/>
   </p:sldIdLst>
-  <p:sldSz cy="5143500" cx="9144000"/>
+  <p:sldSz cx="9144000" cy="5143500" type="screen16x9"/>
   <p:notesSz cx="6858000" cy="9144000"/>
   <p:defaultTextStyle>
-    <a:defPPr lvl="0" marR="0" rtl="0" algn="l">
+    <a:defPPr marR="0" lvl="0" algn="l" rtl="0">
       <a:lnSpc>
         <a:spcPct val="100000"/>
       </a:lnSpc>
@@ -42,7 +42,7 @@
         <a:spcPts val="0"/>
       </a:spcAft>
     </a:defPPr>
-    <a:lvl1pPr lvl="0" marR="0" rtl="0" algn="l">
+    <a:lvl1pPr marR="0" lvl="0" algn="l" rtl="0">
       <a:lnSpc>
         <a:spcPct val="100000"/>
       </a:lnSpc>
@@ -56,7 +56,7 @@
         <a:srgbClr val="000000"/>
       </a:buClr>
       <a:buFont typeface="Arial"/>
-      <a:defRPr b="0" i="0" sz="1400" u="none" cap="none" strike="noStrike">
+      <a:defRPr sz="1400" b="0" i="0" u="none" strike="noStrike" cap="none">
         <a:solidFill>
           <a:srgbClr val="000000"/>
         </a:solidFill>
@@ -66,7 +66,7 @@
         <a:sym typeface="Arial"/>
       </a:defRPr>
     </a:lvl1pPr>
-    <a:lvl2pPr lvl="1" marR="0" rtl="0" algn="l">
+    <a:lvl2pPr marR="0" lvl="1" algn="l" rtl="0">
       <a:lnSpc>
         <a:spcPct val="100000"/>
       </a:lnSpc>
@@ -80,7 +80,7 @@
         <a:srgbClr val="000000"/>
       </a:buClr>
       <a:buFont typeface="Arial"/>
-      <a:defRPr b="0" i="0" sz="1400" u="none" cap="none" strike="noStrike">
+      <a:defRPr sz="1400" b="0" i="0" u="none" strike="noStrike" cap="none">
         <a:solidFill>
           <a:srgbClr val="000000"/>
         </a:solidFill>
@@ -90,7 +90,7 @@
         <a:sym typeface="Arial"/>
       </a:defRPr>
     </a:lvl2pPr>
-    <a:lvl3pPr lvl="2" marR="0" rtl="0" algn="l">
+    <a:lvl3pPr marR="0" lvl="2" algn="l" rtl="0">
       <a:lnSpc>
         <a:spcPct val="100000"/>
       </a:lnSpc>
@@ -104,7 +104,7 @@
         <a:srgbClr val="000000"/>
       </a:buClr>
       <a:buFont typeface="Arial"/>
-      <a:defRPr b="0" i="0" sz="1400" u="none" cap="none" strike="noStrike">
+      <a:defRPr sz="1400" b="0" i="0" u="none" strike="noStrike" cap="none">
         <a:solidFill>
           <a:srgbClr val="000000"/>
         </a:solidFill>
@@ -114,7 +114,7 @@
         <a:sym typeface="Arial"/>
       </a:defRPr>
     </a:lvl3pPr>
-    <a:lvl4pPr lvl="3" marR="0" rtl="0" algn="l">
+    <a:lvl4pPr marR="0" lvl="3" algn="l" rtl="0">
       <a:lnSpc>
         <a:spcPct val="100000"/>
       </a:lnSpc>
@@ -128,7 +128,7 @@
         <a:srgbClr val="000000"/>
       </a:buClr>
       <a:buFont typeface="Arial"/>
-      <a:defRPr b="0" i="0" sz="1400" u="none" cap="none" strike="noStrike">
+      <a:defRPr sz="1400" b="0" i="0" u="none" strike="noStrike" cap="none">
         <a:solidFill>
           <a:srgbClr val="000000"/>
         </a:solidFill>
@@ -138,7 +138,7 @@
         <a:sym typeface="Arial"/>
       </a:defRPr>
     </a:lvl4pPr>
-    <a:lvl5pPr lvl="4" marR="0" rtl="0" algn="l">
+    <a:lvl5pPr marR="0" lvl="4" algn="l" rtl="0">
       <a:lnSpc>
         <a:spcPct val="100000"/>
       </a:lnSpc>
@@ -152,7 +152,7 @@
         <a:srgbClr val="000000"/>
       </a:buClr>
       <a:buFont typeface="Arial"/>
-      <a:defRPr b="0" i="0" sz="1400" u="none" cap="none" strike="noStrike">
+      <a:defRPr sz="1400" b="0" i="0" u="none" strike="noStrike" cap="none">
         <a:solidFill>
           <a:srgbClr val="000000"/>
         </a:solidFill>
@@ -162,7 +162,7 @@
         <a:sym typeface="Arial"/>
       </a:defRPr>
     </a:lvl5pPr>
-    <a:lvl6pPr lvl="5" marR="0" rtl="0" algn="l">
+    <a:lvl6pPr marR="0" lvl="5" algn="l" rtl="0">
       <a:lnSpc>
         <a:spcPct val="100000"/>
       </a:lnSpc>
@@ -176,7 +176,7 @@
         <a:srgbClr val="000000"/>
       </a:buClr>
       <a:buFont typeface="Arial"/>
-      <a:defRPr b="0" i="0" sz="1400" u="none" cap="none" strike="noStrike">
+      <a:defRPr sz="1400" b="0" i="0" u="none" strike="noStrike" cap="none">
         <a:solidFill>
           <a:srgbClr val="000000"/>
         </a:solidFill>
@@ -186,7 +186,7 @@
         <a:sym typeface="Arial"/>
       </a:defRPr>
     </a:lvl6pPr>
-    <a:lvl7pPr lvl="6" marR="0" rtl="0" algn="l">
+    <a:lvl7pPr marR="0" lvl="6" algn="l" rtl="0">
       <a:lnSpc>
         <a:spcPct val="100000"/>
       </a:lnSpc>
@@ -200,7 +200,7 @@
         <a:srgbClr val="000000"/>
       </a:buClr>
       <a:buFont typeface="Arial"/>
-      <a:defRPr b="0" i="0" sz="1400" u="none" cap="none" strike="noStrike">
+      <a:defRPr sz="1400" b="0" i="0" u="none" strike="noStrike" cap="none">
         <a:solidFill>
           <a:srgbClr val="000000"/>
         </a:solidFill>
@@ -210,7 +210,7 @@
         <a:sym typeface="Arial"/>
       </a:defRPr>
     </a:lvl7pPr>
-    <a:lvl8pPr lvl="7" marR="0" rtl="0" algn="l">
+    <a:lvl8pPr marR="0" lvl="7" algn="l" rtl="0">
       <a:lnSpc>
         <a:spcPct val="100000"/>
       </a:lnSpc>
@@ -224,7 +224,7 @@
         <a:srgbClr val="000000"/>
       </a:buClr>
       <a:buFont typeface="Arial"/>
-      <a:defRPr b="0" i="0" sz="1400" u="none" cap="none" strike="noStrike">
+      <a:defRPr sz="1400" b="0" i="0" u="none" strike="noStrike" cap="none">
         <a:solidFill>
           <a:srgbClr val="000000"/>
         </a:solidFill>
@@ -234,7 +234,7 @@
         <a:sym typeface="Arial"/>
       </a:defRPr>
     </a:lvl8pPr>
-    <a:lvl9pPr lvl="8" marR="0" rtl="0" algn="l">
+    <a:lvl9pPr marR="0" lvl="8" algn="l" rtl="0">
       <a:lnSpc>
         <a:spcPct val="100000"/>
       </a:lnSpc>
@@ -248,7 +248,7 @@
         <a:srgbClr val="000000"/>
       </a:buClr>
       <a:buFont typeface="Arial"/>
-      <a:defRPr b="0" i="0" sz="1400" u="none" cap="none" strike="noStrike">
+      <a:defRPr sz="1400" b="0" i="0" u="none" strike="noStrike" cap="none">
         <a:solidFill>
           <a:srgbClr val="000000"/>
         </a:solidFill>
@@ -261,7 +261,7 @@
   </p:defaultTextStyle>
   <p:extLst>
     <p:ext uri="{EFAFB233-063F-42B5-8137-9DF3F51BA10A}">
-      <p15:sldGuideLst>
+      <p15:sldGuideLst xmlns:p15="http://schemas.microsoft.com/office/powerpoint/2012/main">
         <p15:guide id="1" orient="horz" pos="1620">
           <p15:clr>
             <a:srgbClr val="A4A3A4"/>
@@ -279,11 +279,16 @@
 </file>
 
 <file path=ppt/notesMasters/notesMaster1.xml><?xml version="1.0" encoding="utf-8"?>
-<p:notesMaster xmlns:a="http://schemas.openxmlformats.org/drawingml/2006/main" xmlns:r="http://schemas.openxmlformats.org/officeDocument/2006/relationships" xmlns:mc="http://schemas.openxmlformats.org/markup-compatibility/2006" xmlns:mv="urn:schemas-microsoft-com:mac:vml" xmlns:p="http://schemas.openxmlformats.org/presentationml/2006/main" xmlns:c="http://schemas.openxmlformats.org/drawingml/2006/chart" xmlns:dgm="http://schemas.openxmlformats.org/drawingml/2006/diagram" xmlns:o="urn:schemas-microsoft-com:office:office" xmlns:v="urn:schemas-microsoft-com:vml" xmlns:pvml="urn:schemas-microsoft-com:office:powerpoint" xmlns:com="http://schemas.openxmlformats.org/drawingml/2006/compatibility" xmlns:p14="http://schemas.microsoft.com/office/powerpoint/2010/main" xmlns:p15="http://schemas.microsoft.com/office/powerpoint/2012/main" xmlns:ahyp="http://schemas.microsoft.com/office/drawing/2018/hyperlinkcolor">
+<p:notesMaster xmlns:a="http://schemas.openxmlformats.org/drawingml/2006/main" xmlns:r="http://schemas.openxmlformats.org/officeDocument/2006/relationships" xmlns:p="http://schemas.openxmlformats.org/presentationml/2006/main">
   <p:cSld>
+    <p:bg>
+      <p:bgRef idx="1001">
+        <a:schemeClr val="bg1"/>
+      </p:bgRef>
+    </p:bg>
     <p:spTree>
       <p:nvGrpSpPr>
-        <p:cNvPr id="2" name="Shape 2"/>
+        <p:cNvPr id="1" name="Shape 2"/>
         <p:cNvGrpSpPr/>
         <p:nvPr/>
       </p:nvGrpSpPr>
@@ -298,9 +303,11 @@
       <p:sp>
         <p:nvSpPr>
           <p:cNvPr id="3" name="Google Shape;3;n"/>
-          <p:cNvSpPr/>
+          <p:cNvSpPr>
+            <a:spLocks noGrp="1" noRot="1" noChangeAspect="1"/>
+          </p:cNvSpPr>
           <p:nvPr>
-            <p:ph idx="2" type="sldImg"/>
+            <p:ph type="sldImg" idx="2"/>
           </p:nvPr>
         </p:nvSpPr>
         <p:spPr>
@@ -309,9 +316,13 @@
             <a:ext cx="6096075" cy="3429000"/>
           </a:xfrm>
           <a:custGeom>
-            <a:rect b="b" l="l" r="r" t="t"/>
+            <a:avLst/>
+            <a:gdLst/>
+            <a:ahLst/>
+            <a:cxnLst/>
+            <a:rect l="l" t="t" r="r" b="b"/>
             <a:pathLst>
-              <a:path extrusionOk="0" h="120000" w="120000">
+              <a:path w="120000" h="120000" extrusionOk="0">
                 <a:moveTo>
                   <a:pt x="0" y="0"/>
                 </a:moveTo>
@@ -329,23 +340,25 @@
             </a:pathLst>
           </a:custGeom>
           <a:noFill/>
-          <a:ln cap="flat" cmpd="sng" w="9525">
+          <a:ln w="9525" cap="flat" cmpd="sng">
             <a:solidFill>
               <a:srgbClr val="000000"/>
             </a:solidFill>
             <a:prstDash val="solid"/>
             <a:round/>
-            <a:headEnd len="sm" w="sm" type="none"/>
-            <a:tailEnd len="sm" w="sm" type="none"/>
+            <a:headEnd type="none" w="sm" len="sm"/>
+            <a:tailEnd type="none" w="sm" len="sm"/>
           </a:ln>
         </p:spPr>
       </p:sp>
       <p:sp>
         <p:nvSpPr>
           <p:cNvPr id="4" name="Google Shape;4;n"/>
-          <p:cNvSpPr txBox="1"/>
+          <p:cNvSpPr txBox="1">
+            <a:spLocks noGrp="1"/>
+          </p:cNvSpPr>
           <p:nvPr>
-            <p:ph idx="1" type="body"/>
+            <p:ph type="body" idx="1"/>
           </p:nvPr>
         </p:nvSpPr>
         <p:spPr>
@@ -362,11 +375,11 @@
           </a:ln>
         </p:spPr>
         <p:txBody>
-          <a:bodyPr anchorCtr="0" anchor="t" bIns="91425" lIns="91425" spcFirstLastPara="1" rIns="91425" wrap="square" tIns="91425">
+          <a:bodyPr spcFirstLastPara="1" wrap="square" lIns="91425" tIns="91425" rIns="91425" bIns="91425" anchor="t" anchorCtr="0">
             <a:noAutofit/>
           </a:bodyPr>
           <a:lstStyle>
-            <a:lvl1pPr indent="-298450" lvl="0" marL="457200">
+            <a:lvl1pPr marL="457200" lvl="0" indent="-298450">
               <a:spcBef>
                 <a:spcPts val="0"/>
               </a:spcBef>
@@ -377,7 +390,7 @@
               <a:buChar char="●"/>
               <a:defRPr sz="1100"/>
             </a:lvl1pPr>
-            <a:lvl2pPr indent="-298450" lvl="1" marL="914400">
+            <a:lvl2pPr marL="914400" lvl="1" indent="-298450">
               <a:spcBef>
                 <a:spcPts val="0"/>
               </a:spcBef>
@@ -388,7 +401,7 @@
               <a:buChar char="○"/>
               <a:defRPr sz="1100"/>
             </a:lvl2pPr>
-            <a:lvl3pPr indent="-298450" lvl="2" marL="1371600">
+            <a:lvl3pPr marL="1371600" lvl="2" indent="-298450">
               <a:spcBef>
                 <a:spcPts val="0"/>
               </a:spcBef>
@@ -399,7 +412,7 @@
               <a:buChar char="■"/>
               <a:defRPr sz="1100"/>
             </a:lvl3pPr>
-            <a:lvl4pPr indent="-298450" lvl="3" marL="1828800">
+            <a:lvl4pPr marL="1828800" lvl="3" indent="-298450">
               <a:spcBef>
                 <a:spcPts val="0"/>
               </a:spcBef>
@@ -410,7 +423,7 @@
               <a:buChar char="●"/>
               <a:defRPr sz="1100"/>
             </a:lvl4pPr>
-            <a:lvl5pPr indent="-298450" lvl="4" marL="2286000">
+            <a:lvl5pPr marL="2286000" lvl="4" indent="-298450">
               <a:spcBef>
                 <a:spcPts val="0"/>
               </a:spcBef>
@@ -421,7 +434,7 @@
               <a:buChar char="○"/>
               <a:defRPr sz="1100"/>
             </a:lvl5pPr>
-            <a:lvl6pPr indent="-298450" lvl="5" marL="2743200">
+            <a:lvl6pPr marL="2743200" lvl="5" indent="-298450">
               <a:spcBef>
                 <a:spcPts val="0"/>
               </a:spcBef>
@@ -432,7 +445,7 @@
               <a:buChar char="■"/>
               <a:defRPr sz="1100"/>
             </a:lvl6pPr>
-            <a:lvl7pPr indent="-298450" lvl="6" marL="3200400">
+            <a:lvl7pPr marL="3200400" lvl="6" indent="-298450">
               <a:spcBef>
                 <a:spcPts val="0"/>
               </a:spcBef>
@@ -443,7 +456,7 @@
               <a:buChar char="●"/>
               <a:defRPr sz="1100"/>
             </a:lvl7pPr>
-            <a:lvl8pPr indent="-298450" lvl="7" marL="3657600">
+            <a:lvl8pPr marL="3657600" lvl="7" indent="-298450">
               <a:spcBef>
                 <a:spcPts val="0"/>
               </a:spcBef>
@@ -454,7 +467,7 @@
               <a:buChar char="○"/>
               <a:defRPr sz="1100"/>
             </a:lvl8pPr>
-            <a:lvl9pPr indent="-298450" lvl="8" marL="4114800">
+            <a:lvl9pPr marL="4114800" lvl="8" indent="-298450">
               <a:spcBef>
                 <a:spcPts val="0"/>
               </a:spcBef>
@@ -466,14 +479,16 @@
               <a:defRPr sz="1100"/>
             </a:lvl9pPr>
           </a:lstStyle>
-          <a:p/>
+          <a:p>
+            <a:endParaRPr/>
+          </a:p>
         </p:txBody>
       </p:sp>
     </p:spTree>
   </p:cSld>
-  <p:clrMap accent1="accent1" accent2="accent2" accent3="accent3" accent4="accent4" accent5="accent5" accent6="accent6" bg1="lt1" bg2="dk2" tx1="dk1" tx2="lt2" folHlink="folHlink" hlink="hlink"/>
+  <p:clrMap bg1="lt1" tx1="dk1" bg2="dk2" tx2="lt2" accent1="accent1" accent2="accent2" accent3="accent3" accent4="accent4" accent5="accent5" accent6="accent6" hlink="hlink" folHlink="folHlink"/>
   <p:notesStyle>
-    <a:defPPr lvl="0" marR="0" rtl="0" algn="l">
+    <a:defPPr marR="0" lvl="0" algn="l" rtl="0">
       <a:lnSpc>
         <a:spcPct val="100000"/>
       </a:lnSpc>
@@ -484,7 +499,7 @@
         <a:spcPts val="0"/>
       </a:spcAft>
     </a:defPPr>
-    <a:lvl1pPr lvl="0" marR="0" rtl="0" algn="l">
+    <a:lvl1pPr marR="0" lvl="0" algn="l" rtl="0">
       <a:lnSpc>
         <a:spcPct val="100000"/>
       </a:lnSpc>
@@ -498,7 +513,7 @@
         <a:srgbClr val="000000"/>
       </a:buClr>
       <a:buFont typeface="Arial"/>
-      <a:defRPr b="0" i="0" sz="1400" u="none" cap="none" strike="noStrike">
+      <a:defRPr sz="1400" b="0" i="0" u="none" strike="noStrike" cap="none">
         <a:solidFill>
           <a:srgbClr val="000000"/>
         </a:solidFill>
@@ -508,7 +523,7 @@
         <a:sym typeface="Arial"/>
       </a:defRPr>
     </a:lvl1pPr>
-    <a:lvl2pPr lvl="1" marR="0" rtl="0" algn="l">
+    <a:lvl2pPr marR="0" lvl="1" algn="l" rtl="0">
       <a:lnSpc>
         <a:spcPct val="100000"/>
       </a:lnSpc>
@@ -522,7 +537,7 @@
         <a:srgbClr val="000000"/>
       </a:buClr>
       <a:buFont typeface="Arial"/>
-      <a:defRPr b="0" i="0" sz="1400" u="none" cap="none" strike="noStrike">
+      <a:defRPr sz="1400" b="0" i="0" u="none" strike="noStrike" cap="none">
         <a:solidFill>
           <a:srgbClr val="000000"/>
         </a:solidFill>
@@ -532,7 +547,7 @@
         <a:sym typeface="Arial"/>
       </a:defRPr>
     </a:lvl2pPr>
-    <a:lvl3pPr lvl="2" marR="0" rtl="0" algn="l">
+    <a:lvl3pPr marR="0" lvl="2" algn="l" rtl="0">
       <a:lnSpc>
         <a:spcPct val="100000"/>
       </a:lnSpc>
@@ -546,7 +561,7 @@
         <a:srgbClr val="000000"/>
       </a:buClr>
       <a:buFont typeface="Arial"/>
-      <a:defRPr b="0" i="0" sz="1400" u="none" cap="none" strike="noStrike">
+      <a:defRPr sz="1400" b="0" i="0" u="none" strike="noStrike" cap="none">
         <a:solidFill>
           <a:srgbClr val="000000"/>
         </a:solidFill>
@@ -556,7 +571,7 @@
         <a:sym typeface="Arial"/>
       </a:defRPr>
     </a:lvl3pPr>
-    <a:lvl4pPr lvl="3" marR="0" rtl="0" algn="l">
+    <a:lvl4pPr marR="0" lvl="3" algn="l" rtl="0">
       <a:lnSpc>
         <a:spcPct val="100000"/>
       </a:lnSpc>
@@ -570,7 +585,7 @@
         <a:srgbClr val="000000"/>
       </a:buClr>
       <a:buFont typeface="Arial"/>
-      <a:defRPr b="0" i="0" sz="1400" u="none" cap="none" strike="noStrike">
+      <a:defRPr sz="1400" b="0" i="0" u="none" strike="noStrike" cap="none">
         <a:solidFill>
           <a:srgbClr val="000000"/>
         </a:solidFill>
@@ -580,7 +595,7 @@
         <a:sym typeface="Arial"/>
       </a:defRPr>
     </a:lvl4pPr>
-    <a:lvl5pPr lvl="4" marR="0" rtl="0" algn="l">
+    <a:lvl5pPr marR="0" lvl="4" algn="l" rtl="0">
       <a:lnSpc>
         <a:spcPct val="100000"/>
       </a:lnSpc>
@@ -594,7 +609,7 @@
         <a:srgbClr val="000000"/>
       </a:buClr>
       <a:buFont typeface="Arial"/>
-      <a:defRPr b="0" i="0" sz="1400" u="none" cap="none" strike="noStrike">
+      <a:defRPr sz="1400" b="0" i="0" u="none" strike="noStrike" cap="none">
         <a:solidFill>
           <a:srgbClr val="000000"/>
         </a:solidFill>
@@ -604,7 +619,7 @@
         <a:sym typeface="Arial"/>
       </a:defRPr>
     </a:lvl5pPr>
-    <a:lvl6pPr lvl="5" marR="0" rtl="0" algn="l">
+    <a:lvl6pPr marR="0" lvl="5" algn="l" rtl="0">
       <a:lnSpc>
         <a:spcPct val="100000"/>
       </a:lnSpc>
@@ -618,7 +633,7 @@
         <a:srgbClr val="000000"/>
       </a:buClr>
       <a:buFont typeface="Arial"/>
-      <a:defRPr b="0" i="0" sz="1400" u="none" cap="none" strike="noStrike">
+      <a:defRPr sz="1400" b="0" i="0" u="none" strike="noStrike" cap="none">
         <a:solidFill>
           <a:srgbClr val="000000"/>
         </a:solidFill>
@@ -628,7 +643,7 @@
         <a:sym typeface="Arial"/>
       </a:defRPr>
     </a:lvl6pPr>
-    <a:lvl7pPr lvl="6" marR="0" rtl="0" algn="l">
+    <a:lvl7pPr marR="0" lvl="6" algn="l" rtl="0">
       <a:lnSpc>
         <a:spcPct val="100000"/>
       </a:lnSpc>
@@ -642,7 +657,7 @@
         <a:srgbClr val="000000"/>
       </a:buClr>
       <a:buFont typeface="Arial"/>
-      <a:defRPr b="0" i="0" sz="1400" u="none" cap="none" strike="noStrike">
+      <a:defRPr sz="1400" b="0" i="0" u="none" strike="noStrike" cap="none">
         <a:solidFill>
           <a:srgbClr val="000000"/>
         </a:solidFill>
@@ -652,7 +667,7 @@
         <a:sym typeface="Arial"/>
       </a:defRPr>
     </a:lvl7pPr>
-    <a:lvl8pPr lvl="7" marR="0" rtl="0" algn="l">
+    <a:lvl8pPr marR="0" lvl="7" algn="l" rtl="0">
       <a:lnSpc>
         <a:spcPct val="100000"/>
       </a:lnSpc>
@@ -666,7 +681,7 @@
         <a:srgbClr val="000000"/>
       </a:buClr>
       <a:buFont typeface="Arial"/>
-      <a:defRPr b="0" i="0" sz="1400" u="none" cap="none" strike="noStrike">
+      <a:defRPr sz="1400" b="0" i="0" u="none" strike="noStrike" cap="none">
         <a:solidFill>
           <a:srgbClr val="000000"/>
         </a:solidFill>
@@ -676,7 +691,7 @@
         <a:sym typeface="Arial"/>
       </a:defRPr>
     </a:lvl8pPr>
-    <a:lvl9pPr lvl="8" marR="0" rtl="0" algn="l">
+    <a:lvl9pPr marR="0" lvl="8" algn="l" rtl="0">
       <a:lnSpc>
         <a:spcPct val="100000"/>
       </a:lnSpc>
@@ -690,7 +705,7 @@
         <a:srgbClr val="000000"/>
       </a:buClr>
       <a:buFont typeface="Arial"/>
-      <a:defRPr b="0" i="0" sz="1400" u="none" cap="none" strike="noStrike">
+      <a:defRPr sz="1400" b="0" i="0" u="none" strike="noStrike" cap="none">
         <a:solidFill>
           <a:srgbClr val="000000"/>
         </a:solidFill>
@@ -705,11 +720,11 @@
 </file>
 
 <file path=ppt/notesSlides/notesSlide1.xml><?xml version="1.0" encoding="utf-8"?>
-<p:notes xmlns:a="http://schemas.openxmlformats.org/drawingml/2006/main" xmlns:r="http://schemas.openxmlformats.org/officeDocument/2006/relationships" xmlns:mc="http://schemas.openxmlformats.org/markup-compatibility/2006" xmlns:mv="urn:schemas-microsoft-com:mac:vml" xmlns:p="http://schemas.openxmlformats.org/presentationml/2006/main" xmlns:c="http://schemas.openxmlformats.org/drawingml/2006/chart" xmlns:dgm="http://schemas.openxmlformats.org/drawingml/2006/diagram" xmlns:o="urn:schemas-microsoft-com:office:office" xmlns:v="urn:schemas-microsoft-com:vml" xmlns:pvml="urn:schemas-microsoft-com:office:powerpoint" xmlns:com="http://schemas.openxmlformats.org/drawingml/2006/compatibility" xmlns:p14="http://schemas.microsoft.com/office/powerpoint/2010/main" xmlns:p15="http://schemas.microsoft.com/office/powerpoint/2012/main" xmlns:ahyp="http://schemas.microsoft.com/office/drawing/2018/hyperlinkcolor" showMasterPhAnim="0" showMasterSp="0">
+<p:notes xmlns:a="http://schemas.openxmlformats.org/drawingml/2006/main" xmlns:r="http://schemas.openxmlformats.org/officeDocument/2006/relationships" xmlns:p="http://schemas.openxmlformats.org/presentationml/2006/main" showMasterSp="0" showMasterPhAnim="0">
   <p:cSld>
     <p:spTree>
       <p:nvGrpSpPr>
-        <p:cNvPr id="50" name="Shape 50"/>
+        <p:cNvPr id="1" name="Shape 50"/>
         <p:cNvGrpSpPr/>
         <p:nvPr/>
       </p:nvGrpSpPr>
@@ -724,9 +739,11 @@
       <p:sp>
         <p:nvSpPr>
           <p:cNvPr id="51" name="Google Shape;51;p:notes"/>
-          <p:cNvSpPr/>
+          <p:cNvSpPr>
+            <a:spLocks noGrp="1" noRot="1" noChangeAspect="1"/>
+          </p:cNvSpPr>
           <p:nvPr>
-            <p:ph idx="2" type="sldImg"/>
+            <p:ph type="sldImg" idx="2"/>
           </p:nvPr>
         </p:nvSpPr>
         <p:spPr>
@@ -735,9 +752,13 @@
             <a:ext cx="6096075" cy="3429000"/>
           </a:xfrm>
           <a:custGeom>
-            <a:rect b="b" l="l" r="r" t="t"/>
+            <a:avLst/>
+            <a:gdLst/>
+            <a:ahLst/>
+            <a:cxnLst/>
+            <a:rect l="l" t="t" r="r" b="b"/>
             <a:pathLst>
-              <a:path extrusionOk="0" h="120000" w="120000">
+              <a:path w="120000" h="120000" extrusionOk="0">
                 <a:moveTo>
                   <a:pt x="0" y="0"/>
                 </a:moveTo>
@@ -759,9 +780,11 @@
       <p:sp>
         <p:nvSpPr>
           <p:cNvPr id="52" name="Google Shape;52;p:notes"/>
-          <p:cNvSpPr txBox="1"/>
+          <p:cNvSpPr txBox="1">
+            <a:spLocks noGrp="1"/>
+          </p:cNvSpPr>
           <p:nvPr>
-            <p:ph idx="1" type="body"/>
+            <p:ph type="body" idx="1"/>
           </p:nvPr>
         </p:nvSpPr>
         <p:spPr>
@@ -774,12 +797,12 @@
           </a:prstGeom>
         </p:spPr>
         <p:txBody>
-          <a:bodyPr anchorCtr="0" anchor="t" bIns="91425" lIns="91425" spcFirstLastPara="1" rIns="91425" wrap="square" tIns="91425">
+          <a:bodyPr spcFirstLastPara="1" wrap="square" lIns="91425" tIns="91425" rIns="91425" bIns="91425" anchor="t" anchorCtr="0">
             <a:noAutofit/>
           </a:bodyPr>
           <a:lstStyle/>
           <a:p>
-            <a:pPr indent="0" lvl="0" marL="0" rtl="0" algn="l">
+            <a:pPr marL="0" lvl="0" indent="0" algn="l" rtl="0">
               <a:spcBef>
                 <a:spcPts val="0"/>
               </a:spcBef>
@@ -788,9 +811,6 @@
               </a:spcAft>
               <a:buNone/>
             </a:pPr>
-            <a:r>
-              <a:t/>
-            </a:r>
             <a:endParaRPr/>
           </a:p>
         </p:txBody>
@@ -804,11 +824,11 @@
 </file>
 
 <file path=ppt/notesSlides/notesSlide10.xml><?xml version="1.0" encoding="utf-8"?>
-<p:notes xmlns:a="http://schemas.openxmlformats.org/drawingml/2006/main" xmlns:r="http://schemas.openxmlformats.org/officeDocument/2006/relationships" xmlns:mc="http://schemas.openxmlformats.org/markup-compatibility/2006" xmlns:mv="urn:schemas-microsoft-com:mac:vml" xmlns:p="http://schemas.openxmlformats.org/presentationml/2006/main" xmlns:c="http://schemas.openxmlformats.org/drawingml/2006/chart" xmlns:dgm="http://schemas.openxmlformats.org/drawingml/2006/diagram" xmlns:o="urn:schemas-microsoft-com:office:office" xmlns:v="urn:schemas-microsoft-com:vml" xmlns:pvml="urn:schemas-microsoft-com:office:powerpoint" xmlns:com="http://schemas.openxmlformats.org/drawingml/2006/compatibility" xmlns:p14="http://schemas.microsoft.com/office/powerpoint/2010/main" xmlns:p15="http://schemas.microsoft.com/office/powerpoint/2012/main" xmlns:ahyp="http://schemas.microsoft.com/office/drawing/2018/hyperlinkcolor" showMasterPhAnim="0" showMasterSp="0">
+<p:notes xmlns:a="http://schemas.openxmlformats.org/drawingml/2006/main" xmlns:r="http://schemas.openxmlformats.org/officeDocument/2006/relationships" xmlns:p="http://schemas.openxmlformats.org/presentationml/2006/main" showMasterSp="0" showMasterPhAnim="0">
   <p:cSld>
     <p:spTree>
       <p:nvGrpSpPr>
-        <p:cNvPr id="113" name="Shape 113"/>
+        <p:cNvPr id="1" name="Shape 113"/>
         <p:cNvGrpSpPr/>
         <p:nvPr/>
       </p:nvGrpSpPr>
@@ -823,20 +843,26 @@
       <p:sp>
         <p:nvSpPr>
           <p:cNvPr id="114" name="Google Shape;114;g13d863074c0_0_82:notes"/>
-          <p:cNvSpPr/>
+          <p:cNvSpPr>
+            <a:spLocks noGrp="1" noRot="1" noChangeAspect="1"/>
+          </p:cNvSpPr>
           <p:nvPr>
-            <p:ph idx="2" type="sldImg"/>
+            <p:ph type="sldImg" idx="2"/>
           </p:nvPr>
         </p:nvSpPr>
         <p:spPr>
           <a:xfrm>
-            <a:off x="381300" y="685800"/>
+            <a:off x="381000" y="685800"/>
             <a:ext cx="6096000" cy="3429000"/>
           </a:xfrm>
           <a:custGeom>
-            <a:rect b="b" l="l" r="r" t="t"/>
+            <a:avLst/>
+            <a:gdLst/>
+            <a:ahLst/>
+            <a:cxnLst/>
+            <a:rect l="l" t="t" r="r" b="b"/>
             <a:pathLst>
-              <a:path extrusionOk="0" h="120000" w="120000">
+              <a:path w="120000" h="120000" extrusionOk="0">
                 <a:moveTo>
                   <a:pt x="0" y="0"/>
                 </a:moveTo>
@@ -858,9 +884,11 @@
       <p:sp>
         <p:nvSpPr>
           <p:cNvPr id="115" name="Google Shape;115;g13d863074c0_0_82:notes"/>
-          <p:cNvSpPr txBox="1"/>
+          <p:cNvSpPr txBox="1">
+            <a:spLocks noGrp="1"/>
+          </p:cNvSpPr>
           <p:nvPr>
-            <p:ph idx="1" type="body"/>
+            <p:ph type="body" idx="1"/>
           </p:nvPr>
         </p:nvSpPr>
         <p:spPr>
@@ -873,12 +901,12 @@
           </a:prstGeom>
         </p:spPr>
         <p:txBody>
-          <a:bodyPr anchorCtr="0" anchor="t" bIns="91425" lIns="91425" spcFirstLastPara="1" rIns="91425" wrap="square" tIns="91425">
+          <a:bodyPr spcFirstLastPara="1" wrap="square" lIns="91425" tIns="91425" rIns="91425" bIns="91425" anchor="t" anchorCtr="0">
             <a:noAutofit/>
           </a:bodyPr>
           <a:lstStyle/>
           <a:p>
-            <a:pPr indent="0" lvl="0" marL="0" rtl="0" algn="l">
+            <a:pPr marL="0" lvl="0" indent="0" algn="l" rtl="0">
               <a:spcBef>
                 <a:spcPts val="0"/>
               </a:spcBef>
@@ -887,9 +915,6 @@
               </a:spcAft>
               <a:buNone/>
             </a:pPr>
-            <a:r>
-              <a:t/>
-            </a:r>
             <a:endParaRPr/>
           </a:p>
         </p:txBody>
@@ -903,11 +928,11 @@
 </file>
 
 <file path=ppt/notesSlides/notesSlide11.xml><?xml version="1.0" encoding="utf-8"?>
-<p:notes xmlns:a="http://schemas.openxmlformats.org/drawingml/2006/main" xmlns:r="http://schemas.openxmlformats.org/officeDocument/2006/relationships" xmlns:mc="http://schemas.openxmlformats.org/markup-compatibility/2006" xmlns:mv="urn:schemas-microsoft-com:mac:vml" xmlns:p="http://schemas.openxmlformats.org/presentationml/2006/main" xmlns:c="http://schemas.openxmlformats.org/drawingml/2006/chart" xmlns:dgm="http://schemas.openxmlformats.org/drawingml/2006/diagram" xmlns:o="urn:schemas-microsoft-com:office:office" xmlns:v="urn:schemas-microsoft-com:vml" xmlns:pvml="urn:schemas-microsoft-com:office:powerpoint" xmlns:com="http://schemas.openxmlformats.org/drawingml/2006/compatibility" xmlns:p14="http://schemas.microsoft.com/office/powerpoint/2010/main" xmlns:p15="http://schemas.microsoft.com/office/powerpoint/2012/main" xmlns:ahyp="http://schemas.microsoft.com/office/drawing/2018/hyperlinkcolor" showMasterPhAnim="0" showMasterSp="0">
+<p:notes xmlns:a="http://schemas.openxmlformats.org/drawingml/2006/main" xmlns:r="http://schemas.openxmlformats.org/officeDocument/2006/relationships" xmlns:p="http://schemas.openxmlformats.org/presentationml/2006/main" showMasterSp="0" showMasterPhAnim="0">
   <p:cSld>
     <p:spTree>
       <p:nvGrpSpPr>
-        <p:cNvPr id="119" name="Shape 119"/>
+        <p:cNvPr id="1" name="Shape 119"/>
         <p:cNvGrpSpPr/>
         <p:nvPr/>
       </p:nvGrpSpPr>
@@ -922,9 +947,11 @@
       <p:sp>
         <p:nvSpPr>
           <p:cNvPr id="120" name="Google Shape;120;g13d863074c0_0_87:notes"/>
-          <p:cNvSpPr/>
+          <p:cNvSpPr>
+            <a:spLocks noGrp="1" noRot="1" noChangeAspect="1"/>
+          </p:cNvSpPr>
           <p:nvPr>
-            <p:ph idx="2" type="sldImg"/>
+            <p:ph type="sldImg" idx="2"/>
           </p:nvPr>
         </p:nvSpPr>
         <p:spPr>
@@ -933,9 +960,13 @@
             <a:ext cx="6096000" cy="3429000"/>
           </a:xfrm>
           <a:custGeom>
-            <a:rect b="b" l="l" r="r" t="t"/>
+            <a:avLst/>
+            <a:gdLst/>
+            <a:ahLst/>
+            <a:cxnLst/>
+            <a:rect l="l" t="t" r="r" b="b"/>
             <a:pathLst>
-              <a:path extrusionOk="0" h="120000" w="120000">
+              <a:path w="120000" h="120000" extrusionOk="0">
                 <a:moveTo>
                   <a:pt x="0" y="0"/>
                 </a:moveTo>
@@ -957,9 +988,11 @@
       <p:sp>
         <p:nvSpPr>
           <p:cNvPr id="121" name="Google Shape;121;g13d863074c0_0_87:notes"/>
-          <p:cNvSpPr txBox="1"/>
+          <p:cNvSpPr txBox="1">
+            <a:spLocks noGrp="1"/>
+          </p:cNvSpPr>
           <p:nvPr>
-            <p:ph idx="1" type="body"/>
+            <p:ph type="body" idx="1"/>
           </p:nvPr>
         </p:nvSpPr>
         <p:spPr>
@@ -972,12 +1005,12 @@
           </a:prstGeom>
         </p:spPr>
         <p:txBody>
-          <a:bodyPr anchorCtr="0" anchor="t" bIns="91425" lIns="91425" spcFirstLastPara="1" rIns="91425" wrap="square" tIns="91425">
+          <a:bodyPr spcFirstLastPara="1" wrap="square" lIns="91425" tIns="91425" rIns="91425" bIns="91425" anchor="t" anchorCtr="0">
             <a:noAutofit/>
           </a:bodyPr>
           <a:lstStyle/>
           <a:p>
-            <a:pPr indent="0" lvl="0" marL="0" rtl="0" algn="l">
+            <a:pPr marL="0" lvl="0" indent="0" algn="l" rtl="0">
               <a:spcBef>
                 <a:spcPts val="0"/>
               </a:spcBef>
@@ -986,9 +1019,6 @@
               </a:spcAft>
               <a:buNone/>
             </a:pPr>
-            <a:r>
-              <a:t/>
-            </a:r>
             <a:endParaRPr/>
           </a:p>
         </p:txBody>
@@ -1002,11 +1032,11 @@
 </file>
 
 <file path=ppt/notesSlides/notesSlide12.xml><?xml version="1.0" encoding="utf-8"?>
-<p:notes xmlns:a="http://schemas.openxmlformats.org/drawingml/2006/main" xmlns:r="http://schemas.openxmlformats.org/officeDocument/2006/relationships" xmlns:mc="http://schemas.openxmlformats.org/markup-compatibility/2006" xmlns:mv="urn:schemas-microsoft-com:mac:vml" xmlns:p="http://schemas.openxmlformats.org/presentationml/2006/main" xmlns:c="http://schemas.openxmlformats.org/drawingml/2006/chart" xmlns:dgm="http://schemas.openxmlformats.org/drawingml/2006/diagram" xmlns:o="urn:schemas-microsoft-com:office:office" xmlns:v="urn:schemas-microsoft-com:vml" xmlns:pvml="urn:schemas-microsoft-com:office:powerpoint" xmlns:com="http://schemas.openxmlformats.org/drawingml/2006/compatibility" xmlns:p14="http://schemas.microsoft.com/office/powerpoint/2010/main" xmlns:p15="http://schemas.microsoft.com/office/powerpoint/2012/main" xmlns:ahyp="http://schemas.microsoft.com/office/drawing/2018/hyperlinkcolor" showMasterPhAnim="0" showMasterSp="0">
+<p:notes xmlns:a="http://schemas.openxmlformats.org/drawingml/2006/main" xmlns:r="http://schemas.openxmlformats.org/officeDocument/2006/relationships" xmlns:p="http://schemas.openxmlformats.org/presentationml/2006/main" showMasterSp="0" showMasterPhAnim="0">
   <p:cSld>
     <p:spTree>
       <p:nvGrpSpPr>
-        <p:cNvPr id="126" name="Shape 126"/>
+        <p:cNvPr id="1" name="Shape 126"/>
         <p:cNvGrpSpPr/>
         <p:nvPr/>
       </p:nvGrpSpPr>
@@ -1021,20 +1051,26 @@
       <p:sp>
         <p:nvSpPr>
           <p:cNvPr id="127" name="Google Shape;127;g13d863074c0_0_96:notes"/>
-          <p:cNvSpPr/>
+          <p:cNvSpPr>
+            <a:spLocks noGrp="1" noRot="1" noChangeAspect="1"/>
+          </p:cNvSpPr>
           <p:nvPr>
-            <p:ph idx="2" type="sldImg"/>
+            <p:ph type="sldImg" idx="2"/>
           </p:nvPr>
         </p:nvSpPr>
         <p:spPr>
           <a:xfrm>
-            <a:off x="381300" y="685800"/>
+            <a:off x="381000" y="685800"/>
             <a:ext cx="6096000" cy="3429000"/>
           </a:xfrm>
           <a:custGeom>
-            <a:rect b="b" l="l" r="r" t="t"/>
+            <a:avLst/>
+            <a:gdLst/>
+            <a:ahLst/>
+            <a:cxnLst/>
+            <a:rect l="l" t="t" r="r" b="b"/>
             <a:pathLst>
-              <a:path extrusionOk="0" h="120000" w="120000">
+              <a:path w="120000" h="120000" extrusionOk="0">
                 <a:moveTo>
                   <a:pt x="0" y="0"/>
                 </a:moveTo>
@@ -1056,9 +1092,11 @@
       <p:sp>
         <p:nvSpPr>
           <p:cNvPr id="128" name="Google Shape;128;g13d863074c0_0_96:notes"/>
-          <p:cNvSpPr txBox="1"/>
+          <p:cNvSpPr txBox="1">
+            <a:spLocks noGrp="1"/>
+          </p:cNvSpPr>
           <p:nvPr>
-            <p:ph idx="1" type="body"/>
+            <p:ph type="body" idx="1"/>
           </p:nvPr>
         </p:nvSpPr>
         <p:spPr>
@@ -1071,12 +1109,12 @@
           </a:prstGeom>
         </p:spPr>
         <p:txBody>
-          <a:bodyPr anchorCtr="0" anchor="t" bIns="91425" lIns="91425" spcFirstLastPara="1" rIns="91425" wrap="square" tIns="91425">
+          <a:bodyPr spcFirstLastPara="1" wrap="square" lIns="91425" tIns="91425" rIns="91425" bIns="91425" anchor="t" anchorCtr="0">
             <a:noAutofit/>
           </a:bodyPr>
           <a:lstStyle/>
           <a:p>
-            <a:pPr indent="0" lvl="0" marL="0" rtl="0" algn="l">
+            <a:pPr marL="0" lvl="0" indent="0" algn="l" rtl="0">
               <a:spcBef>
                 <a:spcPts val="0"/>
               </a:spcBef>
@@ -1085,9 +1123,6 @@
               </a:spcAft>
               <a:buNone/>
             </a:pPr>
-            <a:r>
-              <a:t/>
-            </a:r>
             <a:endParaRPr/>
           </a:p>
         </p:txBody>
@@ -1101,11 +1136,11 @@
 </file>
 
 <file path=ppt/notesSlides/notesSlide13.xml><?xml version="1.0" encoding="utf-8"?>
-<p:notes xmlns:a="http://schemas.openxmlformats.org/drawingml/2006/main" xmlns:r="http://schemas.openxmlformats.org/officeDocument/2006/relationships" xmlns:mc="http://schemas.openxmlformats.org/markup-compatibility/2006" xmlns:mv="urn:schemas-microsoft-com:mac:vml" xmlns:p="http://schemas.openxmlformats.org/presentationml/2006/main" xmlns:c="http://schemas.openxmlformats.org/drawingml/2006/chart" xmlns:dgm="http://schemas.openxmlformats.org/drawingml/2006/diagram" xmlns:o="urn:schemas-microsoft-com:office:office" xmlns:v="urn:schemas-microsoft-com:vml" xmlns:pvml="urn:schemas-microsoft-com:office:powerpoint" xmlns:com="http://schemas.openxmlformats.org/drawingml/2006/compatibility" xmlns:p14="http://schemas.microsoft.com/office/powerpoint/2010/main" xmlns:p15="http://schemas.microsoft.com/office/powerpoint/2012/main" xmlns:ahyp="http://schemas.microsoft.com/office/drawing/2018/hyperlinkcolor" showMasterPhAnim="0" showMasterSp="0">
+<p:notes xmlns:a="http://schemas.openxmlformats.org/drawingml/2006/main" xmlns:r="http://schemas.openxmlformats.org/officeDocument/2006/relationships" xmlns:p="http://schemas.openxmlformats.org/presentationml/2006/main" showMasterSp="0" showMasterPhAnim="0">
   <p:cSld>
     <p:spTree>
       <p:nvGrpSpPr>
-        <p:cNvPr id="133" name="Shape 133"/>
+        <p:cNvPr id="1" name="Shape 133"/>
         <p:cNvGrpSpPr/>
         <p:nvPr/>
       </p:nvGrpSpPr>
@@ -1120,9 +1155,11 @@
       <p:sp>
         <p:nvSpPr>
           <p:cNvPr id="134" name="Google Shape;134;g13d863074c0_0_10:notes"/>
-          <p:cNvSpPr/>
+          <p:cNvSpPr>
+            <a:spLocks noGrp="1" noRot="1" noChangeAspect="1"/>
+          </p:cNvSpPr>
           <p:nvPr>
-            <p:ph idx="2" type="sldImg"/>
+            <p:ph type="sldImg" idx="2"/>
           </p:nvPr>
         </p:nvSpPr>
         <p:spPr>
@@ -1131,9 +1168,13 @@
             <a:ext cx="6096000" cy="3429000"/>
           </a:xfrm>
           <a:custGeom>
-            <a:rect b="b" l="l" r="r" t="t"/>
+            <a:avLst/>
+            <a:gdLst/>
+            <a:ahLst/>
+            <a:cxnLst/>
+            <a:rect l="l" t="t" r="r" b="b"/>
             <a:pathLst>
-              <a:path extrusionOk="0" h="120000" w="120000">
+              <a:path w="120000" h="120000" extrusionOk="0">
                 <a:moveTo>
                   <a:pt x="0" y="0"/>
                 </a:moveTo>
@@ -1155,9 +1196,11 @@
       <p:sp>
         <p:nvSpPr>
           <p:cNvPr id="135" name="Google Shape;135;g13d863074c0_0_10:notes"/>
-          <p:cNvSpPr txBox="1"/>
+          <p:cNvSpPr txBox="1">
+            <a:spLocks noGrp="1"/>
+          </p:cNvSpPr>
           <p:nvPr>
-            <p:ph idx="1" type="body"/>
+            <p:ph type="body" idx="1"/>
           </p:nvPr>
         </p:nvSpPr>
         <p:spPr>
@@ -1170,12 +1213,12 @@
           </a:prstGeom>
         </p:spPr>
         <p:txBody>
-          <a:bodyPr anchorCtr="0" anchor="t" bIns="91425" lIns="91425" spcFirstLastPara="1" rIns="91425" wrap="square" tIns="91425">
+          <a:bodyPr spcFirstLastPara="1" wrap="square" lIns="91425" tIns="91425" rIns="91425" bIns="91425" anchor="t" anchorCtr="0">
             <a:noAutofit/>
           </a:bodyPr>
           <a:lstStyle/>
           <a:p>
-            <a:pPr indent="0" lvl="0" marL="0" rtl="0" algn="l">
+            <a:pPr marL="0" lvl="0" indent="0" algn="l" rtl="0">
               <a:spcBef>
                 <a:spcPts val="0"/>
               </a:spcBef>
@@ -1184,9 +1227,6 @@
               </a:spcAft>
               <a:buNone/>
             </a:pPr>
-            <a:r>
-              <a:t/>
-            </a:r>
             <a:endParaRPr/>
           </a:p>
         </p:txBody>
@@ -1200,11 +1240,11 @@
 </file>
 
 <file path=ppt/notesSlides/notesSlide14.xml><?xml version="1.0" encoding="utf-8"?>
-<p:notes xmlns:a="http://schemas.openxmlformats.org/drawingml/2006/main" xmlns:r="http://schemas.openxmlformats.org/officeDocument/2006/relationships" xmlns:mc="http://schemas.openxmlformats.org/markup-compatibility/2006" xmlns:mv="urn:schemas-microsoft-com:mac:vml" xmlns:p="http://schemas.openxmlformats.org/presentationml/2006/main" xmlns:c="http://schemas.openxmlformats.org/drawingml/2006/chart" xmlns:dgm="http://schemas.openxmlformats.org/drawingml/2006/diagram" xmlns:o="urn:schemas-microsoft-com:office:office" xmlns:v="urn:schemas-microsoft-com:vml" xmlns:pvml="urn:schemas-microsoft-com:office:powerpoint" xmlns:com="http://schemas.openxmlformats.org/drawingml/2006/compatibility" xmlns:p14="http://schemas.microsoft.com/office/powerpoint/2010/main" xmlns:p15="http://schemas.microsoft.com/office/powerpoint/2012/main" xmlns:ahyp="http://schemas.microsoft.com/office/drawing/2018/hyperlinkcolor" showMasterPhAnim="0" showMasterSp="0">
+<p:notes xmlns:a="http://schemas.openxmlformats.org/drawingml/2006/main" xmlns:r="http://schemas.openxmlformats.org/officeDocument/2006/relationships" xmlns:p="http://schemas.openxmlformats.org/presentationml/2006/main" showMasterSp="0" showMasterPhAnim="0">
   <p:cSld>
     <p:spTree>
       <p:nvGrpSpPr>
-        <p:cNvPr id="140" name="Shape 140"/>
+        <p:cNvPr id="1" name="Shape 140"/>
         <p:cNvGrpSpPr/>
         <p:nvPr/>
       </p:nvGrpSpPr>
@@ -1219,9 +1259,11 @@
       <p:sp>
         <p:nvSpPr>
           <p:cNvPr id="141" name="Google Shape;141;g13d863074c0_0_15:notes"/>
-          <p:cNvSpPr/>
+          <p:cNvSpPr>
+            <a:spLocks noGrp="1" noRot="1" noChangeAspect="1"/>
+          </p:cNvSpPr>
           <p:nvPr>
-            <p:ph idx="2" type="sldImg"/>
+            <p:ph type="sldImg" idx="2"/>
           </p:nvPr>
         </p:nvSpPr>
         <p:spPr>
@@ -1230,9 +1272,13 @@
             <a:ext cx="6096000" cy="3429000"/>
           </a:xfrm>
           <a:custGeom>
-            <a:rect b="b" l="l" r="r" t="t"/>
+            <a:avLst/>
+            <a:gdLst/>
+            <a:ahLst/>
+            <a:cxnLst/>
+            <a:rect l="l" t="t" r="r" b="b"/>
             <a:pathLst>
-              <a:path extrusionOk="0" h="120000" w="120000">
+              <a:path w="120000" h="120000" extrusionOk="0">
                 <a:moveTo>
                   <a:pt x="0" y="0"/>
                 </a:moveTo>
@@ -1254,9 +1300,11 @@
       <p:sp>
         <p:nvSpPr>
           <p:cNvPr id="142" name="Google Shape;142;g13d863074c0_0_15:notes"/>
-          <p:cNvSpPr txBox="1"/>
+          <p:cNvSpPr txBox="1">
+            <a:spLocks noGrp="1"/>
+          </p:cNvSpPr>
           <p:nvPr>
-            <p:ph idx="1" type="body"/>
+            <p:ph type="body" idx="1"/>
           </p:nvPr>
         </p:nvSpPr>
         <p:spPr>
@@ -1269,12 +1317,12 @@
           </a:prstGeom>
         </p:spPr>
         <p:txBody>
-          <a:bodyPr anchorCtr="0" anchor="t" bIns="91425" lIns="91425" spcFirstLastPara="1" rIns="91425" wrap="square" tIns="91425">
+          <a:bodyPr spcFirstLastPara="1" wrap="square" lIns="91425" tIns="91425" rIns="91425" bIns="91425" anchor="t" anchorCtr="0">
             <a:noAutofit/>
           </a:bodyPr>
           <a:lstStyle/>
           <a:p>
-            <a:pPr indent="0" lvl="0" marL="0" rtl="0" algn="l">
+            <a:pPr marL="0" lvl="0" indent="0" algn="l" rtl="0">
               <a:spcBef>
                 <a:spcPts val="0"/>
               </a:spcBef>
@@ -1283,9 +1331,6 @@
               </a:spcAft>
               <a:buNone/>
             </a:pPr>
-            <a:r>
-              <a:t/>
-            </a:r>
             <a:endParaRPr/>
           </a:p>
         </p:txBody>
@@ -1299,11 +1344,11 @@
 </file>
 
 <file path=ppt/notesSlides/notesSlide15.xml><?xml version="1.0" encoding="utf-8"?>
-<p:notes xmlns:a="http://schemas.openxmlformats.org/drawingml/2006/main" xmlns:r="http://schemas.openxmlformats.org/officeDocument/2006/relationships" xmlns:mc="http://schemas.openxmlformats.org/markup-compatibility/2006" xmlns:mv="urn:schemas-microsoft-com:mac:vml" xmlns:p="http://schemas.openxmlformats.org/presentationml/2006/main" xmlns:c="http://schemas.openxmlformats.org/drawingml/2006/chart" xmlns:dgm="http://schemas.openxmlformats.org/drawingml/2006/diagram" xmlns:o="urn:schemas-microsoft-com:office:office" xmlns:v="urn:schemas-microsoft-com:vml" xmlns:pvml="urn:schemas-microsoft-com:office:powerpoint" xmlns:com="http://schemas.openxmlformats.org/drawingml/2006/compatibility" xmlns:p14="http://schemas.microsoft.com/office/powerpoint/2010/main" xmlns:p15="http://schemas.microsoft.com/office/powerpoint/2012/main" xmlns:ahyp="http://schemas.microsoft.com/office/drawing/2018/hyperlinkcolor" showMasterPhAnim="0" showMasterSp="0">
+<p:notes xmlns:a="http://schemas.openxmlformats.org/drawingml/2006/main" xmlns:r="http://schemas.openxmlformats.org/officeDocument/2006/relationships" xmlns:p="http://schemas.openxmlformats.org/presentationml/2006/main" showMasterSp="0" showMasterPhAnim="0">
   <p:cSld>
     <p:spTree>
       <p:nvGrpSpPr>
-        <p:cNvPr id="146" name="Shape 146"/>
+        <p:cNvPr id="1" name="Shape 146"/>
         <p:cNvGrpSpPr/>
         <p:nvPr/>
       </p:nvGrpSpPr>
@@ -1318,20 +1363,26 @@
       <p:sp>
         <p:nvSpPr>
           <p:cNvPr id="147" name="Google Shape;147;g13d863074c0_0_105:notes"/>
-          <p:cNvSpPr/>
+          <p:cNvSpPr>
+            <a:spLocks noGrp="1" noRot="1" noChangeAspect="1"/>
+          </p:cNvSpPr>
           <p:nvPr>
-            <p:ph idx="2" type="sldImg"/>
+            <p:ph type="sldImg" idx="2"/>
           </p:nvPr>
         </p:nvSpPr>
         <p:spPr>
           <a:xfrm>
-            <a:off x="381300" y="685800"/>
+            <a:off x="381000" y="685800"/>
             <a:ext cx="6096000" cy="3429000"/>
           </a:xfrm>
           <a:custGeom>
-            <a:rect b="b" l="l" r="r" t="t"/>
+            <a:avLst/>
+            <a:gdLst/>
+            <a:ahLst/>
+            <a:cxnLst/>
+            <a:rect l="l" t="t" r="r" b="b"/>
             <a:pathLst>
-              <a:path extrusionOk="0" h="120000" w="120000">
+              <a:path w="120000" h="120000" extrusionOk="0">
                 <a:moveTo>
                   <a:pt x="0" y="0"/>
                 </a:moveTo>
@@ -1353,9 +1404,11 @@
       <p:sp>
         <p:nvSpPr>
           <p:cNvPr id="148" name="Google Shape;148;g13d863074c0_0_105:notes"/>
-          <p:cNvSpPr txBox="1"/>
+          <p:cNvSpPr txBox="1">
+            <a:spLocks noGrp="1"/>
+          </p:cNvSpPr>
           <p:nvPr>
-            <p:ph idx="1" type="body"/>
+            <p:ph type="body" idx="1"/>
           </p:nvPr>
         </p:nvSpPr>
         <p:spPr>
@@ -1368,12 +1421,12 @@
           </a:prstGeom>
         </p:spPr>
         <p:txBody>
-          <a:bodyPr anchorCtr="0" anchor="t" bIns="91425" lIns="91425" spcFirstLastPara="1" rIns="91425" wrap="square" tIns="91425">
+          <a:bodyPr spcFirstLastPara="1" wrap="square" lIns="91425" tIns="91425" rIns="91425" bIns="91425" anchor="t" anchorCtr="0">
             <a:noAutofit/>
           </a:bodyPr>
           <a:lstStyle/>
           <a:p>
-            <a:pPr indent="0" lvl="0" marL="0" rtl="0" algn="l">
+            <a:pPr marL="0" lvl="0" indent="0" algn="l" rtl="0">
               <a:spcBef>
                 <a:spcPts val="0"/>
               </a:spcBef>
@@ -1382,9 +1435,6 @@
               </a:spcAft>
               <a:buNone/>
             </a:pPr>
-            <a:r>
-              <a:t/>
-            </a:r>
             <a:endParaRPr/>
           </a:p>
         </p:txBody>
@@ -1398,11 +1448,11 @@
 </file>
 
 <file path=ppt/notesSlides/notesSlide16.xml><?xml version="1.0" encoding="utf-8"?>
-<p:notes xmlns:a="http://schemas.openxmlformats.org/drawingml/2006/main" xmlns:r="http://schemas.openxmlformats.org/officeDocument/2006/relationships" xmlns:mc="http://schemas.openxmlformats.org/markup-compatibility/2006" xmlns:mv="urn:schemas-microsoft-com:mac:vml" xmlns:p="http://schemas.openxmlformats.org/presentationml/2006/main" xmlns:c="http://schemas.openxmlformats.org/drawingml/2006/chart" xmlns:dgm="http://schemas.openxmlformats.org/drawingml/2006/diagram" xmlns:o="urn:schemas-microsoft-com:office:office" xmlns:v="urn:schemas-microsoft-com:vml" xmlns:pvml="urn:schemas-microsoft-com:office:powerpoint" xmlns:com="http://schemas.openxmlformats.org/drawingml/2006/compatibility" xmlns:p14="http://schemas.microsoft.com/office/powerpoint/2010/main" xmlns:p15="http://schemas.microsoft.com/office/powerpoint/2012/main" xmlns:ahyp="http://schemas.microsoft.com/office/drawing/2018/hyperlinkcolor" showMasterPhAnim="0" showMasterSp="0">
+<p:notes xmlns:a="http://schemas.openxmlformats.org/drawingml/2006/main" xmlns:r="http://schemas.openxmlformats.org/officeDocument/2006/relationships" xmlns:p="http://schemas.openxmlformats.org/presentationml/2006/main" showMasterSp="0" showMasterPhAnim="0">
   <p:cSld>
     <p:spTree>
       <p:nvGrpSpPr>
-        <p:cNvPr id="154" name="Shape 154"/>
+        <p:cNvPr id="1" name="Shape 154"/>
         <p:cNvGrpSpPr/>
         <p:nvPr/>
       </p:nvGrpSpPr>
@@ -1417,9 +1467,11 @@
       <p:sp>
         <p:nvSpPr>
           <p:cNvPr id="155" name="Google Shape;155;g13d863074c0_0_113:notes"/>
-          <p:cNvSpPr/>
+          <p:cNvSpPr>
+            <a:spLocks noGrp="1" noRot="1" noChangeAspect="1"/>
+          </p:cNvSpPr>
           <p:nvPr>
-            <p:ph idx="2" type="sldImg"/>
+            <p:ph type="sldImg" idx="2"/>
           </p:nvPr>
         </p:nvSpPr>
         <p:spPr>
@@ -1428,9 +1480,13 @@
             <a:ext cx="6096000" cy="3429000"/>
           </a:xfrm>
           <a:custGeom>
-            <a:rect b="b" l="l" r="r" t="t"/>
+            <a:avLst/>
+            <a:gdLst/>
+            <a:ahLst/>
+            <a:cxnLst/>
+            <a:rect l="l" t="t" r="r" b="b"/>
             <a:pathLst>
-              <a:path extrusionOk="0" h="120000" w="120000">
+              <a:path w="120000" h="120000" extrusionOk="0">
                 <a:moveTo>
                   <a:pt x="0" y="0"/>
                 </a:moveTo>
@@ -1452,9 +1508,11 @@
       <p:sp>
         <p:nvSpPr>
           <p:cNvPr id="156" name="Google Shape;156;g13d863074c0_0_113:notes"/>
-          <p:cNvSpPr txBox="1"/>
+          <p:cNvSpPr txBox="1">
+            <a:spLocks noGrp="1"/>
+          </p:cNvSpPr>
           <p:nvPr>
-            <p:ph idx="1" type="body"/>
+            <p:ph type="body" idx="1"/>
           </p:nvPr>
         </p:nvSpPr>
         <p:spPr>
@@ -1467,12 +1525,12 @@
           </a:prstGeom>
         </p:spPr>
         <p:txBody>
-          <a:bodyPr anchorCtr="0" anchor="t" bIns="91425" lIns="91425" spcFirstLastPara="1" rIns="91425" wrap="square" tIns="91425">
+          <a:bodyPr spcFirstLastPara="1" wrap="square" lIns="91425" tIns="91425" rIns="91425" bIns="91425" anchor="t" anchorCtr="0">
             <a:noAutofit/>
           </a:bodyPr>
           <a:lstStyle/>
           <a:p>
-            <a:pPr indent="0" lvl="0" marL="0" rtl="0" algn="l">
+            <a:pPr marL="0" lvl="0" indent="0" algn="l" rtl="0">
               <a:spcBef>
                 <a:spcPts val="0"/>
               </a:spcBef>
@@ -1483,16 +1541,12 @@
             </a:pPr>
             <a:r>
               <a:rPr lang="en"/>
-              <a:t>Linear or superlinear trends are found in every 5-year </a:t>
-            </a:r>
-            <a:r>
-              <a:rPr lang="en"/>
-              <a:t>sample of SureChemBL!</a:t>
+              <a:t>Linear or superlinear trends are found in every 5-year sample of SureChemBL!</a:t>
             </a:r>
             <a:endParaRPr/>
           </a:p>
           <a:p>
-            <a:pPr indent="0" lvl="0" marL="0" rtl="0" algn="l">
+            <a:pPr marL="0" lvl="0" indent="0" algn="l" rtl="0">
               <a:spcBef>
                 <a:spcPts val="0"/>
               </a:spcBef>
@@ -1501,13 +1555,10 @@
               </a:spcAft>
               <a:buNone/>
             </a:pPr>
-            <a:r>
-              <a:t/>
-            </a:r>
             <a:endParaRPr/>
           </a:p>
           <a:p>
-            <a:pPr indent="0" lvl="0" marL="0" rtl="0" algn="l">
+            <a:pPr marL="0" lvl="0" indent="0" algn="l" rtl="0">
               <a:spcBef>
                 <a:spcPts val="0"/>
               </a:spcBef>
@@ -1533,11 +1584,11 @@
 </file>
 
 <file path=ppt/notesSlides/notesSlide17.xml><?xml version="1.0" encoding="utf-8"?>
-<p:notes xmlns:a="http://schemas.openxmlformats.org/drawingml/2006/main" xmlns:r="http://schemas.openxmlformats.org/officeDocument/2006/relationships" xmlns:mc="http://schemas.openxmlformats.org/markup-compatibility/2006" xmlns:mv="urn:schemas-microsoft-com:mac:vml" xmlns:p="http://schemas.openxmlformats.org/presentationml/2006/main" xmlns:c="http://schemas.openxmlformats.org/drawingml/2006/chart" xmlns:dgm="http://schemas.openxmlformats.org/drawingml/2006/diagram" xmlns:o="urn:schemas-microsoft-com:office:office" xmlns:v="urn:schemas-microsoft-com:vml" xmlns:pvml="urn:schemas-microsoft-com:office:powerpoint" xmlns:com="http://schemas.openxmlformats.org/drawingml/2006/compatibility" xmlns:p14="http://schemas.microsoft.com/office/powerpoint/2010/main" xmlns:p15="http://schemas.microsoft.com/office/powerpoint/2012/main" xmlns:ahyp="http://schemas.microsoft.com/office/drawing/2018/hyperlinkcolor" showMasterPhAnim="0" showMasterSp="0">
+<p:notes xmlns:a="http://schemas.openxmlformats.org/drawingml/2006/main" xmlns:r="http://schemas.openxmlformats.org/officeDocument/2006/relationships" xmlns:p="http://schemas.openxmlformats.org/presentationml/2006/main" showMasterSp="0" showMasterPhAnim="0">
   <p:cSld>
     <p:spTree>
       <p:nvGrpSpPr>
-        <p:cNvPr id="159" name="Shape 159"/>
+        <p:cNvPr id="1" name="Shape 159"/>
         <p:cNvGrpSpPr/>
         <p:nvPr/>
       </p:nvGrpSpPr>
@@ -1552,9 +1603,11 @@
       <p:sp>
         <p:nvSpPr>
           <p:cNvPr id="160" name="Google Shape;160;g13d863074c0_0_126:notes"/>
-          <p:cNvSpPr/>
+          <p:cNvSpPr>
+            <a:spLocks noGrp="1" noRot="1" noChangeAspect="1"/>
+          </p:cNvSpPr>
           <p:nvPr>
-            <p:ph idx="2" type="sldImg"/>
+            <p:ph type="sldImg" idx="2"/>
           </p:nvPr>
         </p:nvSpPr>
         <p:spPr>
@@ -1563,9 +1616,13 @@
             <a:ext cx="6096000" cy="3429000"/>
           </a:xfrm>
           <a:custGeom>
-            <a:rect b="b" l="l" r="r" t="t"/>
+            <a:avLst/>
+            <a:gdLst/>
+            <a:ahLst/>
+            <a:cxnLst/>
+            <a:rect l="l" t="t" r="r" b="b"/>
             <a:pathLst>
-              <a:path extrusionOk="0" h="120000" w="120000">
+              <a:path w="120000" h="120000" extrusionOk="0">
                 <a:moveTo>
                   <a:pt x="0" y="0"/>
                 </a:moveTo>
@@ -1587,9 +1644,11 @@
       <p:sp>
         <p:nvSpPr>
           <p:cNvPr id="161" name="Google Shape;161;g13d863074c0_0_126:notes"/>
-          <p:cNvSpPr txBox="1"/>
+          <p:cNvSpPr txBox="1">
+            <a:spLocks noGrp="1"/>
+          </p:cNvSpPr>
           <p:nvPr>
-            <p:ph idx="1" type="body"/>
+            <p:ph type="body" idx="1"/>
           </p:nvPr>
         </p:nvSpPr>
         <p:spPr>
@@ -1602,12 +1661,12 @@
           </a:prstGeom>
         </p:spPr>
         <p:txBody>
-          <a:bodyPr anchorCtr="0" anchor="t" bIns="91425" lIns="91425" spcFirstLastPara="1" rIns="91425" wrap="square" tIns="91425">
+          <a:bodyPr spcFirstLastPara="1" wrap="square" lIns="91425" tIns="91425" rIns="91425" bIns="91425" anchor="t" anchorCtr="0">
             <a:noAutofit/>
           </a:bodyPr>
           <a:lstStyle/>
           <a:p>
-            <a:pPr indent="0" lvl="0" marL="0" rtl="0" algn="l">
+            <a:pPr marL="0" lvl="0" indent="0" algn="l" rtl="0">
               <a:spcBef>
                 <a:spcPts val="0"/>
               </a:spcBef>
@@ -1616,9 +1675,6 @@
               </a:spcAft>
               <a:buNone/>
             </a:pPr>
-            <a:r>
-              <a:t/>
-            </a:r>
             <a:endParaRPr/>
           </a:p>
         </p:txBody>
@@ -1632,11 +1688,11 @@
 </file>
 
 <file path=ppt/notesSlides/notesSlide18.xml><?xml version="1.0" encoding="utf-8"?>
-<p:notes xmlns:a="http://schemas.openxmlformats.org/drawingml/2006/main" xmlns:r="http://schemas.openxmlformats.org/officeDocument/2006/relationships" xmlns:mc="http://schemas.openxmlformats.org/markup-compatibility/2006" xmlns:mv="urn:schemas-microsoft-com:mac:vml" xmlns:p="http://schemas.openxmlformats.org/presentationml/2006/main" xmlns:c="http://schemas.openxmlformats.org/drawingml/2006/chart" xmlns:dgm="http://schemas.openxmlformats.org/drawingml/2006/diagram" xmlns:o="urn:schemas-microsoft-com:office:office" xmlns:v="urn:schemas-microsoft-com:vml" xmlns:pvml="urn:schemas-microsoft-com:office:powerpoint" xmlns:com="http://schemas.openxmlformats.org/drawingml/2006/compatibility" xmlns:p14="http://schemas.microsoft.com/office/powerpoint/2010/main" xmlns:p15="http://schemas.microsoft.com/office/powerpoint/2012/main" xmlns:ahyp="http://schemas.microsoft.com/office/drawing/2018/hyperlinkcolor" showMasterPhAnim="0" showMasterSp="0">
+<p:notes xmlns:a="http://schemas.openxmlformats.org/drawingml/2006/main" xmlns:r="http://schemas.openxmlformats.org/officeDocument/2006/relationships" xmlns:p="http://schemas.openxmlformats.org/presentationml/2006/main" showMasterSp="0" showMasterPhAnim="0">
   <p:cSld>
     <p:spTree>
       <p:nvGrpSpPr>
-        <p:cNvPr id="166" name="Shape 166"/>
+        <p:cNvPr id="1" name="Shape 166"/>
         <p:cNvGrpSpPr/>
         <p:nvPr/>
       </p:nvGrpSpPr>
@@ -1651,20 +1707,26 @@
       <p:sp>
         <p:nvSpPr>
           <p:cNvPr id="167" name="Google Shape;167;g1430d7373fa_0_0:notes"/>
-          <p:cNvSpPr/>
+          <p:cNvSpPr>
+            <a:spLocks noGrp="1" noRot="1" noChangeAspect="1"/>
+          </p:cNvSpPr>
           <p:nvPr>
-            <p:ph idx="2" type="sldImg"/>
+            <p:ph type="sldImg" idx="2"/>
           </p:nvPr>
         </p:nvSpPr>
         <p:spPr>
           <a:xfrm>
-            <a:off x="381300" y="685800"/>
+            <a:off x="381000" y="685800"/>
             <a:ext cx="6096000" cy="3429000"/>
           </a:xfrm>
           <a:custGeom>
-            <a:rect b="b" l="l" r="r" t="t"/>
+            <a:avLst/>
+            <a:gdLst/>
+            <a:ahLst/>
+            <a:cxnLst/>
+            <a:rect l="l" t="t" r="r" b="b"/>
             <a:pathLst>
-              <a:path extrusionOk="0" h="120000" w="120000">
+              <a:path w="120000" h="120000" extrusionOk="0">
                 <a:moveTo>
                   <a:pt x="0" y="0"/>
                 </a:moveTo>
@@ -1686,9 +1748,11 @@
       <p:sp>
         <p:nvSpPr>
           <p:cNvPr id="168" name="Google Shape;168;g1430d7373fa_0_0:notes"/>
-          <p:cNvSpPr txBox="1"/>
+          <p:cNvSpPr txBox="1">
+            <a:spLocks noGrp="1"/>
+          </p:cNvSpPr>
           <p:nvPr>
-            <p:ph idx="1" type="body"/>
+            <p:ph type="body" idx="1"/>
           </p:nvPr>
         </p:nvSpPr>
         <p:spPr>
@@ -1701,12 +1765,12 @@
           </a:prstGeom>
         </p:spPr>
         <p:txBody>
-          <a:bodyPr anchorCtr="0" anchor="t" bIns="91425" lIns="91425" spcFirstLastPara="1" rIns="91425" wrap="square" tIns="91425">
+          <a:bodyPr spcFirstLastPara="1" wrap="square" lIns="91425" tIns="91425" rIns="91425" bIns="91425" anchor="t" anchorCtr="0">
             <a:noAutofit/>
           </a:bodyPr>
           <a:lstStyle/>
           <a:p>
-            <a:pPr indent="0" lvl="0" marL="0" rtl="0" algn="l">
+            <a:pPr marL="0" lvl="0" indent="0" algn="l" rtl="0">
               <a:spcBef>
                 <a:spcPts val="0"/>
               </a:spcBef>
@@ -1715,9 +1779,6 @@
               </a:spcAft>
               <a:buNone/>
             </a:pPr>
-            <a:r>
-              <a:t/>
-            </a:r>
             <a:endParaRPr/>
           </a:p>
         </p:txBody>
@@ -1731,11 +1792,11 @@
 </file>
 
 <file path=ppt/notesSlides/notesSlide19.xml><?xml version="1.0" encoding="utf-8"?>
-<p:notes xmlns:a="http://schemas.openxmlformats.org/drawingml/2006/main" xmlns:r="http://schemas.openxmlformats.org/officeDocument/2006/relationships" xmlns:mc="http://schemas.openxmlformats.org/markup-compatibility/2006" xmlns:mv="urn:schemas-microsoft-com:mac:vml" xmlns:p="http://schemas.openxmlformats.org/presentationml/2006/main" xmlns:c="http://schemas.openxmlformats.org/drawingml/2006/chart" xmlns:dgm="http://schemas.openxmlformats.org/drawingml/2006/diagram" xmlns:o="urn:schemas-microsoft-com:office:office" xmlns:v="urn:schemas-microsoft-com:vml" xmlns:pvml="urn:schemas-microsoft-com:office:powerpoint" xmlns:com="http://schemas.openxmlformats.org/drawingml/2006/compatibility" xmlns:p14="http://schemas.microsoft.com/office/powerpoint/2010/main" xmlns:p15="http://schemas.microsoft.com/office/powerpoint/2012/main" xmlns:ahyp="http://schemas.microsoft.com/office/drawing/2018/hyperlinkcolor" showMasterPhAnim="0" showMasterSp="0">
+<p:notes xmlns:a="http://schemas.openxmlformats.org/drawingml/2006/main" xmlns:r="http://schemas.openxmlformats.org/officeDocument/2006/relationships" xmlns:p="http://schemas.openxmlformats.org/presentationml/2006/main" showMasterSp="0" showMasterPhAnim="0">
   <p:cSld>
     <p:spTree>
       <p:nvGrpSpPr>
-        <p:cNvPr id="173" name="Shape 173"/>
+        <p:cNvPr id="1" name="Shape 173"/>
         <p:cNvGrpSpPr/>
         <p:nvPr/>
       </p:nvGrpSpPr>
@@ -1750,9 +1811,11 @@
       <p:sp>
         <p:nvSpPr>
           <p:cNvPr id="174" name="Google Shape;174;g13d863074c0_0_132:notes"/>
-          <p:cNvSpPr/>
+          <p:cNvSpPr>
+            <a:spLocks noGrp="1" noRot="1" noChangeAspect="1"/>
+          </p:cNvSpPr>
           <p:nvPr>
-            <p:ph idx="2" type="sldImg"/>
+            <p:ph type="sldImg" idx="2"/>
           </p:nvPr>
         </p:nvSpPr>
         <p:spPr>
@@ -1761,9 +1824,13 @@
             <a:ext cx="6096000" cy="3429000"/>
           </a:xfrm>
           <a:custGeom>
-            <a:rect b="b" l="l" r="r" t="t"/>
+            <a:avLst/>
+            <a:gdLst/>
+            <a:ahLst/>
+            <a:cxnLst/>
+            <a:rect l="l" t="t" r="r" b="b"/>
             <a:pathLst>
-              <a:path extrusionOk="0" h="120000" w="120000">
+              <a:path w="120000" h="120000" extrusionOk="0">
                 <a:moveTo>
                   <a:pt x="0" y="0"/>
                 </a:moveTo>
@@ -1785,9 +1852,11 @@
       <p:sp>
         <p:nvSpPr>
           <p:cNvPr id="175" name="Google Shape;175;g13d863074c0_0_132:notes"/>
-          <p:cNvSpPr txBox="1"/>
+          <p:cNvSpPr txBox="1">
+            <a:spLocks noGrp="1"/>
+          </p:cNvSpPr>
           <p:nvPr>
-            <p:ph idx="1" type="body"/>
+            <p:ph type="body" idx="1"/>
           </p:nvPr>
         </p:nvSpPr>
         <p:spPr>
@@ -1800,12 +1869,12 @@
           </a:prstGeom>
         </p:spPr>
         <p:txBody>
-          <a:bodyPr anchorCtr="0" anchor="t" bIns="91425" lIns="91425" spcFirstLastPara="1" rIns="91425" wrap="square" tIns="91425">
+          <a:bodyPr spcFirstLastPara="1" wrap="square" lIns="91425" tIns="91425" rIns="91425" bIns="91425" anchor="t" anchorCtr="0">
             <a:noAutofit/>
           </a:bodyPr>
           <a:lstStyle/>
           <a:p>
-            <a:pPr indent="0" lvl="0" marL="0" rtl="0" algn="l">
+            <a:pPr marL="0" lvl="0" indent="0" algn="l" rtl="0">
               <a:spcBef>
                 <a:spcPts val="0"/>
               </a:spcBef>
@@ -1814,9 +1883,6 @@
               </a:spcAft>
               <a:buNone/>
             </a:pPr>
-            <a:r>
-              <a:t/>
-            </a:r>
             <a:endParaRPr/>
           </a:p>
         </p:txBody>
@@ -1830,11 +1896,11 @@
 </file>
 
 <file path=ppt/notesSlides/notesSlide2.xml><?xml version="1.0" encoding="utf-8"?>
-<p:notes xmlns:a="http://schemas.openxmlformats.org/drawingml/2006/main" xmlns:r="http://schemas.openxmlformats.org/officeDocument/2006/relationships" xmlns:mc="http://schemas.openxmlformats.org/markup-compatibility/2006" xmlns:mv="urn:schemas-microsoft-com:mac:vml" xmlns:p="http://schemas.openxmlformats.org/presentationml/2006/main" xmlns:c="http://schemas.openxmlformats.org/drawingml/2006/chart" xmlns:dgm="http://schemas.openxmlformats.org/drawingml/2006/diagram" xmlns:o="urn:schemas-microsoft-com:office:office" xmlns:v="urn:schemas-microsoft-com:vml" xmlns:pvml="urn:schemas-microsoft-com:office:powerpoint" xmlns:com="http://schemas.openxmlformats.org/drawingml/2006/compatibility" xmlns:p14="http://schemas.microsoft.com/office/powerpoint/2010/main" xmlns:p15="http://schemas.microsoft.com/office/powerpoint/2012/main" xmlns:ahyp="http://schemas.microsoft.com/office/drawing/2018/hyperlinkcolor" showMasterPhAnim="0" showMasterSp="0">
+<p:notes xmlns:a="http://schemas.openxmlformats.org/drawingml/2006/main" xmlns:r="http://schemas.openxmlformats.org/officeDocument/2006/relationships" xmlns:p="http://schemas.openxmlformats.org/presentationml/2006/main" showMasterSp="0" showMasterPhAnim="0">
   <p:cSld>
     <p:spTree>
       <p:nvGrpSpPr>
-        <p:cNvPr id="58" name="Shape 58"/>
+        <p:cNvPr id="1" name="Shape 58"/>
         <p:cNvGrpSpPr/>
         <p:nvPr/>
       </p:nvGrpSpPr>
@@ -1849,9 +1915,11 @@
       <p:sp>
         <p:nvSpPr>
           <p:cNvPr id="59" name="Google Shape;59;g13d863074c0_0_0:notes"/>
-          <p:cNvSpPr/>
+          <p:cNvSpPr>
+            <a:spLocks noGrp="1" noRot="1" noChangeAspect="1"/>
+          </p:cNvSpPr>
           <p:nvPr>
-            <p:ph idx="2" type="sldImg"/>
+            <p:ph type="sldImg" idx="2"/>
           </p:nvPr>
         </p:nvSpPr>
         <p:spPr>
@@ -1860,9 +1928,13 @@
             <a:ext cx="6096000" cy="3429000"/>
           </a:xfrm>
           <a:custGeom>
-            <a:rect b="b" l="l" r="r" t="t"/>
+            <a:avLst/>
+            <a:gdLst/>
+            <a:ahLst/>
+            <a:cxnLst/>
+            <a:rect l="l" t="t" r="r" b="b"/>
             <a:pathLst>
-              <a:path extrusionOk="0" h="120000" w="120000">
+              <a:path w="120000" h="120000" extrusionOk="0">
                 <a:moveTo>
                   <a:pt x="0" y="0"/>
                 </a:moveTo>
@@ -1884,9 +1956,11 @@
       <p:sp>
         <p:nvSpPr>
           <p:cNvPr id="60" name="Google Shape;60;g13d863074c0_0_0:notes"/>
-          <p:cNvSpPr txBox="1"/>
+          <p:cNvSpPr txBox="1">
+            <a:spLocks noGrp="1"/>
+          </p:cNvSpPr>
           <p:nvPr>
-            <p:ph idx="1" type="body"/>
+            <p:ph type="body" idx="1"/>
           </p:nvPr>
         </p:nvSpPr>
         <p:spPr>
@@ -1899,12 +1973,12 @@
           </a:prstGeom>
         </p:spPr>
         <p:txBody>
-          <a:bodyPr anchorCtr="0" anchor="t" bIns="91425" lIns="91425" spcFirstLastPara="1" rIns="91425" wrap="square" tIns="91425">
+          <a:bodyPr spcFirstLastPara="1" wrap="square" lIns="91425" tIns="91425" rIns="91425" bIns="91425" anchor="t" anchorCtr="0">
             <a:noAutofit/>
           </a:bodyPr>
           <a:lstStyle/>
           <a:p>
-            <a:pPr indent="0" lvl="0" marL="0" rtl="0" algn="l">
+            <a:pPr marL="0" lvl="0" indent="0" algn="l" rtl="0">
               <a:spcBef>
                 <a:spcPts val="0"/>
               </a:spcBef>
@@ -1913,9 +1987,6 @@
               </a:spcAft>
               <a:buNone/>
             </a:pPr>
-            <a:r>
-              <a:t/>
-            </a:r>
             <a:endParaRPr/>
           </a:p>
         </p:txBody>
@@ -1929,11 +2000,11 @@
 </file>
 
 <file path=ppt/notesSlides/notesSlide3.xml><?xml version="1.0" encoding="utf-8"?>
-<p:notes xmlns:a="http://schemas.openxmlformats.org/drawingml/2006/main" xmlns:r="http://schemas.openxmlformats.org/officeDocument/2006/relationships" xmlns:mc="http://schemas.openxmlformats.org/markup-compatibility/2006" xmlns:mv="urn:schemas-microsoft-com:mac:vml" xmlns:p="http://schemas.openxmlformats.org/presentationml/2006/main" xmlns:c="http://schemas.openxmlformats.org/drawingml/2006/chart" xmlns:dgm="http://schemas.openxmlformats.org/drawingml/2006/diagram" xmlns:o="urn:schemas-microsoft-com:office:office" xmlns:v="urn:schemas-microsoft-com:vml" xmlns:pvml="urn:schemas-microsoft-com:office:powerpoint" xmlns:com="http://schemas.openxmlformats.org/drawingml/2006/compatibility" xmlns:p14="http://schemas.microsoft.com/office/powerpoint/2010/main" xmlns:p15="http://schemas.microsoft.com/office/powerpoint/2012/main" xmlns:ahyp="http://schemas.microsoft.com/office/drawing/2018/hyperlinkcolor" showMasterPhAnim="0" showMasterSp="0">
+<p:notes xmlns:a="http://schemas.openxmlformats.org/drawingml/2006/main" xmlns:r="http://schemas.openxmlformats.org/officeDocument/2006/relationships" xmlns:p="http://schemas.openxmlformats.org/presentationml/2006/main" showMasterSp="0" showMasterPhAnim="0">
   <p:cSld>
     <p:spTree>
       <p:nvGrpSpPr>
-        <p:cNvPr id="64" name="Shape 64"/>
+        <p:cNvPr id="1" name="Shape 64"/>
         <p:cNvGrpSpPr/>
         <p:nvPr/>
       </p:nvGrpSpPr>
@@ -1948,9 +2019,11 @@
       <p:sp>
         <p:nvSpPr>
           <p:cNvPr id="65" name="Google Shape;65;g13d863074c0_0_5:notes"/>
-          <p:cNvSpPr/>
+          <p:cNvSpPr>
+            <a:spLocks noGrp="1" noRot="1" noChangeAspect="1"/>
+          </p:cNvSpPr>
           <p:nvPr>
-            <p:ph idx="2" type="sldImg"/>
+            <p:ph type="sldImg" idx="2"/>
           </p:nvPr>
         </p:nvSpPr>
         <p:spPr>
@@ -1959,9 +2032,13 @@
             <a:ext cx="6096000" cy="3429000"/>
           </a:xfrm>
           <a:custGeom>
-            <a:rect b="b" l="l" r="r" t="t"/>
+            <a:avLst/>
+            <a:gdLst/>
+            <a:ahLst/>
+            <a:cxnLst/>
+            <a:rect l="l" t="t" r="r" b="b"/>
             <a:pathLst>
-              <a:path extrusionOk="0" h="120000" w="120000">
+              <a:path w="120000" h="120000" extrusionOk="0">
                 <a:moveTo>
                   <a:pt x="0" y="0"/>
                 </a:moveTo>
@@ -1983,9 +2060,11 @@
       <p:sp>
         <p:nvSpPr>
           <p:cNvPr id="66" name="Google Shape;66;g13d863074c0_0_5:notes"/>
-          <p:cNvSpPr txBox="1"/>
+          <p:cNvSpPr txBox="1">
+            <a:spLocks noGrp="1"/>
+          </p:cNvSpPr>
           <p:nvPr>
-            <p:ph idx="1" type="body"/>
+            <p:ph type="body" idx="1"/>
           </p:nvPr>
         </p:nvSpPr>
         <p:spPr>
@@ -1998,12 +2077,12 @@
           </a:prstGeom>
         </p:spPr>
         <p:txBody>
-          <a:bodyPr anchorCtr="0" anchor="t" bIns="91425" lIns="91425" spcFirstLastPara="1" rIns="91425" wrap="square" tIns="91425">
+          <a:bodyPr spcFirstLastPara="1" wrap="square" lIns="91425" tIns="91425" rIns="91425" bIns="91425" anchor="t" anchorCtr="0">
             <a:noAutofit/>
           </a:bodyPr>
           <a:lstStyle/>
           <a:p>
-            <a:pPr indent="0" lvl="0" marL="0" rtl="0" algn="l">
+            <a:pPr marL="0" lvl="0" indent="0" algn="l" rtl="0">
               <a:spcBef>
                 <a:spcPts val="0"/>
               </a:spcBef>
@@ -2014,11 +2093,7 @@
             </a:pPr>
             <a:r>
               <a:rPr lang="en"/>
-              <a:t>Database</a:t>
-            </a:r>
-            <a:r>
-              <a:rPr lang="en"/>
-              <a:t> structure -&gt; Patents (with dates) contain compounds, which can be used across different patents</a:t>
+              <a:t>Database structure -&gt; Patents (with dates) contain compounds, which can be used across different patents</a:t>
             </a:r>
             <a:endParaRPr/>
           </a:p>
@@ -2033,11 +2108,11 @@
 </file>
 
 <file path=ppt/notesSlides/notesSlide4.xml><?xml version="1.0" encoding="utf-8"?>
-<p:notes xmlns:a="http://schemas.openxmlformats.org/drawingml/2006/main" xmlns:r="http://schemas.openxmlformats.org/officeDocument/2006/relationships" xmlns:mc="http://schemas.openxmlformats.org/markup-compatibility/2006" xmlns:mv="urn:schemas-microsoft-com:mac:vml" xmlns:p="http://schemas.openxmlformats.org/presentationml/2006/main" xmlns:c="http://schemas.openxmlformats.org/drawingml/2006/chart" xmlns:dgm="http://schemas.openxmlformats.org/drawingml/2006/diagram" xmlns:o="urn:schemas-microsoft-com:office:office" xmlns:v="urn:schemas-microsoft-com:vml" xmlns:pvml="urn:schemas-microsoft-com:office:powerpoint" xmlns:com="http://schemas.openxmlformats.org/drawingml/2006/compatibility" xmlns:p14="http://schemas.microsoft.com/office/powerpoint/2010/main" xmlns:p15="http://schemas.microsoft.com/office/powerpoint/2012/main" xmlns:ahyp="http://schemas.microsoft.com/office/drawing/2018/hyperlinkcolor" showMasterPhAnim="0" showMasterSp="0">
+<p:notes xmlns:a="http://schemas.openxmlformats.org/drawingml/2006/main" xmlns:r="http://schemas.openxmlformats.org/officeDocument/2006/relationships" xmlns:p="http://schemas.openxmlformats.org/presentationml/2006/main" showMasterSp="0" showMasterPhAnim="0">
   <p:cSld>
     <p:spTree>
       <p:nvGrpSpPr>
-        <p:cNvPr id="71" name="Shape 71"/>
+        <p:cNvPr id="1" name="Shape 71"/>
         <p:cNvGrpSpPr/>
         <p:nvPr/>
       </p:nvGrpSpPr>
@@ -2052,9 +2127,11 @@
       <p:sp>
         <p:nvSpPr>
           <p:cNvPr id="72" name="Google Shape;72;g13d863074c0_0_36:notes"/>
-          <p:cNvSpPr/>
+          <p:cNvSpPr>
+            <a:spLocks noGrp="1" noRot="1" noChangeAspect="1"/>
+          </p:cNvSpPr>
           <p:nvPr>
-            <p:ph idx="2" type="sldImg"/>
+            <p:ph type="sldImg" idx="2"/>
           </p:nvPr>
         </p:nvSpPr>
         <p:spPr>
@@ -2063,9 +2140,13 @@
             <a:ext cx="6096000" cy="3429000"/>
           </a:xfrm>
           <a:custGeom>
-            <a:rect b="b" l="l" r="r" t="t"/>
+            <a:avLst/>
+            <a:gdLst/>
+            <a:ahLst/>
+            <a:cxnLst/>
+            <a:rect l="l" t="t" r="r" b="b"/>
             <a:pathLst>
-              <a:path extrusionOk="0" h="120000" w="120000">
+              <a:path w="120000" h="120000" extrusionOk="0">
                 <a:moveTo>
                   <a:pt x="0" y="0"/>
                 </a:moveTo>
@@ -2087,9 +2168,11 @@
       <p:sp>
         <p:nvSpPr>
           <p:cNvPr id="73" name="Google Shape;73;g13d863074c0_0_36:notes"/>
-          <p:cNvSpPr txBox="1"/>
+          <p:cNvSpPr txBox="1">
+            <a:spLocks noGrp="1"/>
+          </p:cNvSpPr>
           <p:nvPr>
-            <p:ph idx="1" type="body"/>
+            <p:ph type="body" idx="1"/>
           </p:nvPr>
         </p:nvSpPr>
         <p:spPr>
@@ -2102,12 +2185,12 @@
           </a:prstGeom>
         </p:spPr>
         <p:txBody>
-          <a:bodyPr anchorCtr="0" anchor="t" bIns="91425" lIns="91425" spcFirstLastPara="1" rIns="91425" wrap="square" tIns="91425">
+          <a:bodyPr spcFirstLastPara="1" wrap="square" lIns="91425" tIns="91425" rIns="91425" bIns="91425" anchor="t" anchorCtr="0">
             <a:noAutofit/>
           </a:bodyPr>
           <a:lstStyle/>
           <a:p>
-            <a:pPr indent="0" lvl="0" marL="0" rtl="0" algn="l">
+            <a:pPr marL="0" lvl="0" indent="0" algn="l" rtl="0">
               <a:spcBef>
                 <a:spcPts val="0"/>
               </a:spcBef>
@@ -2118,15 +2201,7 @@
             </a:pPr>
             <a:r>
               <a:rPr lang="en"/>
-              <a:t>The patent network is </a:t>
-            </a:r>
-            <a:r>
-              <a:rPr lang="en"/>
-              <a:t>built</a:t>
-            </a:r>
-            <a:r>
-              <a:rPr lang="en"/>
-              <a:t> by connecting patents with the compounds which are used within them. This is a dynamic process, with different parts of the network added based on the time the patent was registered.</a:t>
+              <a:t>The patent network is built by connecting patents with the compounds which are used within them. This is a dynamic process, with different parts of the network added based on the time the patent was registered.</a:t>
             </a:r>
             <a:endParaRPr/>
           </a:p>
@@ -2141,11 +2216,11 @@
 </file>
 
 <file path=ppt/notesSlides/notesSlide5.xml><?xml version="1.0" encoding="utf-8"?>
-<p:notes xmlns:a="http://schemas.openxmlformats.org/drawingml/2006/main" xmlns:r="http://schemas.openxmlformats.org/officeDocument/2006/relationships" xmlns:mc="http://schemas.openxmlformats.org/markup-compatibility/2006" xmlns:mv="urn:schemas-microsoft-com:mac:vml" xmlns:p="http://schemas.openxmlformats.org/presentationml/2006/main" xmlns:c="http://schemas.openxmlformats.org/drawingml/2006/chart" xmlns:dgm="http://schemas.openxmlformats.org/drawingml/2006/diagram" xmlns:o="urn:schemas-microsoft-com:office:office" xmlns:v="urn:schemas-microsoft-com:vml" xmlns:pvml="urn:schemas-microsoft-com:office:powerpoint" xmlns:com="http://schemas.openxmlformats.org/drawingml/2006/compatibility" xmlns:p14="http://schemas.microsoft.com/office/powerpoint/2010/main" xmlns:p15="http://schemas.microsoft.com/office/powerpoint/2012/main" xmlns:ahyp="http://schemas.microsoft.com/office/drawing/2018/hyperlinkcolor" showMasterPhAnim="0" showMasterSp="0">
+<p:notes xmlns:a="http://schemas.openxmlformats.org/drawingml/2006/main" xmlns:r="http://schemas.openxmlformats.org/officeDocument/2006/relationships" xmlns:p="http://schemas.openxmlformats.org/presentationml/2006/main" showMasterSp="0" showMasterPhAnim="0">
   <p:cSld>
     <p:spTree>
       <p:nvGrpSpPr>
-        <p:cNvPr id="78" name="Shape 78"/>
+        <p:cNvPr id="1" name="Shape 78"/>
         <p:cNvGrpSpPr/>
         <p:nvPr/>
       </p:nvGrpSpPr>
@@ -2160,9 +2235,11 @@
       <p:sp>
         <p:nvSpPr>
           <p:cNvPr id="79" name="Google Shape;79;g13d863074c0_0_42:notes"/>
-          <p:cNvSpPr/>
+          <p:cNvSpPr>
+            <a:spLocks noGrp="1" noRot="1" noChangeAspect="1"/>
+          </p:cNvSpPr>
           <p:nvPr>
-            <p:ph idx="2" type="sldImg"/>
+            <p:ph type="sldImg" idx="2"/>
           </p:nvPr>
         </p:nvSpPr>
         <p:spPr>
@@ -2171,9 +2248,13 @@
             <a:ext cx="6096000" cy="3429000"/>
           </a:xfrm>
           <a:custGeom>
-            <a:rect b="b" l="l" r="r" t="t"/>
+            <a:avLst/>
+            <a:gdLst/>
+            <a:ahLst/>
+            <a:cxnLst/>
+            <a:rect l="l" t="t" r="r" b="b"/>
             <a:pathLst>
-              <a:path extrusionOk="0" h="120000" w="120000">
+              <a:path w="120000" h="120000" extrusionOk="0">
                 <a:moveTo>
                   <a:pt x="0" y="0"/>
                 </a:moveTo>
@@ -2195,9 +2276,11 @@
       <p:sp>
         <p:nvSpPr>
           <p:cNvPr id="80" name="Google Shape;80;g13d863074c0_0_42:notes"/>
-          <p:cNvSpPr txBox="1"/>
+          <p:cNvSpPr txBox="1">
+            <a:spLocks noGrp="1"/>
+          </p:cNvSpPr>
           <p:nvPr>
-            <p:ph idx="1" type="body"/>
+            <p:ph type="body" idx="1"/>
           </p:nvPr>
         </p:nvSpPr>
         <p:spPr>
@@ -2210,12 +2293,12 @@
           </a:prstGeom>
         </p:spPr>
         <p:txBody>
-          <a:bodyPr anchorCtr="0" anchor="t" bIns="91425" lIns="91425" spcFirstLastPara="1" rIns="91425" wrap="square" tIns="91425">
+          <a:bodyPr spcFirstLastPara="1" wrap="square" lIns="91425" tIns="91425" rIns="91425" bIns="91425" anchor="t" anchorCtr="0">
             <a:noAutofit/>
           </a:bodyPr>
           <a:lstStyle/>
           <a:p>
-            <a:pPr indent="0" lvl="0" marL="0" rtl="0" algn="l">
+            <a:pPr marL="0" lvl="0" indent="0" algn="l" rtl="0">
               <a:spcBef>
                 <a:spcPts val="0"/>
               </a:spcBef>
@@ -2241,11 +2324,11 @@
 </file>
 
 <file path=ppt/notesSlides/notesSlide6.xml><?xml version="1.0" encoding="utf-8"?>
-<p:notes xmlns:a="http://schemas.openxmlformats.org/drawingml/2006/main" xmlns:r="http://schemas.openxmlformats.org/officeDocument/2006/relationships" xmlns:mc="http://schemas.openxmlformats.org/markup-compatibility/2006" xmlns:mv="urn:schemas-microsoft-com:mac:vml" xmlns:p="http://schemas.openxmlformats.org/presentationml/2006/main" xmlns:c="http://schemas.openxmlformats.org/drawingml/2006/chart" xmlns:dgm="http://schemas.openxmlformats.org/drawingml/2006/diagram" xmlns:o="urn:schemas-microsoft-com:office:office" xmlns:v="urn:schemas-microsoft-com:vml" xmlns:pvml="urn:schemas-microsoft-com:office:powerpoint" xmlns:com="http://schemas.openxmlformats.org/drawingml/2006/compatibility" xmlns:p14="http://schemas.microsoft.com/office/powerpoint/2010/main" xmlns:p15="http://schemas.microsoft.com/office/powerpoint/2012/main" xmlns:ahyp="http://schemas.microsoft.com/office/drawing/2018/hyperlinkcolor" showMasterPhAnim="0" showMasterSp="0">
+<p:notes xmlns:a="http://schemas.openxmlformats.org/drawingml/2006/main" xmlns:r="http://schemas.openxmlformats.org/officeDocument/2006/relationships" xmlns:p="http://schemas.openxmlformats.org/presentationml/2006/main" showMasterSp="0" showMasterPhAnim="0">
   <p:cSld>
     <p:spTree>
       <p:nvGrpSpPr>
-        <p:cNvPr id="84" name="Shape 84"/>
+        <p:cNvPr id="1" name="Shape 84"/>
         <p:cNvGrpSpPr/>
         <p:nvPr/>
       </p:nvGrpSpPr>
@@ -2260,9 +2343,11 @@
       <p:sp>
         <p:nvSpPr>
           <p:cNvPr id="85" name="Google Shape;85;g13d863074c0_0_48:notes"/>
-          <p:cNvSpPr/>
+          <p:cNvSpPr>
+            <a:spLocks noGrp="1" noRot="1" noChangeAspect="1"/>
+          </p:cNvSpPr>
           <p:nvPr>
-            <p:ph idx="2" type="sldImg"/>
+            <p:ph type="sldImg" idx="2"/>
           </p:nvPr>
         </p:nvSpPr>
         <p:spPr>
@@ -2271,9 +2356,13 @@
             <a:ext cx="6096000" cy="3429000"/>
           </a:xfrm>
           <a:custGeom>
-            <a:rect b="b" l="l" r="r" t="t"/>
+            <a:avLst/>
+            <a:gdLst/>
+            <a:ahLst/>
+            <a:cxnLst/>
+            <a:rect l="l" t="t" r="r" b="b"/>
             <a:pathLst>
-              <a:path extrusionOk="0" h="120000" w="120000">
+              <a:path w="120000" h="120000" extrusionOk="0">
                 <a:moveTo>
                   <a:pt x="0" y="0"/>
                 </a:moveTo>
@@ -2295,9 +2384,11 @@
       <p:sp>
         <p:nvSpPr>
           <p:cNvPr id="86" name="Google Shape;86;g13d863074c0_0_48:notes"/>
-          <p:cNvSpPr txBox="1"/>
+          <p:cNvSpPr txBox="1">
+            <a:spLocks noGrp="1"/>
+          </p:cNvSpPr>
           <p:nvPr>
-            <p:ph idx="1" type="body"/>
+            <p:ph type="body" idx="1"/>
           </p:nvPr>
         </p:nvSpPr>
         <p:spPr>
@@ -2310,12 +2401,12 @@
           </a:prstGeom>
         </p:spPr>
         <p:txBody>
-          <a:bodyPr anchorCtr="0" anchor="t" bIns="91425" lIns="91425" spcFirstLastPara="1" rIns="91425" wrap="square" tIns="91425">
+          <a:bodyPr spcFirstLastPara="1" wrap="square" lIns="91425" tIns="91425" rIns="91425" bIns="91425" anchor="t" anchorCtr="0">
             <a:noAutofit/>
           </a:bodyPr>
           <a:lstStyle/>
           <a:p>
-            <a:pPr indent="0" lvl="0" marL="0" rtl="0" algn="l">
+            <a:pPr marL="0" lvl="0" indent="0" algn="l" rtl="0">
               <a:spcBef>
                 <a:spcPts val="0"/>
               </a:spcBef>
@@ -2324,9 +2415,6 @@
               </a:spcAft>
               <a:buNone/>
             </a:pPr>
-            <a:r>
-              <a:t/>
-            </a:r>
             <a:endParaRPr/>
           </a:p>
         </p:txBody>
@@ -2340,11 +2428,11 @@
 </file>
 
 <file path=ppt/notesSlides/notesSlide7.xml><?xml version="1.0" encoding="utf-8"?>
-<p:notes xmlns:a="http://schemas.openxmlformats.org/drawingml/2006/main" xmlns:r="http://schemas.openxmlformats.org/officeDocument/2006/relationships" xmlns:mc="http://schemas.openxmlformats.org/markup-compatibility/2006" xmlns:mv="urn:schemas-microsoft-com:mac:vml" xmlns:p="http://schemas.openxmlformats.org/presentationml/2006/main" xmlns:c="http://schemas.openxmlformats.org/drawingml/2006/chart" xmlns:dgm="http://schemas.openxmlformats.org/drawingml/2006/diagram" xmlns:o="urn:schemas-microsoft-com:office:office" xmlns:v="urn:schemas-microsoft-com:vml" xmlns:pvml="urn:schemas-microsoft-com:office:powerpoint" xmlns:com="http://schemas.openxmlformats.org/drawingml/2006/compatibility" xmlns:p14="http://schemas.microsoft.com/office/powerpoint/2010/main" xmlns:p15="http://schemas.microsoft.com/office/powerpoint/2012/main" xmlns:ahyp="http://schemas.microsoft.com/office/drawing/2018/hyperlinkcolor" showMasterPhAnim="0" showMasterSp="0">
+<p:notes xmlns:a="http://schemas.openxmlformats.org/drawingml/2006/main" xmlns:r="http://schemas.openxmlformats.org/officeDocument/2006/relationships" xmlns:p="http://schemas.openxmlformats.org/presentationml/2006/main" showMasterSp="0" showMasterPhAnim="0">
   <p:cSld>
     <p:spTree>
       <p:nvGrpSpPr>
-        <p:cNvPr id="91" name="Shape 91"/>
+        <p:cNvPr id="1" name="Shape 91"/>
         <p:cNvGrpSpPr/>
         <p:nvPr/>
       </p:nvGrpSpPr>
@@ -2359,20 +2447,26 @@
       <p:sp>
         <p:nvSpPr>
           <p:cNvPr id="92" name="Google Shape;92;g13d863074c0_0_54:notes"/>
-          <p:cNvSpPr/>
+          <p:cNvSpPr>
+            <a:spLocks noGrp="1" noRot="1" noChangeAspect="1"/>
+          </p:cNvSpPr>
           <p:nvPr>
-            <p:ph idx="2" type="sldImg"/>
+            <p:ph type="sldImg" idx="2"/>
           </p:nvPr>
         </p:nvSpPr>
         <p:spPr>
           <a:xfrm>
-            <a:off x="381300" y="685800"/>
+            <a:off x="381000" y="685800"/>
             <a:ext cx="6096000" cy="3429000"/>
           </a:xfrm>
           <a:custGeom>
-            <a:rect b="b" l="l" r="r" t="t"/>
+            <a:avLst/>
+            <a:gdLst/>
+            <a:ahLst/>
+            <a:cxnLst/>
+            <a:rect l="l" t="t" r="r" b="b"/>
             <a:pathLst>
-              <a:path extrusionOk="0" h="120000" w="120000">
+              <a:path w="120000" h="120000" extrusionOk="0">
                 <a:moveTo>
                   <a:pt x="0" y="0"/>
                 </a:moveTo>
@@ -2394,9 +2488,11 @@
       <p:sp>
         <p:nvSpPr>
           <p:cNvPr id="93" name="Google Shape;93;g13d863074c0_0_54:notes"/>
-          <p:cNvSpPr txBox="1"/>
+          <p:cNvSpPr txBox="1">
+            <a:spLocks noGrp="1"/>
+          </p:cNvSpPr>
           <p:nvPr>
-            <p:ph idx="1" type="body"/>
+            <p:ph type="body" idx="1"/>
           </p:nvPr>
         </p:nvSpPr>
         <p:spPr>
@@ -2409,12 +2505,12 @@
           </a:prstGeom>
         </p:spPr>
         <p:txBody>
-          <a:bodyPr anchorCtr="0" anchor="t" bIns="91425" lIns="91425" spcFirstLastPara="1" rIns="91425" wrap="square" tIns="91425">
+          <a:bodyPr spcFirstLastPara="1" wrap="square" lIns="91425" tIns="91425" rIns="91425" bIns="91425" anchor="t" anchorCtr="0">
             <a:noAutofit/>
           </a:bodyPr>
           <a:lstStyle/>
           <a:p>
-            <a:pPr indent="0" lvl="0" marL="0" rtl="0" algn="l">
+            <a:pPr marL="0" lvl="0" indent="0" algn="l" rtl="0">
               <a:spcBef>
                 <a:spcPts val="0"/>
               </a:spcBef>
@@ -2423,9 +2519,6 @@
               </a:spcAft>
               <a:buNone/>
             </a:pPr>
-            <a:r>
-              <a:t/>
-            </a:r>
             <a:endParaRPr/>
           </a:p>
         </p:txBody>
@@ -2439,11 +2532,11 @@
 </file>
 
 <file path=ppt/notesSlides/notesSlide8.xml><?xml version="1.0" encoding="utf-8"?>
-<p:notes xmlns:a="http://schemas.openxmlformats.org/drawingml/2006/main" xmlns:r="http://schemas.openxmlformats.org/officeDocument/2006/relationships" xmlns:mc="http://schemas.openxmlformats.org/markup-compatibility/2006" xmlns:mv="urn:schemas-microsoft-com:mac:vml" xmlns:p="http://schemas.openxmlformats.org/presentationml/2006/main" xmlns:c="http://schemas.openxmlformats.org/drawingml/2006/chart" xmlns:dgm="http://schemas.openxmlformats.org/drawingml/2006/diagram" xmlns:o="urn:schemas-microsoft-com:office:office" xmlns:v="urn:schemas-microsoft-com:vml" xmlns:pvml="urn:schemas-microsoft-com:office:powerpoint" xmlns:com="http://schemas.openxmlformats.org/drawingml/2006/compatibility" xmlns:p14="http://schemas.microsoft.com/office/powerpoint/2010/main" xmlns:p15="http://schemas.microsoft.com/office/powerpoint/2012/main" xmlns:ahyp="http://schemas.microsoft.com/office/drawing/2018/hyperlinkcolor" showMasterPhAnim="0" showMasterSp="0">
+<p:notes xmlns:a="http://schemas.openxmlformats.org/drawingml/2006/main" xmlns:r="http://schemas.openxmlformats.org/officeDocument/2006/relationships" xmlns:p="http://schemas.openxmlformats.org/presentationml/2006/main" showMasterSp="0" showMasterPhAnim="0">
   <p:cSld>
     <p:spTree>
       <p:nvGrpSpPr>
-        <p:cNvPr id="99" name="Shape 99"/>
+        <p:cNvPr id="1" name="Shape 99"/>
         <p:cNvGrpSpPr/>
         <p:nvPr/>
       </p:nvGrpSpPr>
@@ -2458,20 +2551,26 @@
       <p:sp>
         <p:nvSpPr>
           <p:cNvPr id="100" name="Google Shape;100;g13d863074c0_0_20:notes"/>
-          <p:cNvSpPr/>
+          <p:cNvSpPr>
+            <a:spLocks noGrp="1" noRot="1" noChangeAspect="1"/>
+          </p:cNvSpPr>
           <p:nvPr>
-            <p:ph idx="2" type="sldImg"/>
+            <p:ph type="sldImg" idx="2"/>
           </p:nvPr>
         </p:nvSpPr>
         <p:spPr>
           <a:xfrm>
-            <a:off x="381300" y="685800"/>
+            <a:off x="381000" y="685800"/>
             <a:ext cx="6096000" cy="3429000"/>
           </a:xfrm>
           <a:custGeom>
-            <a:rect b="b" l="l" r="r" t="t"/>
+            <a:avLst/>
+            <a:gdLst/>
+            <a:ahLst/>
+            <a:cxnLst/>
+            <a:rect l="l" t="t" r="r" b="b"/>
             <a:pathLst>
-              <a:path extrusionOk="0" h="120000" w="120000">
+              <a:path w="120000" h="120000" extrusionOk="0">
                 <a:moveTo>
                   <a:pt x="0" y="0"/>
                 </a:moveTo>
@@ -2493,9 +2592,11 @@
       <p:sp>
         <p:nvSpPr>
           <p:cNvPr id="101" name="Google Shape;101;g13d863074c0_0_20:notes"/>
-          <p:cNvSpPr txBox="1"/>
+          <p:cNvSpPr txBox="1">
+            <a:spLocks noGrp="1"/>
+          </p:cNvSpPr>
           <p:nvPr>
-            <p:ph idx="1" type="body"/>
+            <p:ph type="body" idx="1"/>
           </p:nvPr>
         </p:nvSpPr>
         <p:spPr>
@@ -2508,12 +2609,12 @@
           </a:prstGeom>
         </p:spPr>
         <p:txBody>
-          <a:bodyPr anchorCtr="0" anchor="t" bIns="91425" lIns="91425" spcFirstLastPara="1" rIns="91425" wrap="square" tIns="91425">
+          <a:bodyPr spcFirstLastPara="1" wrap="square" lIns="91425" tIns="91425" rIns="91425" bIns="91425" anchor="t" anchorCtr="0">
             <a:noAutofit/>
           </a:bodyPr>
           <a:lstStyle/>
           <a:p>
-            <a:pPr indent="0" lvl="0" marL="0" rtl="0" algn="l">
+            <a:pPr marL="0" lvl="0" indent="0" algn="l" rtl="0">
               <a:spcBef>
                 <a:spcPts val="0"/>
               </a:spcBef>
@@ -2522,9 +2623,6 @@
               </a:spcAft>
               <a:buNone/>
             </a:pPr>
-            <a:r>
-              <a:t/>
-            </a:r>
             <a:endParaRPr/>
           </a:p>
         </p:txBody>
@@ -2538,11 +2636,11 @@
 </file>
 
 <file path=ppt/notesSlides/notesSlide9.xml><?xml version="1.0" encoding="utf-8"?>
-<p:notes xmlns:a="http://schemas.openxmlformats.org/drawingml/2006/main" xmlns:r="http://schemas.openxmlformats.org/officeDocument/2006/relationships" xmlns:mc="http://schemas.openxmlformats.org/markup-compatibility/2006" xmlns:mv="urn:schemas-microsoft-com:mac:vml" xmlns:p="http://schemas.openxmlformats.org/presentationml/2006/main" xmlns:c="http://schemas.openxmlformats.org/drawingml/2006/chart" xmlns:dgm="http://schemas.openxmlformats.org/drawingml/2006/diagram" xmlns:o="urn:schemas-microsoft-com:office:office" xmlns:v="urn:schemas-microsoft-com:vml" xmlns:pvml="urn:schemas-microsoft-com:office:powerpoint" xmlns:com="http://schemas.openxmlformats.org/drawingml/2006/compatibility" xmlns:p14="http://schemas.microsoft.com/office/powerpoint/2010/main" xmlns:p15="http://schemas.microsoft.com/office/powerpoint/2012/main" xmlns:ahyp="http://schemas.microsoft.com/office/drawing/2018/hyperlinkcolor" showMasterPhAnim="0" showMasterSp="0">
+<p:notes xmlns:a="http://schemas.openxmlformats.org/drawingml/2006/main" xmlns:r="http://schemas.openxmlformats.org/officeDocument/2006/relationships" xmlns:p="http://schemas.openxmlformats.org/presentationml/2006/main" showMasterSp="0" showMasterPhAnim="0">
   <p:cSld>
     <p:spTree>
       <p:nvGrpSpPr>
-        <p:cNvPr id="106" name="Shape 106"/>
+        <p:cNvPr id="1" name="Shape 106"/>
         <p:cNvGrpSpPr/>
         <p:nvPr/>
       </p:nvGrpSpPr>
@@ -2557,20 +2655,26 @@
       <p:sp>
         <p:nvSpPr>
           <p:cNvPr id="107" name="Google Shape;107;g13d863074c0_0_68:notes"/>
-          <p:cNvSpPr/>
+          <p:cNvSpPr>
+            <a:spLocks noGrp="1" noRot="1" noChangeAspect="1"/>
+          </p:cNvSpPr>
           <p:nvPr>
-            <p:ph idx="2" type="sldImg"/>
+            <p:ph type="sldImg" idx="2"/>
           </p:nvPr>
         </p:nvSpPr>
         <p:spPr>
           <a:xfrm>
-            <a:off x="381300" y="685800"/>
+            <a:off x="381000" y="685800"/>
             <a:ext cx="6096000" cy="3429000"/>
           </a:xfrm>
           <a:custGeom>
-            <a:rect b="b" l="l" r="r" t="t"/>
+            <a:avLst/>
+            <a:gdLst/>
+            <a:ahLst/>
+            <a:cxnLst/>
+            <a:rect l="l" t="t" r="r" b="b"/>
             <a:pathLst>
-              <a:path extrusionOk="0" h="120000" w="120000">
+              <a:path w="120000" h="120000" extrusionOk="0">
                 <a:moveTo>
                   <a:pt x="0" y="0"/>
                 </a:moveTo>
@@ -2592,9 +2696,11 @@
       <p:sp>
         <p:nvSpPr>
           <p:cNvPr id="108" name="Google Shape;108;g13d863074c0_0_68:notes"/>
-          <p:cNvSpPr txBox="1"/>
+          <p:cNvSpPr txBox="1">
+            <a:spLocks noGrp="1"/>
+          </p:cNvSpPr>
           <p:nvPr>
-            <p:ph idx="1" type="body"/>
+            <p:ph type="body" idx="1"/>
           </p:nvPr>
         </p:nvSpPr>
         <p:spPr>
@@ -2607,12 +2713,12 @@
           </a:prstGeom>
         </p:spPr>
         <p:txBody>
-          <a:bodyPr anchorCtr="0" anchor="t" bIns="91425" lIns="91425" spcFirstLastPara="1" rIns="91425" wrap="square" tIns="91425">
+          <a:bodyPr spcFirstLastPara="1" wrap="square" lIns="91425" tIns="91425" rIns="91425" bIns="91425" anchor="t" anchorCtr="0">
             <a:noAutofit/>
           </a:bodyPr>
           <a:lstStyle/>
           <a:p>
-            <a:pPr indent="0" lvl="0" marL="0" rtl="0" algn="l">
+            <a:pPr marL="0" lvl="0" indent="0" algn="l" rtl="0">
               <a:spcBef>
                 <a:spcPts val="0"/>
               </a:spcBef>
@@ -2621,9 +2727,6 @@
               </a:spcAft>
               <a:buNone/>
             </a:pPr>
-            <a:r>
-              <a:t/>
-            </a:r>
             <a:endParaRPr/>
           </a:p>
         </p:txBody>
@@ -2637,11 +2740,11 @@
 </file>
 
 <file path=ppt/slideLayouts/slideLayout1.xml><?xml version="1.0" encoding="utf-8"?>
-<p:sldLayout xmlns:a="http://schemas.openxmlformats.org/drawingml/2006/main" xmlns:r="http://schemas.openxmlformats.org/officeDocument/2006/relationships" xmlns:mc="http://schemas.openxmlformats.org/markup-compatibility/2006" xmlns:mv="urn:schemas-microsoft-com:mac:vml" xmlns:p="http://schemas.openxmlformats.org/presentationml/2006/main" xmlns:c="http://schemas.openxmlformats.org/drawingml/2006/chart" xmlns:dgm="http://schemas.openxmlformats.org/drawingml/2006/diagram" xmlns:o="urn:schemas-microsoft-com:office:office" xmlns:v="urn:schemas-microsoft-com:vml" xmlns:pvml="urn:schemas-microsoft-com:office:powerpoint" xmlns:com="http://schemas.openxmlformats.org/drawingml/2006/compatibility" xmlns:p14="http://schemas.microsoft.com/office/powerpoint/2010/main" xmlns:p15="http://schemas.microsoft.com/office/powerpoint/2012/main" xmlns:ahyp="http://schemas.microsoft.com/office/drawing/2018/hyperlinkcolor" matchingName="Title slide" type="title">
+<p:sldLayout xmlns:a="http://schemas.openxmlformats.org/drawingml/2006/main" xmlns:r="http://schemas.openxmlformats.org/officeDocument/2006/relationships" xmlns:p="http://schemas.openxmlformats.org/presentationml/2006/main" matchingName="Title slide" type="title">
   <p:cSld name="TITLE">
     <p:spTree>
       <p:nvGrpSpPr>
-        <p:cNvPr id="9" name="Shape 9"/>
+        <p:cNvPr id="1" name="Shape 9"/>
         <p:cNvGrpSpPr/>
         <p:nvPr/>
       </p:nvGrpSpPr>
@@ -2656,7 +2759,9 @@
       <p:sp>
         <p:nvSpPr>
           <p:cNvPr id="10" name="Google Shape;10;p2"/>
-          <p:cNvSpPr txBox="1"/>
+          <p:cNvSpPr txBox="1">
+            <a:spLocks noGrp="1"/>
+          </p:cNvSpPr>
           <p:nvPr>
             <p:ph type="ctrTitle"/>
           </p:nvPr>
@@ -2671,7 +2776,7 @@
           </a:prstGeom>
         </p:spPr>
         <p:txBody>
-          <a:bodyPr anchorCtr="0" anchor="b" bIns="91425" lIns="91425" spcFirstLastPara="1" rIns="91425" wrap="square" tIns="91425">
+          <a:bodyPr spcFirstLastPara="1" wrap="square" lIns="91425" tIns="91425" rIns="91425" bIns="91425" anchor="b" anchorCtr="0">
             <a:noAutofit/>
           </a:bodyPr>
           <a:lstStyle>
@@ -2775,15 +2880,19 @@
               <a:defRPr sz="5200"/>
             </a:lvl9pPr>
           </a:lstStyle>
-          <a:p/>
+          <a:p>
+            <a:endParaRPr/>
+          </a:p>
         </p:txBody>
       </p:sp>
       <p:sp>
         <p:nvSpPr>
           <p:cNvPr id="11" name="Google Shape;11;p2"/>
-          <p:cNvSpPr txBox="1"/>
+          <p:cNvSpPr txBox="1">
+            <a:spLocks noGrp="1"/>
+          </p:cNvSpPr>
           <p:nvPr>
-            <p:ph idx="1" type="subTitle"/>
+            <p:ph type="subTitle" idx="1"/>
           </p:nvPr>
         </p:nvSpPr>
         <p:spPr>
@@ -2796,7 +2905,7 @@
           </a:prstGeom>
         </p:spPr>
         <p:txBody>
-          <a:bodyPr anchorCtr="0" anchor="t" bIns="91425" lIns="91425" spcFirstLastPara="1" rIns="91425" wrap="square" tIns="91425">
+          <a:bodyPr spcFirstLastPara="1" wrap="square" lIns="91425" tIns="91425" rIns="91425" bIns="91425" anchor="t" anchorCtr="0">
             <a:noAutofit/>
           </a:bodyPr>
           <a:lstStyle>
@@ -2927,15 +3036,19 @@
               <a:defRPr sz="2800"/>
             </a:lvl9pPr>
           </a:lstStyle>
-          <a:p/>
+          <a:p>
+            <a:endParaRPr/>
+          </a:p>
         </p:txBody>
       </p:sp>
       <p:sp>
         <p:nvSpPr>
           <p:cNvPr id="12" name="Google Shape;12;p2"/>
-          <p:cNvSpPr txBox="1"/>
+          <p:cNvSpPr txBox="1">
+            <a:spLocks noGrp="1"/>
+          </p:cNvSpPr>
           <p:nvPr>
-            <p:ph idx="12" type="sldNum"/>
+            <p:ph type="sldNum" idx="12"/>
           </p:nvPr>
         </p:nvSpPr>
         <p:spPr>
@@ -2948,7 +3061,7 @@
           </a:prstGeom>
         </p:spPr>
         <p:txBody>
-          <a:bodyPr anchorCtr="0" anchor="ctr" bIns="91425" lIns="91425" spcFirstLastPara="1" rIns="91425" wrap="square" tIns="91425">
+          <a:bodyPr spcFirstLastPara="1" wrap="square" lIns="91425" tIns="91425" rIns="91425" bIns="91425" anchor="ctr" anchorCtr="0">
             <a:noAutofit/>
           </a:bodyPr>
           <a:lstStyle>
@@ -2990,7 +3103,7 @@
             </a:lvl9pPr>
           </a:lstStyle>
           <a:p>
-            <a:pPr indent="0" lvl="0" marL="0" rtl="0" algn="r">
+            <a:pPr marL="0" lvl="0" indent="0" algn="r" rtl="0">
               <a:spcBef>
                 <a:spcPts val="0"/>
               </a:spcBef>
@@ -3016,11 +3129,11 @@
 </file>
 
 <file path=ppt/slideLayouts/slideLayout10.xml><?xml version="1.0" encoding="utf-8"?>
-<p:sldLayout xmlns:a="http://schemas.openxmlformats.org/drawingml/2006/main" xmlns:r="http://schemas.openxmlformats.org/officeDocument/2006/relationships" xmlns:mc="http://schemas.openxmlformats.org/markup-compatibility/2006" xmlns:mv="urn:schemas-microsoft-com:mac:vml" xmlns:p="http://schemas.openxmlformats.org/presentationml/2006/main" xmlns:c="http://schemas.openxmlformats.org/drawingml/2006/chart" xmlns:dgm="http://schemas.openxmlformats.org/drawingml/2006/diagram" xmlns:o="urn:schemas-microsoft-com:office:office" xmlns:v="urn:schemas-microsoft-com:vml" xmlns:pvml="urn:schemas-microsoft-com:office:powerpoint" xmlns:com="http://schemas.openxmlformats.org/drawingml/2006/compatibility" xmlns:p14="http://schemas.microsoft.com/office/powerpoint/2010/main" xmlns:p15="http://schemas.microsoft.com/office/powerpoint/2012/main" xmlns:ahyp="http://schemas.microsoft.com/office/drawing/2018/hyperlinkcolor" matchingName="Big number">
+<p:sldLayout xmlns:a="http://schemas.openxmlformats.org/drawingml/2006/main" xmlns:r="http://schemas.openxmlformats.org/officeDocument/2006/relationships" xmlns:p="http://schemas.openxmlformats.org/presentationml/2006/main" matchingName="Big number">
   <p:cSld name="BIG_NUMBER">
     <p:spTree>
       <p:nvGrpSpPr>
-        <p:cNvPr id="44" name="Shape 44"/>
+        <p:cNvPr id="1" name="Shape 44"/>
         <p:cNvGrpSpPr/>
         <p:nvPr/>
       </p:nvGrpSpPr>
@@ -3035,9 +3148,11 @@
       <p:sp>
         <p:nvSpPr>
           <p:cNvPr id="45" name="Google Shape;45;p11"/>
-          <p:cNvSpPr txBox="1"/>
+          <p:cNvSpPr txBox="1">
+            <a:spLocks noGrp="1"/>
+          </p:cNvSpPr>
           <p:nvPr>
-            <p:ph hasCustomPrompt="1" type="title"/>
+            <p:ph type="title" hasCustomPrompt="1"/>
           </p:nvPr>
         </p:nvSpPr>
         <p:spPr>
@@ -3050,7 +3165,7 @@
           </a:prstGeom>
         </p:spPr>
         <p:txBody>
-          <a:bodyPr anchorCtr="0" anchor="b" bIns="91425" lIns="91425" spcFirstLastPara="1" rIns="91425" wrap="square" tIns="91425">
+          <a:bodyPr spcFirstLastPara="1" wrap="square" lIns="91425" tIns="91425" rIns="91425" bIns="91425" anchor="b" anchorCtr="0">
             <a:noAutofit/>
           </a:bodyPr>
           <a:lstStyle>
@@ -3164,9 +3279,11 @@
       <p:sp>
         <p:nvSpPr>
           <p:cNvPr id="46" name="Google Shape;46;p11"/>
-          <p:cNvSpPr txBox="1"/>
+          <p:cNvSpPr txBox="1">
+            <a:spLocks noGrp="1"/>
+          </p:cNvSpPr>
           <p:nvPr>
-            <p:ph idx="1" type="body"/>
+            <p:ph type="body" idx="1"/>
           </p:nvPr>
         </p:nvSpPr>
         <p:spPr>
@@ -3179,11 +3296,11 @@
           </a:prstGeom>
         </p:spPr>
         <p:txBody>
-          <a:bodyPr anchorCtr="0" anchor="t" bIns="91425" lIns="91425" spcFirstLastPara="1" rIns="91425" wrap="square" tIns="91425">
+          <a:bodyPr spcFirstLastPara="1" wrap="square" lIns="91425" tIns="91425" rIns="91425" bIns="91425" anchor="t" anchorCtr="0">
             <a:noAutofit/>
           </a:bodyPr>
           <a:lstStyle>
-            <a:lvl1pPr indent="-342900" lvl="0" marL="457200" algn="ctr">
+            <a:lvl1pPr marL="457200" lvl="0" indent="-342900" algn="ctr">
               <a:spcBef>
                 <a:spcPts val="0"/>
               </a:spcBef>
@@ -3194,7 +3311,7 @@
               <a:buChar char="●"/>
               <a:defRPr/>
             </a:lvl1pPr>
-            <a:lvl2pPr indent="-317500" lvl="1" marL="914400" algn="ctr">
+            <a:lvl2pPr marL="914400" lvl="1" indent="-317500" algn="ctr">
               <a:spcBef>
                 <a:spcPts val="0"/>
               </a:spcBef>
@@ -3205,7 +3322,7 @@
               <a:buChar char="○"/>
               <a:defRPr/>
             </a:lvl2pPr>
-            <a:lvl3pPr indent="-317500" lvl="2" marL="1371600" algn="ctr">
+            <a:lvl3pPr marL="1371600" lvl="2" indent="-317500" algn="ctr">
               <a:spcBef>
                 <a:spcPts val="0"/>
               </a:spcBef>
@@ -3216,7 +3333,7 @@
               <a:buChar char="■"/>
               <a:defRPr/>
             </a:lvl3pPr>
-            <a:lvl4pPr indent="-317500" lvl="3" marL="1828800" algn="ctr">
+            <a:lvl4pPr marL="1828800" lvl="3" indent="-317500" algn="ctr">
               <a:spcBef>
                 <a:spcPts val="0"/>
               </a:spcBef>
@@ -3227,7 +3344,7 @@
               <a:buChar char="●"/>
               <a:defRPr/>
             </a:lvl4pPr>
-            <a:lvl5pPr indent="-317500" lvl="4" marL="2286000" algn="ctr">
+            <a:lvl5pPr marL="2286000" lvl="4" indent="-317500" algn="ctr">
               <a:spcBef>
                 <a:spcPts val="0"/>
               </a:spcBef>
@@ -3238,7 +3355,7 @@
               <a:buChar char="○"/>
               <a:defRPr/>
             </a:lvl5pPr>
-            <a:lvl6pPr indent="-317500" lvl="5" marL="2743200" algn="ctr">
+            <a:lvl6pPr marL="2743200" lvl="5" indent="-317500" algn="ctr">
               <a:spcBef>
                 <a:spcPts val="0"/>
               </a:spcBef>
@@ -3249,7 +3366,7 @@
               <a:buChar char="■"/>
               <a:defRPr/>
             </a:lvl6pPr>
-            <a:lvl7pPr indent="-317500" lvl="6" marL="3200400" algn="ctr">
+            <a:lvl7pPr marL="3200400" lvl="6" indent="-317500" algn="ctr">
               <a:spcBef>
                 <a:spcPts val="0"/>
               </a:spcBef>
@@ -3260,7 +3377,7 @@
               <a:buChar char="●"/>
               <a:defRPr/>
             </a:lvl7pPr>
-            <a:lvl8pPr indent="-317500" lvl="7" marL="3657600" algn="ctr">
+            <a:lvl8pPr marL="3657600" lvl="7" indent="-317500" algn="ctr">
               <a:spcBef>
                 <a:spcPts val="0"/>
               </a:spcBef>
@@ -3271,7 +3388,7 @@
               <a:buChar char="○"/>
               <a:defRPr/>
             </a:lvl8pPr>
-            <a:lvl9pPr indent="-317500" lvl="8" marL="4114800" algn="ctr">
+            <a:lvl9pPr marL="4114800" lvl="8" indent="-317500" algn="ctr">
               <a:spcBef>
                 <a:spcPts val="0"/>
               </a:spcBef>
@@ -3283,15 +3400,19 @@
               <a:defRPr/>
             </a:lvl9pPr>
           </a:lstStyle>
-          <a:p/>
+          <a:p>
+            <a:endParaRPr/>
+          </a:p>
         </p:txBody>
       </p:sp>
       <p:sp>
         <p:nvSpPr>
           <p:cNvPr id="47" name="Google Shape;47;p11"/>
-          <p:cNvSpPr txBox="1"/>
+          <p:cNvSpPr txBox="1">
+            <a:spLocks noGrp="1"/>
+          </p:cNvSpPr>
           <p:nvPr>
-            <p:ph idx="12" type="sldNum"/>
+            <p:ph type="sldNum" idx="12"/>
           </p:nvPr>
         </p:nvSpPr>
         <p:spPr>
@@ -3304,7 +3425,7 @@
           </a:prstGeom>
         </p:spPr>
         <p:txBody>
-          <a:bodyPr anchorCtr="0" anchor="ctr" bIns="91425" lIns="91425" spcFirstLastPara="1" rIns="91425" wrap="square" tIns="91425">
+          <a:bodyPr spcFirstLastPara="1" wrap="square" lIns="91425" tIns="91425" rIns="91425" bIns="91425" anchor="ctr" anchorCtr="0">
             <a:noAutofit/>
           </a:bodyPr>
           <a:lstStyle>
@@ -3346,7 +3467,7 @@
             </a:lvl9pPr>
           </a:lstStyle>
           <a:p>
-            <a:pPr indent="0" lvl="0" marL="0" rtl="0" algn="r">
+            <a:pPr marL="0" lvl="0" indent="0" algn="r" rtl="0">
               <a:spcBef>
                 <a:spcPts val="0"/>
               </a:spcBef>
@@ -3372,11 +3493,11 @@
 </file>
 
 <file path=ppt/slideLayouts/slideLayout11.xml><?xml version="1.0" encoding="utf-8"?>
-<p:sldLayout xmlns:a="http://schemas.openxmlformats.org/drawingml/2006/main" xmlns:r="http://schemas.openxmlformats.org/officeDocument/2006/relationships" xmlns:mc="http://schemas.openxmlformats.org/markup-compatibility/2006" xmlns:mv="urn:schemas-microsoft-com:mac:vml" xmlns:p="http://schemas.openxmlformats.org/presentationml/2006/main" xmlns:c="http://schemas.openxmlformats.org/drawingml/2006/chart" xmlns:dgm="http://schemas.openxmlformats.org/drawingml/2006/diagram" xmlns:o="urn:schemas-microsoft-com:office:office" xmlns:v="urn:schemas-microsoft-com:vml" xmlns:pvml="urn:schemas-microsoft-com:office:powerpoint" xmlns:com="http://schemas.openxmlformats.org/drawingml/2006/compatibility" xmlns:p14="http://schemas.microsoft.com/office/powerpoint/2010/main" xmlns:p15="http://schemas.microsoft.com/office/powerpoint/2012/main" xmlns:ahyp="http://schemas.microsoft.com/office/drawing/2018/hyperlinkcolor" matchingName="Blank" type="blank">
+<p:sldLayout xmlns:a="http://schemas.openxmlformats.org/drawingml/2006/main" xmlns:r="http://schemas.openxmlformats.org/officeDocument/2006/relationships" xmlns:p="http://schemas.openxmlformats.org/presentationml/2006/main" matchingName="Blank" type="blank">
   <p:cSld name="BLANK">
     <p:spTree>
       <p:nvGrpSpPr>
-        <p:cNvPr id="48" name="Shape 48"/>
+        <p:cNvPr id="1" name="Shape 48"/>
         <p:cNvGrpSpPr/>
         <p:nvPr/>
       </p:nvGrpSpPr>
@@ -3391,9 +3512,11 @@
       <p:sp>
         <p:nvSpPr>
           <p:cNvPr id="49" name="Google Shape;49;p12"/>
-          <p:cNvSpPr txBox="1"/>
+          <p:cNvSpPr txBox="1">
+            <a:spLocks noGrp="1"/>
+          </p:cNvSpPr>
           <p:nvPr>
-            <p:ph idx="12" type="sldNum"/>
+            <p:ph type="sldNum" idx="12"/>
           </p:nvPr>
         </p:nvSpPr>
         <p:spPr>
@@ -3406,7 +3529,7 @@
           </a:prstGeom>
         </p:spPr>
         <p:txBody>
-          <a:bodyPr anchorCtr="0" anchor="ctr" bIns="91425" lIns="91425" spcFirstLastPara="1" rIns="91425" wrap="square" tIns="91425">
+          <a:bodyPr spcFirstLastPara="1" wrap="square" lIns="91425" tIns="91425" rIns="91425" bIns="91425" anchor="ctr" anchorCtr="0">
             <a:noAutofit/>
           </a:bodyPr>
           <a:lstStyle>
@@ -3448,7 +3571,7 @@
             </a:lvl9pPr>
           </a:lstStyle>
           <a:p>
-            <a:pPr indent="0" lvl="0" marL="0" rtl="0" algn="r">
+            <a:pPr marL="0" lvl="0" indent="0" algn="r" rtl="0">
               <a:spcBef>
                 <a:spcPts val="0"/>
               </a:spcBef>
@@ -3474,11 +3597,11 @@
 </file>
 
 <file path=ppt/slideLayouts/slideLayout2.xml><?xml version="1.0" encoding="utf-8"?>
-<p:sldLayout xmlns:a="http://schemas.openxmlformats.org/drawingml/2006/main" xmlns:r="http://schemas.openxmlformats.org/officeDocument/2006/relationships" xmlns:mc="http://schemas.openxmlformats.org/markup-compatibility/2006" xmlns:mv="urn:schemas-microsoft-com:mac:vml" xmlns:p="http://schemas.openxmlformats.org/presentationml/2006/main" xmlns:c="http://schemas.openxmlformats.org/drawingml/2006/chart" xmlns:dgm="http://schemas.openxmlformats.org/drawingml/2006/diagram" xmlns:o="urn:schemas-microsoft-com:office:office" xmlns:v="urn:schemas-microsoft-com:vml" xmlns:pvml="urn:schemas-microsoft-com:office:powerpoint" xmlns:com="http://schemas.openxmlformats.org/drawingml/2006/compatibility" xmlns:p14="http://schemas.microsoft.com/office/powerpoint/2010/main" xmlns:p15="http://schemas.microsoft.com/office/powerpoint/2012/main" xmlns:ahyp="http://schemas.microsoft.com/office/drawing/2018/hyperlinkcolor" matchingName="Section header" type="secHead">
+<p:sldLayout xmlns:a="http://schemas.openxmlformats.org/drawingml/2006/main" xmlns:r="http://schemas.openxmlformats.org/officeDocument/2006/relationships" xmlns:p="http://schemas.openxmlformats.org/presentationml/2006/main" matchingName="Section header" type="secHead">
   <p:cSld name="SECTION_HEADER">
     <p:spTree>
       <p:nvGrpSpPr>
-        <p:cNvPr id="13" name="Shape 13"/>
+        <p:cNvPr id="1" name="Shape 13"/>
         <p:cNvGrpSpPr/>
         <p:nvPr/>
       </p:nvGrpSpPr>
@@ -3493,7 +3616,9 @@
       <p:sp>
         <p:nvSpPr>
           <p:cNvPr id="14" name="Google Shape;14;p3"/>
-          <p:cNvSpPr txBox="1"/>
+          <p:cNvSpPr txBox="1">
+            <a:spLocks noGrp="1"/>
+          </p:cNvSpPr>
           <p:nvPr>
             <p:ph type="title"/>
           </p:nvPr>
@@ -3508,7 +3633,7 @@
           </a:prstGeom>
         </p:spPr>
         <p:txBody>
-          <a:bodyPr anchorCtr="0" anchor="ctr" bIns="91425" lIns="91425" spcFirstLastPara="1" rIns="91425" wrap="square" tIns="91425">
+          <a:bodyPr spcFirstLastPara="1" wrap="square" lIns="91425" tIns="91425" rIns="91425" bIns="91425" anchor="ctr" anchorCtr="0">
             <a:noAutofit/>
           </a:bodyPr>
           <a:lstStyle>
@@ -3612,15 +3737,19 @@
               <a:defRPr sz="3600"/>
             </a:lvl9pPr>
           </a:lstStyle>
-          <a:p/>
+          <a:p>
+            <a:endParaRPr/>
+          </a:p>
         </p:txBody>
       </p:sp>
       <p:sp>
         <p:nvSpPr>
           <p:cNvPr id="15" name="Google Shape;15;p3"/>
-          <p:cNvSpPr txBox="1"/>
+          <p:cNvSpPr txBox="1">
+            <a:spLocks noGrp="1"/>
+          </p:cNvSpPr>
           <p:nvPr>
-            <p:ph idx="12" type="sldNum"/>
+            <p:ph type="sldNum" idx="12"/>
           </p:nvPr>
         </p:nvSpPr>
         <p:spPr>
@@ -3633,7 +3762,7 @@
           </a:prstGeom>
         </p:spPr>
         <p:txBody>
-          <a:bodyPr anchorCtr="0" anchor="ctr" bIns="91425" lIns="91425" spcFirstLastPara="1" rIns="91425" wrap="square" tIns="91425">
+          <a:bodyPr spcFirstLastPara="1" wrap="square" lIns="91425" tIns="91425" rIns="91425" bIns="91425" anchor="ctr" anchorCtr="0">
             <a:noAutofit/>
           </a:bodyPr>
           <a:lstStyle>
@@ -3675,7 +3804,7 @@
             </a:lvl9pPr>
           </a:lstStyle>
           <a:p>
-            <a:pPr indent="0" lvl="0" marL="0" rtl="0" algn="r">
+            <a:pPr marL="0" lvl="0" indent="0" algn="r" rtl="0">
               <a:spcBef>
                 <a:spcPts val="0"/>
               </a:spcBef>
@@ -3701,11 +3830,11 @@
 </file>
 
 <file path=ppt/slideLayouts/slideLayout3.xml><?xml version="1.0" encoding="utf-8"?>
-<p:sldLayout xmlns:a="http://schemas.openxmlformats.org/drawingml/2006/main" xmlns:r="http://schemas.openxmlformats.org/officeDocument/2006/relationships" xmlns:mc="http://schemas.openxmlformats.org/markup-compatibility/2006" xmlns:mv="urn:schemas-microsoft-com:mac:vml" xmlns:p="http://schemas.openxmlformats.org/presentationml/2006/main" xmlns:c="http://schemas.openxmlformats.org/drawingml/2006/chart" xmlns:dgm="http://schemas.openxmlformats.org/drawingml/2006/diagram" xmlns:o="urn:schemas-microsoft-com:office:office" xmlns:v="urn:schemas-microsoft-com:vml" xmlns:pvml="urn:schemas-microsoft-com:office:powerpoint" xmlns:com="http://schemas.openxmlformats.org/drawingml/2006/compatibility" xmlns:p14="http://schemas.microsoft.com/office/powerpoint/2010/main" xmlns:p15="http://schemas.microsoft.com/office/powerpoint/2012/main" xmlns:ahyp="http://schemas.microsoft.com/office/drawing/2018/hyperlinkcolor" matchingName="Title and body" type="tx">
+<p:sldLayout xmlns:a="http://schemas.openxmlformats.org/drawingml/2006/main" xmlns:r="http://schemas.openxmlformats.org/officeDocument/2006/relationships" xmlns:p="http://schemas.openxmlformats.org/presentationml/2006/main" matchingName="Title and body" type="tx">
   <p:cSld name="TITLE_AND_BODY">
     <p:spTree>
       <p:nvGrpSpPr>
-        <p:cNvPr id="16" name="Shape 16"/>
+        <p:cNvPr id="1" name="Shape 16"/>
         <p:cNvGrpSpPr/>
         <p:nvPr/>
       </p:nvGrpSpPr>
@@ -3720,7 +3849,9 @@
       <p:sp>
         <p:nvSpPr>
           <p:cNvPr id="17" name="Google Shape;17;p4"/>
-          <p:cNvSpPr txBox="1"/>
+          <p:cNvSpPr txBox="1">
+            <a:spLocks noGrp="1"/>
+          </p:cNvSpPr>
           <p:nvPr>
             <p:ph type="title"/>
           </p:nvPr>
@@ -3735,7 +3866,7 @@
           </a:prstGeom>
         </p:spPr>
         <p:txBody>
-          <a:bodyPr anchorCtr="0" anchor="t" bIns="91425" lIns="91425" spcFirstLastPara="1" rIns="91425" wrap="square" tIns="91425">
+          <a:bodyPr spcFirstLastPara="1" wrap="square" lIns="91425" tIns="91425" rIns="91425" bIns="91425" anchor="t" anchorCtr="0">
             <a:noAutofit/>
           </a:bodyPr>
           <a:lstStyle>
@@ -3839,15 +3970,19 @@
               <a:defRPr/>
             </a:lvl9pPr>
           </a:lstStyle>
-          <a:p/>
+          <a:p>
+            <a:endParaRPr/>
+          </a:p>
         </p:txBody>
       </p:sp>
       <p:sp>
         <p:nvSpPr>
           <p:cNvPr id="18" name="Google Shape;18;p4"/>
-          <p:cNvSpPr txBox="1"/>
+          <p:cNvSpPr txBox="1">
+            <a:spLocks noGrp="1"/>
+          </p:cNvSpPr>
           <p:nvPr>
-            <p:ph idx="1" type="body"/>
+            <p:ph type="body" idx="1"/>
           </p:nvPr>
         </p:nvSpPr>
         <p:spPr>
@@ -3860,11 +3995,11 @@
           </a:prstGeom>
         </p:spPr>
         <p:txBody>
-          <a:bodyPr anchorCtr="0" anchor="t" bIns="91425" lIns="91425" spcFirstLastPara="1" rIns="91425" wrap="square" tIns="91425">
+          <a:bodyPr spcFirstLastPara="1" wrap="square" lIns="91425" tIns="91425" rIns="91425" bIns="91425" anchor="t" anchorCtr="0">
             <a:noAutofit/>
           </a:bodyPr>
           <a:lstStyle>
-            <a:lvl1pPr indent="-342900" lvl="0" marL="457200">
+            <a:lvl1pPr marL="457200" lvl="0" indent="-342900">
               <a:spcBef>
                 <a:spcPts val="0"/>
               </a:spcBef>
@@ -3875,7 +4010,7 @@
               <a:buChar char="●"/>
               <a:defRPr/>
             </a:lvl1pPr>
-            <a:lvl2pPr indent="-317500" lvl="1" marL="914400">
+            <a:lvl2pPr marL="914400" lvl="1" indent="-317500">
               <a:spcBef>
                 <a:spcPts val="0"/>
               </a:spcBef>
@@ -3886,7 +4021,7 @@
               <a:buChar char="○"/>
               <a:defRPr/>
             </a:lvl2pPr>
-            <a:lvl3pPr indent="-317500" lvl="2" marL="1371600">
+            <a:lvl3pPr marL="1371600" lvl="2" indent="-317500">
               <a:spcBef>
                 <a:spcPts val="0"/>
               </a:spcBef>
@@ -3897,7 +4032,7 @@
               <a:buChar char="■"/>
               <a:defRPr/>
             </a:lvl3pPr>
-            <a:lvl4pPr indent="-317500" lvl="3" marL="1828800">
+            <a:lvl4pPr marL="1828800" lvl="3" indent="-317500">
               <a:spcBef>
                 <a:spcPts val="0"/>
               </a:spcBef>
@@ -3908,7 +4043,7 @@
               <a:buChar char="●"/>
               <a:defRPr/>
             </a:lvl4pPr>
-            <a:lvl5pPr indent="-317500" lvl="4" marL="2286000">
+            <a:lvl5pPr marL="2286000" lvl="4" indent="-317500">
               <a:spcBef>
                 <a:spcPts val="0"/>
               </a:spcBef>
@@ -3919,7 +4054,7 @@
               <a:buChar char="○"/>
               <a:defRPr/>
             </a:lvl5pPr>
-            <a:lvl6pPr indent="-317500" lvl="5" marL="2743200">
+            <a:lvl6pPr marL="2743200" lvl="5" indent="-317500">
               <a:spcBef>
                 <a:spcPts val="0"/>
               </a:spcBef>
@@ -3930,7 +4065,7 @@
               <a:buChar char="■"/>
               <a:defRPr/>
             </a:lvl6pPr>
-            <a:lvl7pPr indent="-317500" lvl="6" marL="3200400">
+            <a:lvl7pPr marL="3200400" lvl="6" indent="-317500">
               <a:spcBef>
                 <a:spcPts val="0"/>
               </a:spcBef>
@@ -3941,7 +4076,7 @@
               <a:buChar char="●"/>
               <a:defRPr/>
             </a:lvl7pPr>
-            <a:lvl8pPr indent="-317500" lvl="7" marL="3657600">
+            <a:lvl8pPr marL="3657600" lvl="7" indent="-317500">
               <a:spcBef>
                 <a:spcPts val="0"/>
               </a:spcBef>
@@ -3952,7 +4087,7 @@
               <a:buChar char="○"/>
               <a:defRPr/>
             </a:lvl8pPr>
-            <a:lvl9pPr indent="-317500" lvl="8" marL="4114800">
+            <a:lvl9pPr marL="4114800" lvl="8" indent="-317500">
               <a:spcBef>
                 <a:spcPts val="0"/>
               </a:spcBef>
@@ -3964,15 +4099,19 @@
               <a:defRPr/>
             </a:lvl9pPr>
           </a:lstStyle>
-          <a:p/>
+          <a:p>
+            <a:endParaRPr/>
+          </a:p>
         </p:txBody>
       </p:sp>
       <p:sp>
         <p:nvSpPr>
           <p:cNvPr id="19" name="Google Shape;19;p4"/>
-          <p:cNvSpPr txBox="1"/>
+          <p:cNvSpPr txBox="1">
+            <a:spLocks noGrp="1"/>
+          </p:cNvSpPr>
           <p:nvPr>
-            <p:ph idx="12" type="sldNum"/>
+            <p:ph type="sldNum" idx="12"/>
           </p:nvPr>
         </p:nvSpPr>
         <p:spPr>
@@ -3985,7 +4124,7 @@
           </a:prstGeom>
         </p:spPr>
         <p:txBody>
-          <a:bodyPr anchorCtr="0" anchor="ctr" bIns="91425" lIns="91425" spcFirstLastPara="1" rIns="91425" wrap="square" tIns="91425">
+          <a:bodyPr spcFirstLastPara="1" wrap="square" lIns="91425" tIns="91425" rIns="91425" bIns="91425" anchor="ctr" anchorCtr="0">
             <a:noAutofit/>
           </a:bodyPr>
           <a:lstStyle>
@@ -4027,7 +4166,7 @@
             </a:lvl9pPr>
           </a:lstStyle>
           <a:p>
-            <a:pPr indent="0" lvl="0" marL="0" rtl="0" algn="r">
+            <a:pPr marL="0" lvl="0" indent="0" algn="r" rtl="0">
               <a:spcBef>
                 <a:spcPts val="0"/>
               </a:spcBef>
@@ -4053,11 +4192,11 @@
 </file>
 
 <file path=ppt/slideLayouts/slideLayout4.xml><?xml version="1.0" encoding="utf-8"?>
-<p:sldLayout xmlns:a="http://schemas.openxmlformats.org/drawingml/2006/main" xmlns:r="http://schemas.openxmlformats.org/officeDocument/2006/relationships" xmlns:mc="http://schemas.openxmlformats.org/markup-compatibility/2006" xmlns:mv="urn:schemas-microsoft-com:mac:vml" xmlns:p="http://schemas.openxmlformats.org/presentationml/2006/main" xmlns:c="http://schemas.openxmlformats.org/drawingml/2006/chart" xmlns:dgm="http://schemas.openxmlformats.org/drawingml/2006/diagram" xmlns:o="urn:schemas-microsoft-com:office:office" xmlns:v="urn:schemas-microsoft-com:vml" xmlns:pvml="urn:schemas-microsoft-com:office:powerpoint" xmlns:com="http://schemas.openxmlformats.org/drawingml/2006/compatibility" xmlns:p14="http://schemas.microsoft.com/office/powerpoint/2010/main" xmlns:p15="http://schemas.microsoft.com/office/powerpoint/2012/main" xmlns:ahyp="http://schemas.microsoft.com/office/drawing/2018/hyperlinkcolor" matchingName="Title and two columns" type="twoColTx">
+<p:sldLayout xmlns:a="http://schemas.openxmlformats.org/drawingml/2006/main" xmlns:r="http://schemas.openxmlformats.org/officeDocument/2006/relationships" xmlns:p="http://schemas.openxmlformats.org/presentationml/2006/main" matchingName="Title and two columns" type="twoColTx">
   <p:cSld name="TITLE_AND_TWO_COLUMNS">
     <p:spTree>
       <p:nvGrpSpPr>
-        <p:cNvPr id="20" name="Shape 20"/>
+        <p:cNvPr id="1" name="Shape 20"/>
         <p:cNvGrpSpPr/>
         <p:nvPr/>
       </p:nvGrpSpPr>
@@ -4072,7 +4211,9 @@
       <p:sp>
         <p:nvSpPr>
           <p:cNvPr id="21" name="Google Shape;21;p5"/>
-          <p:cNvSpPr txBox="1"/>
+          <p:cNvSpPr txBox="1">
+            <a:spLocks noGrp="1"/>
+          </p:cNvSpPr>
           <p:nvPr>
             <p:ph type="title"/>
           </p:nvPr>
@@ -4087,7 +4228,7 @@
           </a:prstGeom>
         </p:spPr>
         <p:txBody>
-          <a:bodyPr anchorCtr="0" anchor="t" bIns="91425" lIns="91425" spcFirstLastPara="1" rIns="91425" wrap="square" tIns="91425">
+          <a:bodyPr spcFirstLastPara="1" wrap="square" lIns="91425" tIns="91425" rIns="91425" bIns="91425" anchor="t" anchorCtr="0">
             <a:noAutofit/>
           </a:bodyPr>
           <a:lstStyle>
@@ -4191,15 +4332,19 @@
               <a:defRPr/>
             </a:lvl9pPr>
           </a:lstStyle>
-          <a:p/>
+          <a:p>
+            <a:endParaRPr/>
+          </a:p>
         </p:txBody>
       </p:sp>
       <p:sp>
         <p:nvSpPr>
           <p:cNvPr id="22" name="Google Shape;22;p5"/>
-          <p:cNvSpPr txBox="1"/>
+          <p:cNvSpPr txBox="1">
+            <a:spLocks noGrp="1"/>
+          </p:cNvSpPr>
           <p:nvPr>
-            <p:ph idx="1" type="body"/>
+            <p:ph type="body" idx="1"/>
           </p:nvPr>
         </p:nvSpPr>
         <p:spPr>
@@ -4212,11 +4357,11 @@
           </a:prstGeom>
         </p:spPr>
         <p:txBody>
-          <a:bodyPr anchorCtr="0" anchor="t" bIns="91425" lIns="91425" spcFirstLastPara="1" rIns="91425" wrap="square" tIns="91425">
+          <a:bodyPr spcFirstLastPara="1" wrap="square" lIns="91425" tIns="91425" rIns="91425" bIns="91425" anchor="t" anchorCtr="0">
             <a:noAutofit/>
           </a:bodyPr>
           <a:lstStyle>
-            <a:lvl1pPr indent="-317500" lvl="0" marL="457200">
+            <a:lvl1pPr marL="457200" lvl="0" indent="-317500">
               <a:spcBef>
                 <a:spcPts val="0"/>
               </a:spcBef>
@@ -4227,7 +4372,7 @@
               <a:buChar char="●"/>
               <a:defRPr sz="1400"/>
             </a:lvl1pPr>
-            <a:lvl2pPr indent="-304800" lvl="1" marL="914400">
+            <a:lvl2pPr marL="914400" lvl="1" indent="-304800">
               <a:spcBef>
                 <a:spcPts val="0"/>
               </a:spcBef>
@@ -4238,7 +4383,7 @@
               <a:buChar char="○"/>
               <a:defRPr sz="1200"/>
             </a:lvl2pPr>
-            <a:lvl3pPr indent="-304800" lvl="2" marL="1371600">
+            <a:lvl3pPr marL="1371600" lvl="2" indent="-304800">
               <a:spcBef>
                 <a:spcPts val="0"/>
               </a:spcBef>
@@ -4249,7 +4394,7 @@
               <a:buChar char="■"/>
               <a:defRPr sz="1200"/>
             </a:lvl3pPr>
-            <a:lvl4pPr indent="-304800" lvl="3" marL="1828800">
+            <a:lvl4pPr marL="1828800" lvl="3" indent="-304800">
               <a:spcBef>
                 <a:spcPts val="0"/>
               </a:spcBef>
@@ -4260,7 +4405,7 @@
               <a:buChar char="●"/>
               <a:defRPr sz="1200"/>
             </a:lvl4pPr>
-            <a:lvl5pPr indent="-304800" lvl="4" marL="2286000">
+            <a:lvl5pPr marL="2286000" lvl="4" indent="-304800">
               <a:spcBef>
                 <a:spcPts val="0"/>
               </a:spcBef>
@@ -4271,7 +4416,7 @@
               <a:buChar char="○"/>
               <a:defRPr sz="1200"/>
             </a:lvl5pPr>
-            <a:lvl6pPr indent="-304800" lvl="5" marL="2743200">
+            <a:lvl6pPr marL="2743200" lvl="5" indent="-304800">
               <a:spcBef>
                 <a:spcPts val="0"/>
               </a:spcBef>
@@ -4282,7 +4427,7 @@
               <a:buChar char="■"/>
               <a:defRPr sz="1200"/>
             </a:lvl6pPr>
-            <a:lvl7pPr indent="-304800" lvl="6" marL="3200400">
+            <a:lvl7pPr marL="3200400" lvl="6" indent="-304800">
               <a:spcBef>
                 <a:spcPts val="0"/>
               </a:spcBef>
@@ -4293,7 +4438,7 @@
               <a:buChar char="●"/>
               <a:defRPr sz="1200"/>
             </a:lvl7pPr>
-            <a:lvl8pPr indent="-304800" lvl="7" marL="3657600">
+            <a:lvl8pPr marL="3657600" lvl="7" indent="-304800">
               <a:spcBef>
                 <a:spcPts val="0"/>
               </a:spcBef>
@@ -4304,7 +4449,7 @@
               <a:buChar char="○"/>
               <a:defRPr sz="1200"/>
             </a:lvl8pPr>
-            <a:lvl9pPr indent="-304800" lvl="8" marL="4114800">
+            <a:lvl9pPr marL="4114800" lvl="8" indent="-304800">
               <a:spcBef>
                 <a:spcPts val="0"/>
               </a:spcBef>
@@ -4316,15 +4461,19 @@
               <a:defRPr sz="1200"/>
             </a:lvl9pPr>
           </a:lstStyle>
-          <a:p/>
+          <a:p>
+            <a:endParaRPr/>
+          </a:p>
         </p:txBody>
       </p:sp>
       <p:sp>
         <p:nvSpPr>
           <p:cNvPr id="23" name="Google Shape;23;p5"/>
-          <p:cNvSpPr txBox="1"/>
+          <p:cNvSpPr txBox="1">
+            <a:spLocks noGrp="1"/>
+          </p:cNvSpPr>
           <p:nvPr>
-            <p:ph idx="2" type="body"/>
+            <p:ph type="body" idx="2"/>
           </p:nvPr>
         </p:nvSpPr>
         <p:spPr>
@@ -4337,11 +4486,11 @@
           </a:prstGeom>
         </p:spPr>
         <p:txBody>
-          <a:bodyPr anchorCtr="0" anchor="t" bIns="91425" lIns="91425" spcFirstLastPara="1" rIns="91425" wrap="square" tIns="91425">
+          <a:bodyPr spcFirstLastPara="1" wrap="square" lIns="91425" tIns="91425" rIns="91425" bIns="91425" anchor="t" anchorCtr="0">
             <a:noAutofit/>
           </a:bodyPr>
           <a:lstStyle>
-            <a:lvl1pPr indent="-317500" lvl="0" marL="457200">
+            <a:lvl1pPr marL="457200" lvl="0" indent="-317500">
               <a:spcBef>
                 <a:spcPts val="0"/>
               </a:spcBef>
@@ -4352,7 +4501,7 @@
               <a:buChar char="●"/>
               <a:defRPr sz="1400"/>
             </a:lvl1pPr>
-            <a:lvl2pPr indent="-304800" lvl="1" marL="914400">
+            <a:lvl2pPr marL="914400" lvl="1" indent="-304800">
               <a:spcBef>
                 <a:spcPts val="0"/>
               </a:spcBef>
@@ -4363,7 +4512,7 @@
               <a:buChar char="○"/>
               <a:defRPr sz="1200"/>
             </a:lvl2pPr>
-            <a:lvl3pPr indent="-304800" lvl="2" marL="1371600">
+            <a:lvl3pPr marL="1371600" lvl="2" indent="-304800">
               <a:spcBef>
                 <a:spcPts val="0"/>
               </a:spcBef>
@@ -4374,7 +4523,7 @@
               <a:buChar char="■"/>
               <a:defRPr sz="1200"/>
             </a:lvl3pPr>
-            <a:lvl4pPr indent="-304800" lvl="3" marL="1828800">
+            <a:lvl4pPr marL="1828800" lvl="3" indent="-304800">
               <a:spcBef>
                 <a:spcPts val="0"/>
               </a:spcBef>
@@ -4385,7 +4534,7 @@
               <a:buChar char="●"/>
               <a:defRPr sz="1200"/>
             </a:lvl4pPr>
-            <a:lvl5pPr indent="-304800" lvl="4" marL="2286000">
+            <a:lvl5pPr marL="2286000" lvl="4" indent="-304800">
               <a:spcBef>
                 <a:spcPts val="0"/>
               </a:spcBef>
@@ -4396,7 +4545,7 @@
               <a:buChar char="○"/>
               <a:defRPr sz="1200"/>
             </a:lvl5pPr>
-            <a:lvl6pPr indent="-304800" lvl="5" marL="2743200">
+            <a:lvl6pPr marL="2743200" lvl="5" indent="-304800">
               <a:spcBef>
                 <a:spcPts val="0"/>
               </a:spcBef>
@@ -4407,7 +4556,7 @@
               <a:buChar char="■"/>
               <a:defRPr sz="1200"/>
             </a:lvl6pPr>
-            <a:lvl7pPr indent="-304800" lvl="6" marL="3200400">
+            <a:lvl7pPr marL="3200400" lvl="6" indent="-304800">
               <a:spcBef>
                 <a:spcPts val="0"/>
               </a:spcBef>
@@ -4418,7 +4567,7 @@
               <a:buChar char="●"/>
               <a:defRPr sz="1200"/>
             </a:lvl7pPr>
-            <a:lvl8pPr indent="-304800" lvl="7" marL="3657600">
+            <a:lvl8pPr marL="3657600" lvl="7" indent="-304800">
               <a:spcBef>
                 <a:spcPts val="0"/>
               </a:spcBef>
@@ -4429,7 +4578,7 @@
               <a:buChar char="○"/>
               <a:defRPr sz="1200"/>
             </a:lvl8pPr>
-            <a:lvl9pPr indent="-304800" lvl="8" marL="4114800">
+            <a:lvl9pPr marL="4114800" lvl="8" indent="-304800">
               <a:spcBef>
                 <a:spcPts val="0"/>
               </a:spcBef>
@@ -4441,15 +4590,19 @@
               <a:defRPr sz="1200"/>
             </a:lvl9pPr>
           </a:lstStyle>
-          <a:p/>
+          <a:p>
+            <a:endParaRPr/>
+          </a:p>
         </p:txBody>
       </p:sp>
       <p:sp>
         <p:nvSpPr>
           <p:cNvPr id="24" name="Google Shape;24;p5"/>
-          <p:cNvSpPr txBox="1"/>
+          <p:cNvSpPr txBox="1">
+            <a:spLocks noGrp="1"/>
+          </p:cNvSpPr>
           <p:nvPr>
-            <p:ph idx="12" type="sldNum"/>
+            <p:ph type="sldNum" idx="12"/>
           </p:nvPr>
         </p:nvSpPr>
         <p:spPr>
@@ -4462,7 +4615,7 @@
           </a:prstGeom>
         </p:spPr>
         <p:txBody>
-          <a:bodyPr anchorCtr="0" anchor="ctr" bIns="91425" lIns="91425" spcFirstLastPara="1" rIns="91425" wrap="square" tIns="91425">
+          <a:bodyPr spcFirstLastPara="1" wrap="square" lIns="91425" tIns="91425" rIns="91425" bIns="91425" anchor="ctr" anchorCtr="0">
             <a:noAutofit/>
           </a:bodyPr>
           <a:lstStyle>
@@ -4504,7 +4657,7 @@
             </a:lvl9pPr>
           </a:lstStyle>
           <a:p>
-            <a:pPr indent="0" lvl="0" marL="0" rtl="0" algn="r">
+            <a:pPr marL="0" lvl="0" indent="0" algn="r" rtl="0">
               <a:spcBef>
                 <a:spcPts val="0"/>
               </a:spcBef>
@@ -4530,11 +4683,11 @@
 </file>
 
 <file path=ppt/slideLayouts/slideLayout5.xml><?xml version="1.0" encoding="utf-8"?>
-<p:sldLayout xmlns:a="http://schemas.openxmlformats.org/drawingml/2006/main" xmlns:r="http://schemas.openxmlformats.org/officeDocument/2006/relationships" xmlns:mc="http://schemas.openxmlformats.org/markup-compatibility/2006" xmlns:mv="urn:schemas-microsoft-com:mac:vml" xmlns:p="http://schemas.openxmlformats.org/presentationml/2006/main" xmlns:c="http://schemas.openxmlformats.org/drawingml/2006/chart" xmlns:dgm="http://schemas.openxmlformats.org/drawingml/2006/diagram" xmlns:o="urn:schemas-microsoft-com:office:office" xmlns:v="urn:schemas-microsoft-com:vml" xmlns:pvml="urn:schemas-microsoft-com:office:powerpoint" xmlns:com="http://schemas.openxmlformats.org/drawingml/2006/compatibility" xmlns:p14="http://schemas.microsoft.com/office/powerpoint/2010/main" xmlns:p15="http://schemas.microsoft.com/office/powerpoint/2012/main" xmlns:ahyp="http://schemas.microsoft.com/office/drawing/2018/hyperlinkcolor" matchingName="Title only" type="titleOnly">
+<p:sldLayout xmlns:a="http://schemas.openxmlformats.org/drawingml/2006/main" xmlns:r="http://schemas.openxmlformats.org/officeDocument/2006/relationships" xmlns:p="http://schemas.openxmlformats.org/presentationml/2006/main" matchingName="Title only" type="titleOnly">
   <p:cSld name="TITLE_ONLY">
     <p:spTree>
       <p:nvGrpSpPr>
-        <p:cNvPr id="25" name="Shape 25"/>
+        <p:cNvPr id="1" name="Shape 25"/>
         <p:cNvGrpSpPr/>
         <p:nvPr/>
       </p:nvGrpSpPr>
@@ -4549,7 +4702,9 @@
       <p:sp>
         <p:nvSpPr>
           <p:cNvPr id="26" name="Google Shape;26;p6"/>
-          <p:cNvSpPr txBox="1"/>
+          <p:cNvSpPr txBox="1">
+            <a:spLocks noGrp="1"/>
+          </p:cNvSpPr>
           <p:nvPr>
             <p:ph type="title"/>
           </p:nvPr>
@@ -4564,7 +4719,7 @@
           </a:prstGeom>
         </p:spPr>
         <p:txBody>
-          <a:bodyPr anchorCtr="0" anchor="t" bIns="91425" lIns="91425" spcFirstLastPara="1" rIns="91425" wrap="square" tIns="91425">
+          <a:bodyPr spcFirstLastPara="1" wrap="square" lIns="91425" tIns="91425" rIns="91425" bIns="91425" anchor="t" anchorCtr="0">
             <a:noAutofit/>
           </a:bodyPr>
           <a:lstStyle>
@@ -4668,15 +4823,19 @@
               <a:defRPr/>
             </a:lvl9pPr>
           </a:lstStyle>
-          <a:p/>
+          <a:p>
+            <a:endParaRPr/>
+          </a:p>
         </p:txBody>
       </p:sp>
       <p:sp>
         <p:nvSpPr>
           <p:cNvPr id="27" name="Google Shape;27;p6"/>
-          <p:cNvSpPr txBox="1"/>
+          <p:cNvSpPr txBox="1">
+            <a:spLocks noGrp="1"/>
+          </p:cNvSpPr>
           <p:nvPr>
-            <p:ph idx="12" type="sldNum"/>
+            <p:ph type="sldNum" idx="12"/>
           </p:nvPr>
         </p:nvSpPr>
         <p:spPr>
@@ -4689,7 +4848,7 @@
           </a:prstGeom>
         </p:spPr>
         <p:txBody>
-          <a:bodyPr anchorCtr="0" anchor="ctr" bIns="91425" lIns="91425" spcFirstLastPara="1" rIns="91425" wrap="square" tIns="91425">
+          <a:bodyPr spcFirstLastPara="1" wrap="square" lIns="91425" tIns="91425" rIns="91425" bIns="91425" anchor="ctr" anchorCtr="0">
             <a:noAutofit/>
           </a:bodyPr>
           <a:lstStyle>
@@ -4731,7 +4890,7 @@
             </a:lvl9pPr>
           </a:lstStyle>
           <a:p>
-            <a:pPr indent="0" lvl="0" marL="0" rtl="0" algn="r">
+            <a:pPr marL="0" lvl="0" indent="0" algn="r" rtl="0">
               <a:spcBef>
                 <a:spcPts val="0"/>
               </a:spcBef>
@@ -4757,11 +4916,11 @@
 </file>
 
 <file path=ppt/slideLayouts/slideLayout6.xml><?xml version="1.0" encoding="utf-8"?>
-<p:sldLayout xmlns:a="http://schemas.openxmlformats.org/drawingml/2006/main" xmlns:r="http://schemas.openxmlformats.org/officeDocument/2006/relationships" xmlns:mc="http://schemas.openxmlformats.org/markup-compatibility/2006" xmlns:mv="urn:schemas-microsoft-com:mac:vml" xmlns:p="http://schemas.openxmlformats.org/presentationml/2006/main" xmlns:c="http://schemas.openxmlformats.org/drawingml/2006/chart" xmlns:dgm="http://schemas.openxmlformats.org/drawingml/2006/diagram" xmlns:o="urn:schemas-microsoft-com:office:office" xmlns:v="urn:schemas-microsoft-com:vml" xmlns:pvml="urn:schemas-microsoft-com:office:powerpoint" xmlns:com="http://schemas.openxmlformats.org/drawingml/2006/compatibility" xmlns:p14="http://schemas.microsoft.com/office/powerpoint/2010/main" xmlns:p15="http://schemas.microsoft.com/office/powerpoint/2012/main" xmlns:ahyp="http://schemas.microsoft.com/office/drawing/2018/hyperlinkcolor" matchingName="One column text">
+<p:sldLayout xmlns:a="http://schemas.openxmlformats.org/drawingml/2006/main" xmlns:r="http://schemas.openxmlformats.org/officeDocument/2006/relationships" xmlns:p="http://schemas.openxmlformats.org/presentationml/2006/main" matchingName="One column text">
   <p:cSld name="ONE_COLUMN_TEXT">
     <p:spTree>
       <p:nvGrpSpPr>
-        <p:cNvPr id="28" name="Shape 28"/>
+        <p:cNvPr id="1" name="Shape 28"/>
         <p:cNvGrpSpPr/>
         <p:nvPr/>
       </p:nvGrpSpPr>
@@ -4776,7 +4935,9 @@
       <p:sp>
         <p:nvSpPr>
           <p:cNvPr id="29" name="Google Shape;29;p7"/>
-          <p:cNvSpPr txBox="1"/>
+          <p:cNvSpPr txBox="1">
+            <a:spLocks noGrp="1"/>
+          </p:cNvSpPr>
           <p:nvPr>
             <p:ph type="title"/>
           </p:nvPr>
@@ -4791,7 +4952,7 @@
           </a:prstGeom>
         </p:spPr>
         <p:txBody>
-          <a:bodyPr anchorCtr="0" anchor="b" bIns="91425" lIns="91425" spcFirstLastPara="1" rIns="91425" wrap="square" tIns="91425">
+          <a:bodyPr spcFirstLastPara="1" wrap="square" lIns="91425" tIns="91425" rIns="91425" bIns="91425" anchor="b" anchorCtr="0">
             <a:noAutofit/>
           </a:bodyPr>
           <a:lstStyle>
@@ -4895,15 +5056,19 @@
               <a:defRPr sz="2400"/>
             </a:lvl9pPr>
           </a:lstStyle>
-          <a:p/>
+          <a:p>
+            <a:endParaRPr/>
+          </a:p>
         </p:txBody>
       </p:sp>
       <p:sp>
         <p:nvSpPr>
           <p:cNvPr id="30" name="Google Shape;30;p7"/>
-          <p:cNvSpPr txBox="1"/>
+          <p:cNvSpPr txBox="1">
+            <a:spLocks noGrp="1"/>
+          </p:cNvSpPr>
           <p:nvPr>
-            <p:ph idx="1" type="body"/>
+            <p:ph type="body" idx="1"/>
           </p:nvPr>
         </p:nvSpPr>
         <p:spPr>
@@ -4916,11 +5081,11 @@
           </a:prstGeom>
         </p:spPr>
         <p:txBody>
-          <a:bodyPr anchorCtr="0" anchor="t" bIns="91425" lIns="91425" spcFirstLastPara="1" rIns="91425" wrap="square" tIns="91425">
+          <a:bodyPr spcFirstLastPara="1" wrap="square" lIns="91425" tIns="91425" rIns="91425" bIns="91425" anchor="t" anchorCtr="0">
             <a:noAutofit/>
           </a:bodyPr>
           <a:lstStyle>
-            <a:lvl1pPr indent="-304800" lvl="0" marL="457200">
+            <a:lvl1pPr marL="457200" lvl="0" indent="-304800">
               <a:spcBef>
                 <a:spcPts val="0"/>
               </a:spcBef>
@@ -4931,7 +5096,7 @@
               <a:buChar char="●"/>
               <a:defRPr sz="1200"/>
             </a:lvl1pPr>
-            <a:lvl2pPr indent="-304800" lvl="1" marL="914400">
+            <a:lvl2pPr marL="914400" lvl="1" indent="-304800">
               <a:spcBef>
                 <a:spcPts val="0"/>
               </a:spcBef>
@@ -4942,7 +5107,7 @@
               <a:buChar char="○"/>
               <a:defRPr sz="1200"/>
             </a:lvl2pPr>
-            <a:lvl3pPr indent="-304800" lvl="2" marL="1371600">
+            <a:lvl3pPr marL="1371600" lvl="2" indent="-304800">
               <a:spcBef>
                 <a:spcPts val="0"/>
               </a:spcBef>
@@ -4953,7 +5118,7 @@
               <a:buChar char="■"/>
               <a:defRPr sz="1200"/>
             </a:lvl3pPr>
-            <a:lvl4pPr indent="-304800" lvl="3" marL="1828800">
+            <a:lvl4pPr marL="1828800" lvl="3" indent="-304800">
               <a:spcBef>
                 <a:spcPts val="0"/>
               </a:spcBef>
@@ -4964,7 +5129,7 @@
               <a:buChar char="●"/>
               <a:defRPr sz="1200"/>
             </a:lvl4pPr>
-            <a:lvl5pPr indent="-304800" lvl="4" marL="2286000">
+            <a:lvl5pPr marL="2286000" lvl="4" indent="-304800">
               <a:spcBef>
                 <a:spcPts val="0"/>
               </a:spcBef>
@@ -4975,7 +5140,7 @@
               <a:buChar char="○"/>
               <a:defRPr sz="1200"/>
             </a:lvl5pPr>
-            <a:lvl6pPr indent="-304800" lvl="5" marL="2743200">
+            <a:lvl6pPr marL="2743200" lvl="5" indent="-304800">
               <a:spcBef>
                 <a:spcPts val="0"/>
               </a:spcBef>
@@ -4986,7 +5151,7 @@
               <a:buChar char="■"/>
               <a:defRPr sz="1200"/>
             </a:lvl6pPr>
-            <a:lvl7pPr indent="-304800" lvl="6" marL="3200400">
+            <a:lvl7pPr marL="3200400" lvl="6" indent="-304800">
               <a:spcBef>
                 <a:spcPts val="0"/>
               </a:spcBef>
@@ -4997,7 +5162,7 @@
               <a:buChar char="●"/>
               <a:defRPr sz="1200"/>
             </a:lvl7pPr>
-            <a:lvl8pPr indent="-304800" lvl="7" marL="3657600">
+            <a:lvl8pPr marL="3657600" lvl="7" indent="-304800">
               <a:spcBef>
                 <a:spcPts val="0"/>
               </a:spcBef>
@@ -5008,7 +5173,7 @@
               <a:buChar char="○"/>
               <a:defRPr sz="1200"/>
             </a:lvl8pPr>
-            <a:lvl9pPr indent="-304800" lvl="8" marL="4114800">
+            <a:lvl9pPr marL="4114800" lvl="8" indent="-304800">
               <a:spcBef>
                 <a:spcPts val="0"/>
               </a:spcBef>
@@ -5020,15 +5185,19 @@
               <a:defRPr sz="1200"/>
             </a:lvl9pPr>
           </a:lstStyle>
-          <a:p/>
+          <a:p>
+            <a:endParaRPr/>
+          </a:p>
         </p:txBody>
       </p:sp>
       <p:sp>
         <p:nvSpPr>
           <p:cNvPr id="31" name="Google Shape;31;p7"/>
-          <p:cNvSpPr txBox="1"/>
+          <p:cNvSpPr txBox="1">
+            <a:spLocks noGrp="1"/>
+          </p:cNvSpPr>
           <p:nvPr>
-            <p:ph idx="12" type="sldNum"/>
+            <p:ph type="sldNum" idx="12"/>
           </p:nvPr>
         </p:nvSpPr>
         <p:spPr>
@@ -5041,7 +5210,7 @@
           </a:prstGeom>
         </p:spPr>
         <p:txBody>
-          <a:bodyPr anchorCtr="0" anchor="ctr" bIns="91425" lIns="91425" spcFirstLastPara="1" rIns="91425" wrap="square" tIns="91425">
+          <a:bodyPr spcFirstLastPara="1" wrap="square" lIns="91425" tIns="91425" rIns="91425" bIns="91425" anchor="ctr" anchorCtr="0">
             <a:noAutofit/>
           </a:bodyPr>
           <a:lstStyle>
@@ -5083,7 +5252,7 @@
             </a:lvl9pPr>
           </a:lstStyle>
           <a:p>
-            <a:pPr indent="0" lvl="0" marL="0" rtl="0" algn="r">
+            <a:pPr marL="0" lvl="0" indent="0" algn="r" rtl="0">
               <a:spcBef>
                 <a:spcPts val="0"/>
               </a:spcBef>
@@ -5109,11 +5278,11 @@
 </file>
 
 <file path=ppt/slideLayouts/slideLayout7.xml><?xml version="1.0" encoding="utf-8"?>
-<p:sldLayout xmlns:a="http://schemas.openxmlformats.org/drawingml/2006/main" xmlns:r="http://schemas.openxmlformats.org/officeDocument/2006/relationships" xmlns:mc="http://schemas.openxmlformats.org/markup-compatibility/2006" xmlns:mv="urn:schemas-microsoft-com:mac:vml" xmlns:p="http://schemas.openxmlformats.org/presentationml/2006/main" xmlns:c="http://schemas.openxmlformats.org/drawingml/2006/chart" xmlns:dgm="http://schemas.openxmlformats.org/drawingml/2006/diagram" xmlns:o="urn:schemas-microsoft-com:office:office" xmlns:v="urn:schemas-microsoft-com:vml" xmlns:pvml="urn:schemas-microsoft-com:office:powerpoint" xmlns:com="http://schemas.openxmlformats.org/drawingml/2006/compatibility" xmlns:p14="http://schemas.microsoft.com/office/powerpoint/2010/main" xmlns:p15="http://schemas.microsoft.com/office/powerpoint/2012/main" xmlns:ahyp="http://schemas.microsoft.com/office/drawing/2018/hyperlinkcolor" matchingName="Main point">
+<p:sldLayout xmlns:a="http://schemas.openxmlformats.org/drawingml/2006/main" xmlns:r="http://schemas.openxmlformats.org/officeDocument/2006/relationships" xmlns:p="http://schemas.openxmlformats.org/presentationml/2006/main" matchingName="Main point">
   <p:cSld name="MAIN_POINT">
     <p:spTree>
       <p:nvGrpSpPr>
-        <p:cNvPr id="32" name="Shape 32"/>
+        <p:cNvPr id="1" name="Shape 32"/>
         <p:cNvGrpSpPr/>
         <p:nvPr/>
       </p:nvGrpSpPr>
@@ -5128,7 +5297,9 @@
       <p:sp>
         <p:nvSpPr>
           <p:cNvPr id="33" name="Google Shape;33;p8"/>
-          <p:cNvSpPr txBox="1"/>
+          <p:cNvSpPr txBox="1">
+            <a:spLocks noGrp="1"/>
+          </p:cNvSpPr>
           <p:nvPr>
             <p:ph type="title"/>
           </p:nvPr>
@@ -5143,7 +5314,7 @@
           </a:prstGeom>
         </p:spPr>
         <p:txBody>
-          <a:bodyPr anchorCtr="0" anchor="ctr" bIns="91425" lIns="91425" spcFirstLastPara="1" rIns="91425" wrap="square" tIns="91425">
+          <a:bodyPr spcFirstLastPara="1" wrap="square" lIns="91425" tIns="91425" rIns="91425" bIns="91425" anchor="ctr" anchorCtr="0">
             <a:noAutofit/>
           </a:bodyPr>
           <a:lstStyle>
@@ -5247,15 +5418,19 @@
               <a:defRPr sz="4800"/>
             </a:lvl9pPr>
           </a:lstStyle>
-          <a:p/>
+          <a:p>
+            <a:endParaRPr/>
+          </a:p>
         </p:txBody>
       </p:sp>
       <p:sp>
         <p:nvSpPr>
           <p:cNvPr id="34" name="Google Shape;34;p8"/>
-          <p:cNvSpPr txBox="1"/>
+          <p:cNvSpPr txBox="1">
+            <a:spLocks noGrp="1"/>
+          </p:cNvSpPr>
           <p:nvPr>
-            <p:ph idx="12" type="sldNum"/>
+            <p:ph type="sldNum" idx="12"/>
           </p:nvPr>
         </p:nvSpPr>
         <p:spPr>
@@ -5268,7 +5443,7 @@
           </a:prstGeom>
         </p:spPr>
         <p:txBody>
-          <a:bodyPr anchorCtr="0" anchor="ctr" bIns="91425" lIns="91425" spcFirstLastPara="1" rIns="91425" wrap="square" tIns="91425">
+          <a:bodyPr spcFirstLastPara="1" wrap="square" lIns="91425" tIns="91425" rIns="91425" bIns="91425" anchor="ctr" anchorCtr="0">
             <a:noAutofit/>
           </a:bodyPr>
           <a:lstStyle>
@@ -5310,7 +5485,7 @@
             </a:lvl9pPr>
           </a:lstStyle>
           <a:p>
-            <a:pPr indent="0" lvl="0" marL="0" rtl="0" algn="r">
+            <a:pPr marL="0" lvl="0" indent="0" algn="r" rtl="0">
               <a:spcBef>
                 <a:spcPts val="0"/>
               </a:spcBef>
@@ -5336,11 +5511,11 @@
 </file>
 
 <file path=ppt/slideLayouts/slideLayout8.xml><?xml version="1.0" encoding="utf-8"?>
-<p:sldLayout xmlns:a="http://schemas.openxmlformats.org/drawingml/2006/main" xmlns:r="http://schemas.openxmlformats.org/officeDocument/2006/relationships" xmlns:mc="http://schemas.openxmlformats.org/markup-compatibility/2006" xmlns:mv="urn:schemas-microsoft-com:mac:vml" xmlns:p="http://schemas.openxmlformats.org/presentationml/2006/main" xmlns:c="http://schemas.openxmlformats.org/drawingml/2006/chart" xmlns:dgm="http://schemas.openxmlformats.org/drawingml/2006/diagram" xmlns:o="urn:schemas-microsoft-com:office:office" xmlns:v="urn:schemas-microsoft-com:vml" xmlns:pvml="urn:schemas-microsoft-com:office:powerpoint" xmlns:com="http://schemas.openxmlformats.org/drawingml/2006/compatibility" xmlns:p14="http://schemas.microsoft.com/office/powerpoint/2010/main" xmlns:p15="http://schemas.microsoft.com/office/powerpoint/2012/main" xmlns:ahyp="http://schemas.microsoft.com/office/drawing/2018/hyperlinkcolor" matchingName="Section title and description">
+<p:sldLayout xmlns:a="http://schemas.openxmlformats.org/drawingml/2006/main" xmlns:r="http://schemas.openxmlformats.org/officeDocument/2006/relationships" xmlns:p="http://schemas.openxmlformats.org/presentationml/2006/main" matchingName="Section title and description">
   <p:cSld name="SECTION_TITLE_AND_DESCRIPTION">
     <p:spTree>
       <p:nvGrpSpPr>
-        <p:cNvPr id="35" name="Shape 35"/>
+        <p:cNvPr id="1" name="Shape 35"/>
         <p:cNvGrpSpPr/>
         <p:nvPr/>
       </p:nvGrpSpPr>
@@ -5374,12 +5549,12 @@
           </a:ln>
         </p:spPr>
         <p:txBody>
-          <a:bodyPr anchorCtr="0" anchor="ctr" bIns="91425" lIns="91425" spcFirstLastPara="1" rIns="91425" wrap="square" tIns="91425">
+          <a:bodyPr spcFirstLastPara="1" wrap="square" lIns="91425" tIns="91425" rIns="91425" bIns="91425" anchor="ctr" anchorCtr="0">
             <a:noAutofit/>
           </a:bodyPr>
           <a:lstStyle/>
           <a:p>
-            <a:pPr indent="0" lvl="0" marL="0" rtl="0" algn="l">
+            <a:pPr marL="0" lvl="0" indent="0" algn="l" rtl="0">
               <a:spcBef>
                 <a:spcPts val="0"/>
               </a:spcBef>
@@ -5388,9 +5563,6 @@
               </a:spcAft>
               <a:buNone/>
             </a:pPr>
-            <a:r>
-              <a:t/>
-            </a:r>
             <a:endParaRPr/>
           </a:p>
         </p:txBody>
@@ -5398,7 +5570,9 @@
       <p:sp>
         <p:nvSpPr>
           <p:cNvPr id="37" name="Google Shape;37;p9"/>
-          <p:cNvSpPr txBox="1"/>
+          <p:cNvSpPr txBox="1">
+            <a:spLocks noGrp="1"/>
+          </p:cNvSpPr>
           <p:nvPr>
             <p:ph type="title"/>
           </p:nvPr>
@@ -5413,7 +5587,7 @@
           </a:prstGeom>
         </p:spPr>
         <p:txBody>
-          <a:bodyPr anchorCtr="0" anchor="b" bIns="91425" lIns="91425" spcFirstLastPara="1" rIns="91425" wrap="square" tIns="91425">
+          <a:bodyPr spcFirstLastPara="1" wrap="square" lIns="91425" tIns="91425" rIns="91425" bIns="91425" anchor="b" anchorCtr="0">
             <a:noAutofit/>
           </a:bodyPr>
           <a:lstStyle>
@@ -5517,15 +5691,19 @@
               <a:defRPr sz="4200"/>
             </a:lvl9pPr>
           </a:lstStyle>
-          <a:p/>
+          <a:p>
+            <a:endParaRPr/>
+          </a:p>
         </p:txBody>
       </p:sp>
       <p:sp>
         <p:nvSpPr>
           <p:cNvPr id="38" name="Google Shape;38;p9"/>
-          <p:cNvSpPr txBox="1"/>
+          <p:cNvSpPr txBox="1">
+            <a:spLocks noGrp="1"/>
+          </p:cNvSpPr>
           <p:nvPr>
-            <p:ph idx="1" type="subTitle"/>
+            <p:ph type="subTitle" idx="1"/>
           </p:nvPr>
         </p:nvSpPr>
         <p:spPr>
@@ -5538,7 +5716,7 @@
           </a:prstGeom>
         </p:spPr>
         <p:txBody>
-          <a:bodyPr anchorCtr="0" anchor="t" bIns="91425" lIns="91425" spcFirstLastPara="1" rIns="91425" wrap="square" tIns="91425">
+          <a:bodyPr spcFirstLastPara="1" wrap="square" lIns="91425" tIns="91425" rIns="91425" bIns="91425" anchor="t" anchorCtr="0">
             <a:noAutofit/>
           </a:bodyPr>
           <a:lstStyle>
@@ -5669,15 +5847,19 @@
               <a:defRPr sz="2100"/>
             </a:lvl9pPr>
           </a:lstStyle>
-          <a:p/>
+          <a:p>
+            <a:endParaRPr/>
+          </a:p>
         </p:txBody>
       </p:sp>
       <p:sp>
         <p:nvSpPr>
           <p:cNvPr id="39" name="Google Shape;39;p9"/>
-          <p:cNvSpPr txBox="1"/>
+          <p:cNvSpPr txBox="1">
+            <a:spLocks noGrp="1"/>
+          </p:cNvSpPr>
           <p:nvPr>
-            <p:ph idx="2" type="body"/>
+            <p:ph type="body" idx="2"/>
           </p:nvPr>
         </p:nvSpPr>
         <p:spPr>
@@ -5690,11 +5872,11 @@
           </a:prstGeom>
         </p:spPr>
         <p:txBody>
-          <a:bodyPr anchorCtr="0" anchor="ctr" bIns="91425" lIns="91425" spcFirstLastPara="1" rIns="91425" wrap="square" tIns="91425">
+          <a:bodyPr spcFirstLastPara="1" wrap="square" lIns="91425" tIns="91425" rIns="91425" bIns="91425" anchor="ctr" anchorCtr="0">
             <a:noAutofit/>
           </a:bodyPr>
           <a:lstStyle>
-            <a:lvl1pPr indent="-342900" lvl="0" marL="457200">
+            <a:lvl1pPr marL="457200" lvl="0" indent="-342900">
               <a:spcBef>
                 <a:spcPts val="0"/>
               </a:spcBef>
@@ -5705,7 +5887,7 @@
               <a:buChar char="●"/>
               <a:defRPr/>
             </a:lvl1pPr>
-            <a:lvl2pPr indent="-317500" lvl="1" marL="914400">
+            <a:lvl2pPr marL="914400" lvl="1" indent="-317500">
               <a:spcBef>
                 <a:spcPts val="0"/>
               </a:spcBef>
@@ -5716,7 +5898,7 @@
               <a:buChar char="○"/>
               <a:defRPr/>
             </a:lvl2pPr>
-            <a:lvl3pPr indent="-317500" lvl="2" marL="1371600">
+            <a:lvl3pPr marL="1371600" lvl="2" indent="-317500">
               <a:spcBef>
                 <a:spcPts val="0"/>
               </a:spcBef>
@@ -5727,7 +5909,7 @@
               <a:buChar char="■"/>
               <a:defRPr/>
             </a:lvl3pPr>
-            <a:lvl4pPr indent="-317500" lvl="3" marL="1828800">
+            <a:lvl4pPr marL="1828800" lvl="3" indent="-317500">
               <a:spcBef>
                 <a:spcPts val="0"/>
               </a:spcBef>
@@ -5738,7 +5920,7 @@
               <a:buChar char="●"/>
               <a:defRPr/>
             </a:lvl4pPr>
-            <a:lvl5pPr indent="-317500" lvl="4" marL="2286000">
+            <a:lvl5pPr marL="2286000" lvl="4" indent="-317500">
               <a:spcBef>
                 <a:spcPts val="0"/>
               </a:spcBef>
@@ -5749,7 +5931,7 @@
               <a:buChar char="○"/>
               <a:defRPr/>
             </a:lvl5pPr>
-            <a:lvl6pPr indent="-317500" lvl="5" marL="2743200">
+            <a:lvl6pPr marL="2743200" lvl="5" indent="-317500">
               <a:spcBef>
                 <a:spcPts val="0"/>
               </a:spcBef>
@@ -5760,7 +5942,7 @@
               <a:buChar char="■"/>
               <a:defRPr/>
             </a:lvl6pPr>
-            <a:lvl7pPr indent="-317500" lvl="6" marL="3200400">
+            <a:lvl7pPr marL="3200400" lvl="6" indent="-317500">
               <a:spcBef>
                 <a:spcPts val="0"/>
               </a:spcBef>
@@ -5771,7 +5953,7 @@
               <a:buChar char="●"/>
               <a:defRPr/>
             </a:lvl7pPr>
-            <a:lvl8pPr indent="-317500" lvl="7" marL="3657600">
+            <a:lvl8pPr marL="3657600" lvl="7" indent="-317500">
               <a:spcBef>
                 <a:spcPts val="0"/>
               </a:spcBef>
@@ -5782,7 +5964,7 @@
               <a:buChar char="○"/>
               <a:defRPr/>
             </a:lvl8pPr>
-            <a:lvl9pPr indent="-317500" lvl="8" marL="4114800">
+            <a:lvl9pPr marL="4114800" lvl="8" indent="-317500">
               <a:spcBef>
                 <a:spcPts val="0"/>
               </a:spcBef>
@@ -5794,15 +5976,19 @@
               <a:defRPr/>
             </a:lvl9pPr>
           </a:lstStyle>
-          <a:p/>
+          <a:p>
+            <a:endParaRPr/>
+          </a:p>
         </p:txBody>
       </p:sp>
       <p:sp>
         <p:nvSpPr>
           <p:cNvPr id="40" name="Google Shape;40;p9"/>
-          <p:cNvSpPr txBox="1"/>
+          <p:cNvSpPr txBox="1">
+            <a:spLocks noGrp="1"/>
+          </p:cNvSpPr>
           <p:nvPr>
-            <p:ph idx="12" type="sldNum"/>
+            <p:ph type="sldNum" idx="12"/>
           </p:nvPr>
         </p:nvSpPr>
         <p:spPr>
@@ -5815,7 +6001,7 @@
           </a:prstGeom>
         </p:spPr>
         <p:txBody>
-          <a:bodyPr anchorCtr="0" anchor="ctr" bIns="91425" lIns="91425" spcFirstLastPara="1" rIns="91425" wrap="square" tIns="91425">
+          <a:bodyPr spcFirstLastPara="1" wrap="square" lIns="91425" tIns="91425" rIns="91425" bIns="91425" anchor="ctr" anchorCtr="0">
             <a:noAutofit/>
           </a:bodyPr>
           <a:lstStyle>
@@ -5857,7 +6043,7 @@
             </a:lvl9pPr>
           </a:lstStyle>
           <a:p>
-            <a:pPr indent="0" lvl="0" marL="0" rtl="0" algn="r">
+            <a:pPr marL="0" lvl="0" indent="0" algn="r" rtl="0">
               <a:spcBef>
                 <a:spcPts val="0"/>
               </a:spcBef>
@@ -5883,11 +6069,11 @@
 </file>
 
 <file path=ppt/slideLayouts/slideLayout9.xml><?xml version="1.0" encoding="utf-8"?>
-<p:sldLayout xmlns:a="http://schemas.openxmlformats.org/drawingml/2006/main" xmlns:r="http://schemas.openxmlformats.org/officeDocument/2006/relationships" xmlns:mc="http://schemas.openxmlformats.org/markup-compatibility/2006" xmlns:mv="urn:schemas-microsoft-com:mac:vml" xmlns:p="http://schemas.openxmlformats.org/presentationml/2006/main" xmlns:c="http://schemas.openxmlformats.org/drawingml/2006/chart" xmlns:dgm="http://schemas.openxmlformats.org/drawingml/2006/diagram" xmlns:o="urn:schemas-microsoft-com:office:office" xmlns:v="urn:schemas-microsoft-com:vml" xmlns:pvml="urn:schemas-microsoft-com:office:powerpoint" xmlns:com="http://schemas.openxmlformats.org/drawingml/2006/compatibility" xmlns:p14="http://schemas.microsoft.com/office/powerpoint/2010/main" xmlns:p15="http://schemas.microsoft.com/office/powerpoint/2012/main" xmlns:ahyp="http://schemas.microsoft.com/office/drawing/2018/hyperlinkcolor" matchingName="Caption">
+<p:sldLayout xmlns:a="http://schemas.openxmlformats.org/drawingml/2006/main" xmlns:r="http://schemas.openxmlformats.org/officeDocument/2006/relationships" xmlns:p="http://schemas.openxmlformats.org/presentationml/2006/main" matchingName="Caption">
   <p:cSld name="CAPTION_ONLY">
     <p:spTree>
       <p:nvGrpSpPr>
-        <p:cNvPr id="41" name="Shape 41"/>
+        <p:cNvPr id="1" name="Shape 41"/>
         <p:cNvGrpSpPr/>
         <p:nvPr/>
       </p:nvGrpSpPr>
@@ -5902,9 +6088,11 @@
       <p:sp>
         <p:nvSpPr>
           <p:cNvPr id="42" name="Google Shape;42;p10"/>
-          <p:cNvSpPr txBox="1"/>
+          <p:cNvSpPr txBox="1">
+            <a:spLocks noGrp="1"/>
+          </p:cNvSpPr>
           <p:nvPr>
-            <p:ph idx="1" type="body"/>
+            <p:ph type="body" idx="1"/>
           </p:nvPr>
         </p:nvSpPr>
         <p:spPr>
@@ -5917,11 +6105,11 @@
           </a:prstGeom>
         </p:spPr>
         <p:txBody>
-          <a:bodyPr anchorCtr="0" anchor="ctr" bIns="91425" lIns="91425" spcFirstLastPara="1" rIns="91425" wrap="square" tIns="91425">
+          <a:bodyPr spcFirstLastPara="1" wrap="square" lIns="91425" tIns="91425" rIns="91425" bIns="91425" anchor="ctr" anchorCtr="0">
             <a:noAutofit/>
           </a:bodyPr>
           <a:lstStyle>
-            <a:lvl1pPr indent="-228600" lvl="0" marL="457200">
+            <a:lvl1pPr marL="457200" lvl="0" indent="-228600">
               <a:lnSpc>
                 <a:spcPct val="100000"/>
               </a:lnSpc>
@@ -5936,15 +6124,19 @@
               <a:defRPr/>
             </a:lvl1pPr>
           </a:lstStyle>
-          <a:p/>
+          <a:p>
+            <a:endParaRPr/>
+          </a:p>
         </p:txBody>
       </p:sp>
       <p:sp>
         <p:nvSpPr>
           <p:cNvPr id="43" name="Google Shape;43;p10"/>
-          <p:cNvSpPr txBox="1"/>
+          <p:cNvSpPr txBox="1">
+            <a:spLocks noGrp="1"/>
+          </p:cNvSpPr>
           <p:nvPr>
-            <p:ph idx="12" type="sldNum"/>
+            <p:ph type="sldNum" idx="12"/>
           </p:nvPr>
         </p:nvSpPr>
         <p:spPr>
@@ -5957,7 +6149,7 @@
           </a:prstGeom>
         </p:spPr>
         <p:txBody>
-          <a:bodyPr anchorCtr="0" anchor="ctr" bIns="91425" lIns="91425" spcFirstLastPara="1" rIns="91425" wrap="square" tIns="91425">
+          <a:bodyPr spcFirstLastPara="1" wrap="square" lIns="91425" tIns="91425" rIns="91425" bIns="91425" anchor="ctr" anchorCtr="0">
             <a:noAutofit/>
           </a:bodyPr>
           <a:lstStyle>
@@ -5999,7 +6191,7 @@
             </a:lvl9pPr>
           </a:lstStyle>
           <a:p>
-            <a:pPr indent="0" lvl="0" marL="0" rtl="0" algn="r">
+            <a:pPr marL="0" lvl="0" indent="0" algn="r" rtl="0">
               <a:spcBef>
                 <a:spcPts val="0"/>
               </a:spcBef>
@@ -6025,18 +6217,19 @@
 </file>
 
 <file path=ppt/slideMasters/slideMaster1.xml><?xml version="1.0" encoding="utf-8"?>
-<p:sldMaster xmlns:a="http://schemas.openxmlformats.org/drawingml/2006/main" xmlns:r="http://schemas.openxmlformats.org/officeDocument/2006/relationships" xmlns:mc="http://schemas.openxmlformats.org/markup-compatibility/2006" xmlns:mv="urn:schemas-microsoft-com:mac:vml" xmlns:p="http://schemas.openxmlformats.org/presentationml/2006/main" xmlns:c="http://schemas.openxmlformats.org/drawingml/2006/chart" xmlns:dgm="http://schemas.openxmlformats.org/drawingml/2006/diagram" xmlns:o="urn:schemas-microsoft-com:office:office" xmlns:v="urn:schemas-microsoft-com:vml" xmlns:pvml="urn:schemas-microsoft-com:office:powerpoint" xmlns:com="http://schemas.openxmlformats.org/drawingml/2006/compatibility" xmlns:p14="http://schemas.microsoft.com/office/powerpoint/2010/main" xmlns:p15="http://schemas.microsoft.com/office/powerpoint/2012/main" xmlns:ahyp="http://schemas.microsoft.com/office/drawing/2018/hyperlinkcolor">
+<p:sldMaster xmlns:a="http://schemas.openxmlformats.org/drawingml/2006/main" xmlns:r="http://schemas.openxmlformats.org/officeDocument/2006/relationships" xmlns:p="http://schemas.openxmlformats.org/presentationml/2006/main">
   <p:cSld name="simple-light-2">
     <p:bg>
       <p:bgPr>
         <a:solidFill>
           <a:schemeClr val="lt1"/>
         </a:solidFill>
+        <a:effectLst/>
       </p:bgPr>
     </p:bg>
     <p:spTree>
       <p:nvGrpSpPr>
-        <p:cNvPr id="5" name="Shape 5"/>
+        <p:cNvPr id="1" name="Shape 5"/>
         <p:cNvGrpSpPr/>
         <p:nvPr/>
       </p:nvGrpSpPr>
@@ -6051,7 +6244,9 @@
       <p:sp>
         <p:nvSpPr>
           <p:cNvPr id="6" name="Google Shape;6;p1"/>
-          <p:cNvSpPr txBox="1"/>
+          <p:cNvSpPr txBox="1">
+            <a:spLocks noGrp="1"/>
+          </p:cNvSpPr>
           <p:nvPr>
             <p:ph type="title"/>
           </p:nvPr>
@@ -6070,7 +6265,7 @@
           </a:ln>
         </p:spPr>
         <p:txBody>
-          <a:bodyPr anchorCtr="0" anchor="t" bIns="91425" lIns="91425" spcFirstLastPara="1" rIns="91425" wrap="square" tIns="91425">
+          <a:bodyPr spcFirstLastPara="1" wrap="square" lIns="91425" tIns="91425" rIns="91425" bIns="91425" anchor="t" anchorCtr="0">
             <a:noAutofit/>
           </a:bodyPr>
           <a:lstStyle>
@@ -6237,15 +6432,19 @@
               </a:defRPr>
             </a:lvl9pPr>
           </a:lstStyle>
-          <a:p/>
+          <a:p>
+            <a:endParaRPr/>
+          </a:p>
         </p:txBody>
       </p:sp>
       <p:sp>
         <p:nvSpPr>
           <p:cNvPr id="7" name="Google Shape;7;p1"/>
-          <p:cNvSpPr txBox="1"/>
+          <p:cNvSpPr txBox="1">
+            <a:spLocks noGrp="1"/>
+          </p:cNvSpPr>
           <p:nvPr>
-            <p:ph idx="1" type="body"/>
+            <p:ph type="body" idx="1"/>
           </p:nvPr>
         </p:nvSpPr>
         <p:spPr>
@@ -6262,11 +6461,11 @@
           </a:ln>
         </p:spPr>
         <p:txBody>
-          <a:bodyPr anchorCtr="0" anchor="t" bIns="91425" lIns="91425" spcFirstLastPara="1" rIns="91425" wrap="square" tIns="91425">
+          <a:bodyPr spcFirstLastPara="1" wrap="square" lIns="91425" tIns="91425" rIns="91425" bIns="91425" anchor="t" anchorCtr="0">
             <a:noAutofit/>
           </a:bodyPr>
           <a:lstStyle>
-            <a:lvl1pPr indent="-342900" lvl="0" marL="457200">
+            <a:lvl1pPr marL="457200" lvl="0" indent="-342900">
               <a:lnSpc>
                 <a:spcPct val="115000"/>
               </a:lnSpc>
@@ -6287,7 +6486,7 @@
                 </a:solidFill>
               </a:defRPr>
             </a:lvl1pPr>
-            <a:lvl2pPr indent="-317500" lvl="1" marL="914400">
+            <a:lvl2pPr marL="914400" lvl="1" indent="-317500">
               <a:lnSpc>
                 <a:spcPct val="115000"/>
               </a:lnSpc>
@@ -6308,7 +6507,7 @@
                 </a:solidFill>
               </a:defRPr>
             </a:lvl2pPr>
-            <a:lvl3pPr indent="-317500" lvl="2" marL="1371600">
+            <a:lvl3pPr marL="1371600" lvl="2" indent="-317500">
               <a:lnSpc>
                 <a:spcPct val="115000"/>
               </a:lnSpc>
@@ -6329,7 +6528,7 @@
                 </a:solidFill>
               </a:defRPr>
             </a:lvl3pPr>
-            <a:lvl4pPr indent="-317500" lvl="3" marL="1828800">
+            <a:lvl4pPr marL="1828800" lvl="3" indent="-317500">
               <a:lnSpc>
                 <a:spcPct val="115000"/>
               </a:lnSpc>
@@ -6350,7 +6549,7 @@
                 </a:solidFill>
               </a:defRPr>
             </a:lvl4pPr>
-            <a:lvl5pPr indent="-317500" lvl="4" marL="2286000">
+            <a:lvl5pPr marL="2286000" lvl="4" indent="-317500">
               <a:lnSpc>
                 <a:spcPct val="115000"/>
               </a:lnSpc>
@@ -6371,7 +6570,7 @@
                 </a:solidFill>
               </a:defRPr>
             </a:lvl5pPr>
-            <a:lvl6pPr indent="-317500" lvl="5" marL="2743200">
+            <a:lvl6pPr marL="2743200" lvl="5" indent="-317500">
               <a:lnSpc>
                 <a:spcPct val="115000"/>
               </a:lnSpc>
@@ -6392,7 +6591,7 @@
                 </a:solidFill>
               </a:defRPr>
             </a:lvl6pPr>
-            <a:lvl7pPr indent="-317500" lvl="6" marL="3200400">
+            <a:lvl7pPr marL="3200400" lvl="6" indent="-317500">
               <a:lnSpc>
                 <a:spcPct val="115000"/>
               </a:lnSpc>
@@ -6413,7 +6612,7 @@
                 </a:solidFill>
               </a:defRPr>
             </a:lvl7pPr>
-            <a:lvl8pPr indent="-317500" lvl="7" marL="3657600">
+            <a:lvl8pPr marL="3657600" lvl="7" indent="-317500">
               <a:lnSpc>
                 <a:spcPct val="115000"/>
               </a:lnSpc>
@@ -6434,7 +6633,7 @@
                 </a:solidFill>
               </a:defRPr>
             </a:lvl8pPr>
-            <a:lvl9pPr indent="-317500" lvl="8" marL="4114800">
+            <a:lvl9pPr marL="4114800" lvl="8" indent="-317500">
               <a:lnSpc>
                 <a:spcPct val="115000"/>
               </a:lnSpc>
@@ -6456,15 +6655,19 @@
               </a:defRPr>
             </a:lvl9pPr>
           </a:lstStyle>
-          <a:p/>
+          <a:p>
+            <a:endParaRPr/>
+          </a:p>
         </p:txBody>
       </p:sp>
       <p:sp>
         <p:nvSpPr>
           <p:cNvPr id="8" name="Google Shape;8;p1"/>
-          <p:cNvSpPr txBox="1"/>
+          <p:cNvSpPr txBox="1">
+            <a:spLocks noGrp="1"/>
+          </p:cNvSpPr>
           <p:nvPr>
-            <p:ph idx="12" type="sldNum"/>
+            <p:ph type="sldNum" idx="12"/>
           </p:nvPr>
         </p:nvSpPr>
         <p:spPr>
@@ -6481,7 +6684,7 @@
           </a:ln>
         </p:spPr>
         <p:txBody>
-          <a:bodyPr anchorCtr="0" anchor="ctr" bIns="91425" lIns="91425" spcFirstLastPara="1" rIns="91425" wrap="square" tIns="91425">
+          <a:bodyPr spcFirstLastPara="1" wrap="square" lIns="91425" tIns="91425" rIns="91425" bIns="91425" anchor="ctr" anchorCtr="0">
             <a:noAutofit/>
           </a:bodyPr>
           <a:lstStyle>
@@ -6559,7 +6762,7 @@
             </a:lvl9pPr>
           </a:lstStyle>
           <a:p>
-            <a:pPr indent="0" lvl="0" marL="0" rtl="0" algn="r">
+            <a:pPr marL="0" lvl="0" indent="0" algn="r" rtl="0">
               <a:spcBef>
                 <a:spcPts val="0"/>
               </a:spcBef>
@@ -6578,7 +6781,7 @@
       </p:sp>
     </p:spTree>
   </p:cSld>
-  <p:clrMap accent1="accent1" accent2="accent2" accent3="accent3" accent4="accent4" accent5="accent5" accent6="accent6" bg1="lt1" bg2="dk2" tx1="dk1" tx2="lt2" folHlink="folHlink" hlink="hlink"/>
+  <p:clrMap bg1="lt1" tx1="dk1" bg2="dk2" tx2="lt2" accent1="accent1" accent2="accent2" accent3="accent3" accent4="accent4" accent5="accent5" accent6="accent6" hlink="hlink" folHlink="folHlink"/>
   <p:sldLayoutIdLst>
     <p:sldLayoutId id="2147483648" r:id="rId1"/>
     <p:sldLayoutId id="2147483649" r:id="rId2"/>
@@ -6592,10 +6795,10 @@
     <p:sldLayoutId id="2147483657" r:id="rId10"/>
     <p:sldLayoutId id="2147483658" r:id="rId11"/>
   </p:sldLayoutIdLst>
-  <p:hf dt="0" ftr="0" hdr="0" sldNum="0"/>
+  <p:hf sldNum="0" hdr="0" ftr="0" dt="0"/>
   <p:txStyles>
     <p:titleStyle>
-      <a:defPPr lvl="0" marR="0" rtl="0" algn="l">
+      <a:defPPr marR="0" lvl="0" algn="l" rtl="0">
         <a:lnSpc>
           <a:spcPct val="100000"/>
         </a:lnSpc>
@@ -6606,7 +6809,7 @@
           <a:spcPts val="0"/>
         </a:spcAft>
       </a:defPPr>
-      <a:lvl1pPr lvl="0" marR="0" rtl="0" algn="l">
+      <a:lvl1pPr marR="0" lvl="0" algn="l" rtl="0">
         <a:lnSpc>
           <a:spcPct val="100000"/>
         </a:lnSpc>
@@ -6620,7 +6823,7 @@
           <a:srgbClr val="000000"/>
         </a:buClr>
         <a:buFont typeface="Arial"/>
-        <a:defRPr b="0" i="0" sz="1400" u="none" cap="none" strike="noStrike">
+        <a:defRPr sz="1400" b="0" i="0" u="none" strike="noStrike" cap="none">
           <a:solidFill>
             <a:srgbClr val="000000"/>
           </a:solidFill>
@@ -6630,7 +6833,7 @@
           <a:sym typeface="Arial"/>
         </a:defRPr>
       </a:lvl1pPr>
-      <a:lvl2pPr lvl="1" marR="0" rtl="0" algn="l">
+      <a:lvl2pPr marR="0" lvl="1" algn="l" rtl="0">
         <a:lnSpc>
           <a:spcPct val="100000"/>
         </a:lnSpc>
@@ -6644,7 +6847,7 @@
           <a:srgbClr val="000000"/>
         </a:buClr>
         <a:buFont typeface="Arial"/>
-        <a:defRPr b="0" i="0" sz="1400" u="none" cap="none" strike="noStrike">
+        <a:defRPr sz="1400" b="0" i="0" u="none" strike="noStrike" cap="none">
           <a:solidFill>
             <a:srgbClr val="000000"/>
           </a:solidFill>
@@ -6654,7 +6857,7 @@
           <a:sym typeface="Arial"/>
         </a:defRPr>
       </a:lvl2pPr>
-      <a:lvl3pPr lvl="2" marR="0" rtl="0" algn="l">
+      <a:lvl3pPr marR="0" lvl="2" algn="l" rtl="0">
         <a:lnSpc>
           <a:spcPct val="100000"/>
         </a:lnSpc>
@@ -6668,7 +6871,7 @@
           <a:srgbClr val="000000"/>
         </a:buClr>
         <a:buFont typeface="Arial"/>
-        <a:defRPr b="0" i="0" sz="1400" u="none" cap="none" strike="noStrike">
+        <a:defRPr sz="1400" b="0" i="0" u="none" strike="noStrike" cap="none">
           <a:solidFill>
             <a:srgbClr val="000000"/>
           </a:solidFill>
@@ -6678,7 +6881,7 @@
           <a:sym typeface="Arial"/>
         </a:defRPr>
       </a:lvl3pPr>
-      <a:lvl4pPr lvl="3" marR="0" rtl="0" algn="l">
+      <a:lvl4pPr marR="0" lvl="3" algn="l" rtl="0">
         <a:lnSpc>
           <a:spcPct val="100000"/>
         </a:lnSpc>
@@ -6692,7 +6895,7 @@
           <a:srgbClr val="000000"/>
         </a:buClr>
         <a:buFont typeface="Arial"/>
-        <a:defRPr b="0" i="0" sz="1400" u="none" cap="none" strike="noStrike">
+        <a:defRPr sz="1400" b="0" i="0" u="none" strike="noStrike" cap="none">
           <a:solidFill>
             <a:srgbClr val="000000"/>
           </a:solidFill>
@@ -6702,7 +6905,7 @@
           <a:sym typeface="Arial"/>
         </a:defRPr>
       </a:lvl4pPr>
-      <a:lvl5pPr lvl="4" marR="0" rtl="0" algn="l">
+      <a:lvl5pPr marR="0" lvl="4" algn="l" rtl="0">
         <a:lnSpc>
           <a:spcPct val="100000"/>
         </a:lnSpc>
@@ -6716,7 +6919,7 @@
           <a:srgbClr val="000000"/>
         </a:buClr>
         <a:buFont typeface="Arial"/>
-        <a:defRPr b="0" i="0" sz="1400" u="none" cap="none" strike="noStrike">
+        <a:defRPr sz="1400" b="0" i="0" u="none" strike="noStrike" cap="none">
           <a:solidFill>
             <a:srgbClr val="000000"/>
           </a:solidFill>
@@ -6726,7 +6929,7 @@
           <a:sym typeface="Arial"/>
         </a:defRPr>
       </a:lvl5pPr>
-      <a:lvl6pPr lvl="5" marR="0" rtl="0" algn="l">
+      <a:lvl6pPr marR="0" lvl="5" algn="l" rtl="0">
         <a:lnSpc>
           <a:spcPct val="100000"/>
         </a:lnSpc>
@@ -6740,7 +6943,7 @@
           <a:srgbClr val="000000"/>
         </a:buClr>
         <a:buFont typeface="Arial"/>
-        <a:defRPr b="0" i="0" sz="1400" u="none" cap="none" strike="noStrike">
+        <a:defRPr sz="1400" b="0" i="0" u="none" strike="noStrike" cap="none">
           <a:solidFill>
             <a:srgbClr val="000000"/>
           </a:solidFill>
@@ -6750,7 +6953,7 @@
           <a:sym typeface="Arial"/>
         </a:defRPr>
       </a:lvl6pPr>
-      <a:lvl7pPr lvl="6" marR="0" rtl="0" algn="l">
+      <a:lvl7pPr marR="0" lvl="6" algn="l" rtl="0">
         <a:lnSpc>
           <a:spcPct val="100000"/>
         </a:lnSpc>
@@ -6764,7 +6967,7 @@
           <a:srgbClr val="000000"/>
         </a:buClr>
         <a:buFont typeface="Arial"/>
-        <a:defRPr b="0" i="0" sz="1400" u="none" cap="none" strike="noStrike">
+        <a:defRPr sz="1400" b="0" i="0" u="none" strike="noStrike" cap="none">
           <a:solidFill>
             <a:srgbClr val="000000"/>
           </a:solidFill>
@@ -6774,7 +6977,7 @@
           <a:sym typeface="Arial"/>
         </a:defRPr>
       </a:lvl7pPr>
-      <a:lvl8pPr lvl="7" marR="0" rtl="0" algn="l">
+      <a:lvl8pPr marR="0" lvl="7" algn="l" rtl="0">
         <a:lnSpc>
           <a:spcPct val="100000"/>
         </a:lnSpc>
@@ -6788,7 +6991,7 @@
           <a:srgbClr val="000000"/>
         </a:buClr>
         <a:buFont typeface="Arial"/>
-        <a:defRPr b="0" i="0" sz="1400" u="none" cap="none" strike="noStrike">
+        <a:defRPr sz="1400" b="0" i="0" u="none" strike="noStrike" cap="none">
           <a:solidFill>
             <a:srgbClr val="000000"/>
           </a:solidFill>
@@ -6798,7 +7001,7 @@
           <a:sym typeface="Arial"/>
         </a:defRPr>
       </a:lvl8pPr>
-      <a:lvl9pPr lvl="8" marR="0" rtl="0" algn="l">
+      <a:lvl9pPr marR="0" lvl="8" algn="l" rtl="0">
         <a:lnSpc>
           <a:spcPct val="100000"/>
         </a:lnSpc>
@@ -6812,7 +7015,7 @@
           <a:srgbClr val="000000"/>
         </a:buClr>
         <a:buFont typeface="Arial"/>
-        <a:defRPr b="0" i="0" sz="1400" u="none" cap="none" strike="noStrike">
+        <a:defRPr sz="1400" b="0" i="0" u="none" strike="noStrike" cap="none">
           <a:solidFill>
             <a:srgbClr val="000000"/>
           </a:solidFill>
@@ -6824,7 +7027,7 @@
       </a:lvl9pPr>
     </p:titleStyle>
     <p:bodyStyle>
-      <a:defPPr lvl="0" marR="0" rtl="0" algn="l">
+      <a:defPPr marR="0" lvl="0" algn="l" rtl="0">
         <a:lnSpc>
           <a:spcPct val="100000"/>
         </a:lnSpc>
@@ -6835,7 +7038,7 @@
           <a:spcPts val="0"/>
         </a:spcAft>
       </a:defPPr>
-      <a:lvl1pPr lvl="0" marR="0" rtl="0" algn="l">
+      <a:lvl1pPr marR="0" lvl="0" algn="l" rtl="0">
         <a:lnSpc>
           <a:spcPct val="100000"/>
         </a:lnSpc>
@@ -6849,7 +7052,7 @@
           <a:srgbClr val="000000"/>
         </a:buClr>
         <a:buFont typeface="Arial"/>
-        <a:defRPr b="0" i="0" sz="1400" u="none" cap="none" strike="noStrike">
+        <a:defRPr sz="1400" b="0" i="0" u="none" strike="noStrike" cap="none">
           <a:solidFill>
             <a:srgbClr val="000000"/>
           </a:solidFill>
@@ -6859,7 +7062,7 @@
           <a:sym typeface="Arial"/>
         </a:defRPr>
       </a:lvl1pPr>
-      <a:lvl2pPr lvl="1" marR="0" rtl="0" algn="l">
+      <a:lvl2pPr marR="0" lvl="1" algn="l" rtl="0">
         <a:lnSpc>
           <a:spcPct val="100000"/>
         </a:lnSpc>
@@ -6873,7 +7076,7 @@
           <a:srgbClr val="000000"/>
         </a:buClr>
         <a:buFont typeface="Arial"/>
-        <a:defRPr b="0" i="0" sz="1400" u="none" cap="none" strike="noStrike">
+        <a:defRPr sz="1400" b="0" i="0" u="none" strike="noStrike" cap="none">
           <a:solidFill>
             <a:srgbClr val="000000"/>
           </a:solidFill>
@@ -6883,7 +7086,7 @@
           <a:sym typeface="Arial"/>
         </a:defRPr>
       </a:lvl2pPr>
-      <a:lvl3pPr lvl="2" marR="0" rtl="0" algn="l">
+      <a:lvl3pPr marR="0" lvl="2" algn="l" rtl="0">
         <a:lnSpc>
           <a:spcPct val="100000"/>
         </a:lnSpc>
@@ -6897,7 +7100,7 @@
           <a:srgbClr val="000000"/>
         </a:buClr>
         <a:buFont typeface="Arial"/>
-        <a:defRPr b="0" i="0" sz="1400" u="none" cap="none" strike="noStrike">
+        <a:defRPr sz="1400" b="0" i="0" u="none" strike="noStrike" cap="none">
           <a:solidFill>
             <a:srgbClr val="000000"/>
           </a:solidFill>
@@ -6907,7 +7110,7 @@
           <a:sym typeface="Arial"/>
         </a:defRPr>
       </a:lvl3pPr>
-      <a:lvl4pPr lvl="3" marR="0" rtl="0" algn="l">
+      <a:lvl4pPr marR="0" lvl="3" algn="l" rtl="0">
         <a:lnSpc>
           <a:spcPct val="100000"/>
         </a:lnSpc>
@@ -6921,7 +7124,7 @@
           <a:srgbClr val="000000"/>
         </a:buClr>
         <a:buFont typeface="Arial"/>
-        <a:defRPr b="0" i="0" sz="1400" u="none" cap="none" strike="noStrike">
+        <a:defRPr sz="1400" b="0" i="0" u="none" strike="noStrike" cap="none">
           <a:solidFill>
             <a:srgbClr val="000000"/>
           </a:solidFill>
@@ -6931,7 +7134,7 @@
           <a:sym typeface="Arial"/>
         </a:defRPr>
       </a:lvl4pPr>
-      <a:lvl5pPr lvl="4" marR="0" rtl="0" algn="l">
+      <a:lvl5pPr marR="0" lvl="4" algn="l" rtl="0">
         <a:lnSpc>
           <a:spcPct val="100000"/>
         </a:lnSpc>
@@ -6945,7 +7148,7 @@
           <a:srgbClr val="000000"/>
         </a:buClr>
         <a:buFont typeface="Arial"/>
-        <a:defRPr b="0" i="0" sz="1400" u="none" cap="none" strike="noStrike">
+        <a:defRPr sz="1400" b="0" i="0" u="none" strike="noStrike" cap="none">
           <a:solidFill>
             <a:srgbClr val="000000"/>
           </a:solidFill>
@@ -6955,7 +7158,7 @@
           <a:sym typeface="Arial"/>
         </a:defRPr>
       </a:lvl5pPr>
-      <a:lvl6pPr lvl="5" marR="0" rtl="0" algn="l">
+      <a:lvl6pPr marR="0" lvl="5" algn="l" rtl="0">
         <a:lnSpc>
           <a:spcPct val="100000"/>
         </a:lnSpc>
@@ -6969,7 +7172,7 @@
           <a:srgbClr val="000000"/>
         </a:buClr>
         <a:buFont typeface="Arial"/>
-        <a:defRPr b="0" i="0" sz="1400" u="none" cap="none" strike="noStrike">
+        <a:defRPr sz="1400" b="0" i="0" u="none" strike="noStrike" cap="none">
           <a:solidFill>
             <a:srgbClr val="000000"/>
           </a:solidFill>
@@ -6979,7 +7182,7 @@
           <a:sym typeface="Arial"/>
         </a:defRPr>
       </a:lvl6pPr>
-      <a:lvl7pPr lvl="6" marR="0" rtl="0" algn="l">
+      <a:lvl7pPr marR="0" lvl="6" algn="l" rtl="0">
         <a:lnSpc>
           <a:spcPct val="100000"/>
         </a:lnSpc>
@@ -6993,7 +7196,7 @@
           <a:srgbClr val="000000"/>
         </a:buClr>
         <a:buFont typeface="Arial"/>
-        <a:defRPr b="0" i="0" sz="1400" u="none" cap="none" strike="noStrike">
+        <a:defRPr sz="1400" b="0" i="0" u="none" strike="noStrike" cap="none">
           <a:solidFill>
             <a:srgbClr val="000000"/>
           </a:solidFill>
@@ -7003,7 +7206,7 @@
           <a:sym typeface="Arial"/>
         </a:defRPr>
       </a:lvl7pPr>
-      <a:lvl8pPr lvl="7" marR="0" rtl="0" algn="l">
+      <a:lvl8pPr marR="0" lvl="7" algn="l" rtl="0">
         <a:lnSpc>
           <a:spcPct val="100000"/>
         </a:lnSpc>
@@ -7017,7 +7220,7 @@
           <a:srgbClr val="000000"/>
         </a:buClr>
         <a:buFont typeface="Arial"/>
-        <a:defRPr b="0" i="0" sz="1400" u="none" cap="none" strike="noStrike">
+        <a:defRPr sz="1400" b="0" i="0" u="none" strike="noStrike" cap="none">
           <a:solidFill>
             <a:srgbClr val="000000"/>
           </a:solidFill>
@@ -7027,7 +7230,7 @@
           <a:sym typeface="Arial"/>
         </a:defRPr>
       </a:lvl8pPr>
-      <a:lvl9pPr lvl="8" marR="0" rtl="0" algn="l">
+      <a:lvl9pPr marR="0" lvl="8" algn="l" rtl="0">
         <a:lnSpc>
           <a:spcPct val="100000"/>
         </a:lnSpc>
@@ -7041,7 +7244,7 @@
           <a:srgbClr val="000000"/>
         </a:buClr>
         <a:buFont typeface="Arial"/>
-        <a:defRPr b="0" i="0" sz="1400" u="none" cap="none" strike="noStrike">
+        <a:defRPr sz="1400" b="0" i="0" u="none" strike="noStrike" cap="none">
           <a:solidFill>
             <a:srgbClr val="000000"/>
           </a:solidFill>
@@ -7053,7 +7256,7 @@
       </a:lvl9pPr>
     </p:bodyStyle>
     <p:otherStyle>
-      <a:defPPr lvl="0" marR="0" rtl="0" algn="l">
+      <a:defPPr marR="0" lvl="0" algn="l" rtl="0">
         <a:lnSpc>
           <a:spcPct val="100000"/>
         </a:lnSpc>
@@ -7064,7 +7267,7 @@
           <a:spcPts val="0"/>
         </a:spcAft>
       </a:defPPr>
-      <a:lvl1pPr lvl="0" marR="0" rtl="0" algn="l">
+      <a:lvl1pPr marR="0" lvl="0" algn="l" rtl="0">
         <a:lnSpc>
           <a:spcPct val="100000"/>
         </a:lnSpc>
@@ -7078,7 +7281,7 @@
           <a:srgbClr val="000000"/>
         </a:buClr>
         <a:buFont typeface="Arial"/>
-        <a:defRPr b="0" i="0" sz="1400" u="none" cap="none" strike="noStrike">
+        <a:defRPr sz="1400" b="0" i="0" u="none" strike="noStrike" cap="none">
           <a:solidFill>
             <a:srgbClr val="000000"/>
           </a:solidFill>
@@ -7088,7 +7291,7 @@
           <a:sym typeface="Arial"/>
         </a:defRPr>
       </a:lvl1pPr>
-      <a:lvl2pPr lvl="1" marR="0" rtl="0" algn="l">
+      <a:lvl2pPr marR="0" lvl="1" algn="l" rtl="0">
         <a:lnSpc>
           <a:spcPct val="100000"/>
         </a:lnSpc>
@@ -7102,7 +7305,7 @@
           <a:srgbClr val="000000"/>
         </a:buClr>
         <a:buFont typeface="Arial"/>
-        <a:defRPr b="0" i="0" sz="1400" u="none" cap="none" strike="noStrike">
+        <a:defRPr sz="1400" b="0" i="0" u="none" strike="noStrike" cap="none">
           <a:solidFill>
             <a:srgbClr val="000000"/>
           </a:solidFill>
@@ -7112,7 +7315,7 @@
           <a:sym typeface="Arial"/>
         </a:defRPr>
       </a:lvl2pPr>
-      <a:lvl3pPr lvl="2" marR="0" rtl="0" algn="l">
+      <a:lvl3pPr marR="0" lvl="2" algn="l" rtl="0">
         <a:lnSpc>
           <a:spcPct val="100000"/>
         </a:lnSpc>
@@ -7126,7 +7329,7 @@
           <a:srgbClr val="000000"/>
         </a:buClr>
         <a:buFont typeface="Arial"/>
-        <a:defRPr b="0" i="0" sz="1400" u="none" cap="none" strike="noStrike">
+        <a:defRPr sz="1400" b="0" i="0" u="none" strike="noStrike" cap="none">
           <a:solidFill>
             <a:srgbClr val="000000"/>
           </a:solidFill>
@@ -7136,7 +7339,7 @@
           <a:sym typeface="Arial"/>
         </a:defRPr>
       </a:lvl3pPr>
-      <a:lvl4pPr lvl="3" marR="0" rtl="0" algn="l">
+      <a:lvl4pPr marR="0" lvl="3" algn="l" rtl="0">
         <a:lnSpc>
           <a:spcPct val="100000"/>
         </a:lnSpc>
@@ -7150,7 +7353,7 @@
           <a:srgbClr val="000000"/>
         </a:buClr>
         <a:buFont typeface="Arial"/>
-        <a:defRPr b="0" i="0" sz="1400" u="none" cap="none" strike="noStrike">
+        <a:defRPr sz="1400" b="0" i="0" u="none" strike="noStrike" cap="none">
           <a:solidFill>
             <a:srgbClr val="000000"/>
           </a:solidFill>
@@ -7160,7 +7363,7 @@
           <a:sym typeface="Arial"/>
         </a:defRPr>
       </a:lvl4pPr>
-      <a:lvl5pPr lvl="4" marR="0" rtl="0" algn="l">
+      <a:lvl5pPr marR="0" lvl="4" algn="l" rtl="0">
         <a:lnSpc>
           <a:spcPct val="100000"/>
         </a:lnSpc>
@@ -7174,7 +7377,7 @@
           <a:srgbClr val="000000"/>
         </a:buClr>
         <a:buFont typeface="Arial"/>
-        <a:defRPr b="0" i="0" sz="1400" u="none" cap="none" strike="noStrike">
+        <a:defRPr sz="1400" b="0" i="0" u="none" strike="noStrike" cap="none">
           <a:solidFill>
             <a:srgbClr val="000000"/>
           </a:solidFill>
@@ -7184,7 +7387,7 @@
           <a:sym typeface="Arial"/>
         </a:defRPr>
       </a:lvl5pPr>
-      <a:lvl6pPr lvl="5" marR="0" rtl="0" algn="l">
+      <a:lvl6pPr marR="0" lvl="5" algn="l" rtl="0">
         <a:lnSpc>
           <a:spcPct val="100000"/>
         </a:lnSpc>
@@ -7198,7 +7401,7 @@
           <a:srgbClr val="000000"/>
         </a:buClr>
         <a:buFont typeface="Arial"/>
-        <a:defRPr b="0" i="0" sz="1400" u="none" cap="none" strike="noStrike">
+        <a:defRPr sz="1400" b="0" i="0" u="none" strike="noStrike" cap="none">
           <a:solidFill>
             <a:srgbClr val="000000"/>
           </a:solidFill>
@@ -7208,7 +7411,7 @@
           <a:sym typeface="Arial"/>
         </a:defRPr>
       </a:lvl6pPr>
-      <a:lvl7pPr lvl="6" marR="0" rtl="0" algn="l">
+      <a:lvl7pPr marR="0" lvl="6" algn="l" rtl="0">
         <a:lnSpc>
           <a:spcPct val="100000"/>
         </a:lnSpc>
@@ -7222,7 +7425,7 @@
           <a:srgbClr val="000000"/>
         </a:buClr>
         <a:buFont typeface="Arial"/>
-        <a:defRPr b="0" i="0" sz="1400" u="none" cap="none" strike="noStrike">
+        <a:defRPr sz="1400" b="0" i="0" u="none" strike="noStrike" cap="none">
           <a:solidFill>
             <a:srgbClr val="000000"/>
           </a:solidFill>
@@ -7232,7 +7435,7 @@
           <a:sym typeface="Arial"/>
         </a:defRPr>
       </a:lvl7pPr>
-      <a:lvl8pPr lvl="7" marR="0" rtl="0" algn="l">
+      <a:lvl8pPr marR="0" lvl="7" algn="l" rtl="0">
         <a:lnSpc>
           <a:spcPct val="100000"/>
         </a:lnSpc>
@@ -7246,7 +7449,7 @@
           <a:srgbClr val="000000"/>
         </a:buClr>
         <a:buFont typeface="Arial"/>
-        <a:defRPr b="0" i="0" sz="1400" u="none" cap="none" strike="noStrike">
+        <a:defRPr sz="1400" b="0" i="0" u="none" strike="noStrike" cap="none">
           <a:solidFill>
             <a:srgbClr val="000000"/>
           </a:solidFill>
@@ -7256,7 +7459,7 @@
           <a:sym typeface="Arial"/>
         </a:defRPr>
       </a:lvl8pPr>
-      <a:lvl9pPr lvl="8" marR="0" rtl="0" algn="l">
+      <a:lvl9pPr marR="0" lvl="8" algn="l" rtl="0">
         <a:lnSpc>
           <a:spcPct val="100000"/>
         </a:lnSpc>
@@ -7270,7 +7473,7 @@
           <a:srgbClr val="000000"/>
         </a:buClr>
         <a:buFont typeface="Arial"/>
-        <a:defRPr b="0" i="0" sz="1400" u="none" cap="none" strike="noStrike">
+        <a:defRPr sz="1400" b="0" i="0" u="none" strike="noStrike" cap="none">
           <a:solidFill>
             <a:srgbClr val="000000"/>
           </a:solidFill>
@@ -7286,11 +7489,11 @@
 </file>
 
 <file path=ppt/slides/slide1.xml><?xml version="1.0" encoding="utf-8"?>
-<p:sld xmlns:a="http://schemas.openxmlformats.org/drawingml/2006/main" xmlns:r="http://schemas.openxmlformats.org/officeDocument/2006/relationships" xmlns:mc="http://schemas.openxmlformats.org/markup-compatibility/2006" xmlns:mv="urn:schemas-microsoft-com:mac:vml" xmlns:p="http://schemas.openxmlformats.org/presentationml/2006/main" xmlns:c="http://schemas.openxmlformats.org/drawingml/2006/chart" xmlns:dgm="http://schemas.openxmlformats.org/drawingml/2006/diagram" xmlns:o="urn:schemas-microsoft-com:office:office" xmlns:v="urn:schemas-microsoft-com:vml" xmlns:pvml="urn:schemas-microsoft-com:office:powerpoint" xmlns:com="http://schemas.openxmlformats.org/drawingml/2006/compatibility" xmlns:p14="http://schemas.microsoft.com/office/powerpoint/2010/main" xmlns:p15="http://schemas.microsoft.com/office/powerpoint/2012/main" xmlns:ahyp="http://schemas.microsoft.com/office/drawing/2018/hyperlinkcolor">
+<p:sld xmlns:a="http://schemas.openxmlformats.org/drawingml/2006/main" xmlns:r="http://schemas.openxmlformats.org/officeDocument/2006/relationships" xmlns:p="http://schemas.openxmlformats.org/presentationml/2006/main">
   <p:cSld>
     <p:spTree>
       <p:nvGrpSpPr>
-        <p:cNvPr id="53" name="Shape 53"/>
+        <p:cNvPr id="1" name="Shape 53"/>
         <p:cNvGrpSpPr/>
         <p:nvPr/>
       </p:nvGrpSpPr>
@@ -7305,7 +7508,9 @@
       <p:sp>
         <p:nvSpPr>
           <p:cNvPr id="54" name="Google Shape;54;p13"/>
-          <p:cNvSpPr txBox="1"/>
+          <p:cNvSpPr txBox="1">
+            <a:spLocks noGrp="1"/>
+          </p:cNvSpPr>
           <p:nvPr>
             <p:ph type="ctrTitle"/>
           </p:nvPr>
@@ -7320,12 +7525,12 @@
           </a:prstGeom>
         </p:spPr>
         <p:txBody>
-          <a:bodyPr anchorCtr="0" anchor="b" bIns="91425" lIns="91425" spcFirstLastPara="1" rIns="91425" wrap="square" tIns="91425">
+          <a:bodyPr spcFirstLastPara="1" wrap="square" lIns="91425" tIns="91425" rIns="91425" bIns="91425" anchor="b" anchorCtr="0">
             <a:noAutofit/>
           </a:bodyPr>
           <a:lstStyle/>
           <a:p>
-            <a:pPr indent="0" lvl="0" marL="0" rtl="0" algn="ctr">
+            <a:pPr marL="0" lvl="0" indent="0" algn="ctr" rtl="0">
               <a:spcBef>
                 <a:spcPts val="0"/>
               </a:spcBef>
@@ -7345,9 +7550,11 @@
       <p:sp>
         <p:nvSpPr>
           <p:cNvPr id="55" name="Google Shape;55;p13"/>
-          <p:cNvSpPr txBox="1"/>
+          <p:cNvSpPr txBox="1">
+            <a:spLocks noGrp="1"/>
+          </p:cNvSpPr>
           <p:nvPr>
-            <p:ph idx="1" type="subTitle"/>
+            <p:ph type="subTitle" idx="1"/>
           </p:nvPr>
         </p:nvSpPr>
         <p:spPr>
@@ -7360,12 +7567,12 @@
           </a:prstGeom>
         </p:spPr>
         <p:txBody>
-          <a:bodyPr anchorCtr="0" anchor="t" bIns="91425" lIns="91425" spcFirstLastPara="1" rIns="91425" wrap="square" tIns="91425">
+          <a:bodyPr spcFirstLastPara="1" wrap="square" lIns="91425" tIns="91425" rIns="91425" bIns="91425" anchor="t" anchorCtr="0">
             <a:noAutofit/>
           </a:bodyPr>
           <a:lstStyle/>
           <a:p>
-            <a:pPr indent="0" lvl="0" marL="0" rtl="0" algn="ctr">
+            <a:pPr marL="0" lvl="0" indent="0" algn="ctr" rtl="0">
               <a:spcBef>
                 <a:spcPts val="0"/>
               </a:spcBef>
@@ -7447,11 +7654,11 @@
 </file>
 
 <file path=ppt/slides/slide10.xml><?xml version="1.0" encoding="utf-8"?>
-<p:sld xmlns:a="http://schemas.openxmlformats.org/drawingml/2006/main" xmlns:r="http://schemas.openxmlformats.org/officeDocument/2006/relationships" xmlns:mc="http://schemas.openxmlformats.org/markup-compatibility/2006" xmlns:mv="urn:schemas-microsoft-com:mac:vml" xmlns:p="http://schemas.openxmlformats.org/presentationml/2006/main" xmlns:c="http://schemas.openxmlformats.org/drawingml/2006/chart" xmlns:dgm="http://schemas.openxmlformats.org/drawingml/2006/diagram" xmlns:o="urn:schemas-microsoft-com:office:office" xmlns:v="urn:schemas-microsoft-com:vml" xmlns:pvml="urn:schemas-microsoft-com:office:powerpoint" xmlns:com="http://schemas.openxmlformats.org/drawingml/2006/compatibility" xmlns:p14="http://schemas.microsoft.com/office/powerpoint/2010/main" xmlns:p15="http://schemas.microsoft.com/office/powerpoint/2012/main" xmlns:ahyp="http://schemas.microsoft.com/office/drawing/2018/hyperlinkcolor">
+<p:sld xmlns:a="http://schemas.openxmlformats.org/drawingml/2006/main" xmlns:r="http://schemas.openxmlformats.org/officeDocument/2006/relationships" xmlns:p="http://schemas.openxmlformats.org/presentationml/2006/main">
   <p:cSld>
     <p:spTree>
       <p:nvGrpSpPr>
-        <p:cNvPr id="116" name="Shape 116"/>
+        <p:cNvPr id="1" name="Shape 116"/>
         <p:cNvGrpSpPr/>
         <p:nvPr/>
       </p:nvGrpSpPr>
@@ -7466,7 +7673,9 @@
       <p:sp>
         <p:nvSpPr>
           <p:cNvPr id="117" name="Google Shape;117;p22"/>
-          <p:cNvSpPr txBox="1"/>
+          <p:cNvSpPr txBox="1">
+            <a:spLocks noGrp="1"/>
+          </p:cNvSpPr>
           <p:nvPr>
             <p:ph type="title"/>
           </p:nvPr>
@@ -7481,12 +7690,12 @@
           </a:prstGeom>
         </p:spPr>
         <p:txBody>
-          <a:bodyPr anchorCtr="0" anchor="t" bIns="91425" lIns="91425" spcFirstLastPara="1" rIns="91425" wrap="square" tIns="91425">
+          <a:bodyPr spcFirstLastPara="1" wrap="square" lIns="91425" tIns="91425" rIns="91425" bIns="91425" anchor="t" anchorCtr="0">
             <a:noAutofit/>
           </a:bodyPr>
           <a:lstStyle/>
           <a:p>
-            <a:pPr indent="0" lvl="0" marL="0" rtl="0" algn="l">
+            <a:pPr marL="0" lvl="0" indent="0" algn="l" rtl="0">
               <a:spcBef>
                 <a:spcPts val="0"/>
               </a:spcBef>
@@ -7506,9 +7715,11 @@
       <p:sp>
         <p:nvSpPr>
           <p:cNvPr id="118" name="Google Shape;118;p22"/>
-          <p:cNvSpPr txBox="1"/>
+          <p:cNvSpPr txBox="1">
+            <a:spLocks noGrp="1"/>
+          </p:cNvSpPr>
           <p:nvPr>
-            <p:ph idx="1" type="body"/>
+            <p:ph type="body" idx="1"/>
           </p:nvPr>
         </p:nvSpPr>
         <p:spPr>
@@ -7521,12 +7732,12 @@
           </a:prstGeom>
         </p:spPr>
         <p:txBody>
-          <a:bodyPr anchorCtr="0" anchor="t" bIns="91425" lIns="91425" spcFirstLastPara="1" rIns="91425" wrap="square" tIns="91425">
+          <a:bodyPr spcFirstLastPara="1" wrap="square" lIns="91425" tIns="91425" rIns="91425" bIns="91425" anchor="t" anchorCtr="0">
             <a:noAutofit/>
           </a:bodyPr>
           <a:lstStyle/>
           <a:p>
-            <a:pPr indent="0" lvl="0" marL="0" rtl="0" algn="l">
+            <a:pPr marL="0" lvl="0" indent="0" algn="l" rtl="0">
               <a:spcBef>
                 <a:spcPts val="0"/>
               </a:spcBef>
@@ -7536,13 +7747,13 @@
               <a:buNone/>
             </a:pPr>
             <a:r>
-              <a:rPr lang="en" sz="2400"/>
+              <a:rPr lang="en" sz="2400" dirty="0"/>
               <a:t>Is the observed MA different than what we would expect, given the molecular weights of each compound?</a:t>
             </a:r>
-            <a:endParaRPr sz="2400"/>
-          </a:p>
-          <a:p>
-            <a:pPr indent="-381000" lvl="0" marL="457200" rtl="0" algn="l">
+            <a:endParaRPr sz="2400" dirty="0"/>
+          </a:p>
+          <a:p>
+            <a:pPr marL="457200" lvl="0" indent="-381000" algn="l" rtl="0">
               <a:spcBef>
                 <a:spcPts val="1200"/>
               </a:spcBef>
@@ -7553,13 +7764,13 @@
               <a:buChar char="●"/>
             </a:pPr>
             <a:r>
-              <a:rPr lang="en" sz="2400"/>
+              <a:rPr lang="en" sz="2000" dirty="0"/>
               <a:t>Sampled MA &amp; molecular weight from:</a:t>
             </a:r>
-            <a:endParaRPr sz="2400"/>
-          </a:p>
-          <a:p>
-            <a:pPr indent="-381000" lvl="1" marL="914400" rtl="0" algn="l">
+            <a:endParaRPr sz="2000" dirty="0"/>
+          </a:p>
+          <a:p>
+            <a:pPr marL="914400" lvl="1" indent="-381000" algn="l" rtl="0">
               <a:spcBef>
                 <a:spcPts val="0"/>
               </a:spcBef>
@@ -7570,13 +7781,13 @@
               <a:buChar char="○"/>
             </a:pPr>
             <a:r>
-              <a:rPr lang="en" sz="1800"/>
+              <a:rPr lang="en" sz="1600" dirty="0"/>
               <a:t>MetaCyc</a:t>
             </a:r>
-            <a:endParaRPr sz="1800"/>
-          </a:p>
-          <a:p>
-            <a:pPr indent="-342900" lvl="1" marL="914400" rtl="0" algn="l">
+            <a:endParaRPr sz="1600" dirty="0"/>
+          </a:p>
+          <a:p>
+            <a:pPr marL="914400" lvl="1" indent="-342900" algn="l" rtl="0">
               <a:spcBef>
                 <a:spcPts val="0"/>
               </a:spcBef>
@@ -7587,13 +7798,13 @@
               <a:buChar char="○"/>
             </a:pPr>
             <a:r>
-              <a:rPr lang="en" sz="1800"/>
+              <a:rPr lang="en" sz="1600" dirty="0"/>
               <a:t>Massbank of North America</a:t>
             </a:r>
-            <a:endParaRPr sz="1800"/>
-          </a:p>
-          <a:p>
-            <a:pPr indent="-342900" lvl="1" marL="914400" rtl="0" algn="l">
+            <a:endParaRPr sz="1600" dirty="0"/>
+          </a:p>
+          <a:p>
+            <a:pPr marL="914400" lvl="1" indent="-342900" algn="l" rtl="0">
               <a:spcBef>
                 <a:spcPts val="0"/>
               </a:spcBef>
@@ -7604,13 +7815,13 @@
               <a:buChar char="○"/>
             </a:pPr>
             <a:r>
-              <a:rPr lang="en" sz="1800"/>
+              <a:rPr lang="en" sz="1600" dirty="0"/>
               <a:t>SureChemBL</a:t>
             </a:r>
-            <a:endParaRPr sz="1800"/>
-          </a:p>
-          <a:p>
-            <a:pPr indent="-342900" lvl="1" marL="914400" rtl="0" algn="l">
+            <a:endParaRPr sz="1600" dirty="0"/>
+          </a:p>
+          <a:p>
+            <a:pPr marL="914400" lvl="1" indent="-342900" algn="l" rtl="0">
               <a:spcBef>
                 <a:spcPts val="0"/>
               </a:spcBef>
@@ -7621,13 +7832,13 @@
               <a:buChar char="○"/>
             </a:pPr>
             <a:r>
-              <a:rPr lang="en" sz="1800"/>
+              <a:rPr lang="en" sz="1600" dirty="0"/>
               <a:t>GDB17</a:t>
             </a:r>
-            <a:endParaRPr sz="1800"/>
-          </a:p>
-          <a:p>
-            <a:pPr indent="-342900" lvl="1" marL="914400" rtl="0" algn="l">
+            <a:endParaRPr sz="1600" dirty="0"/>
+          </a:p>
+          <a:p>
+            <a:pPr marL="914400" lvl="1" indent="-342900" algn="l" rtl="0">
               <a:spcBef>
                 <a:spcPts val="0"/>
               </a:spcBef>
@@ -7638,13 +7849,13 @@
               <a:buChar char="○"/>
             </a:pPr>
             <a:r>
-              <a:rPr lang="en" sz="1800"/>
+              <a:rPr lang="en" sz="1600" dirty="0"/>
               <a:t>PubChem</a:t>
             </a:r>
-            <a:endParaRPr sz="1800"/>
-          </a:p>
-          <a:p>
-            <a:pPr indent="-342900" lvl="1" marL="914400" rtl="0" algn="l">
+            <a:endParaRPr sz="1600" dirty="0"/>
+          </a:p>
+          <a:p>
+            <a:pPr marL="914400" lvl="1" indent="-342900" algn="l" rtl="0">
               <a:spcBef>
                 <a:spcPts val="0"/>
               </a:spcBef>
@@ -7655,13 +7866,13 @@
               <a:buChar char="○"/>
             </a:pPr>
             <a:r>
-              <a:rPr lang="en" sz="1800"/>
+              <a:rPr lang="en" sz="1600" dirty="0"/>
               <a:t>Random chemical structures</a:t>
             </a:r>
-            <a:endParaRPr sz="1800"/>
-          </a:p>
-          <a:p>
-            <a:pPr indent="-342900" lvl="1" marL="914400" rtl="0" algn="l">
+            <a:endParaRPr sz="1600" dirty="0"/>
+          </a:p>
+          <a:p>
+            <a:pPr marL="914400" lvl="1" indent="-342900" algn="l" rtl="0">
               <a:spcBef>
                 <a:spcPts val="0"/>
               </a:spcBef>
@@ -7672,10 +7883,10 @@
               <a:buChar char="○"/>
             </a:pPr>
             <a:r>
-              <a:rPr lang="en" sz="1800"/>
+              <a:rPr lang="en" sz="1600" dirty="0"/>
               <a:t>Total = 1,008,371 compounds</a:t>
             </a:r>
-            <a:endParaRPr sz="1800"/>
+            <a:endParaRPr sz="1600" dirty="0"/>
           </a:p>
         </p:txBody>
       </p:sp>
@@ -7688,11 +7899,11 @@
 </file>
 
 <file path=ppt/slides/slide11.xml><?xml version="1.0" encoding="utf-8"?>
-<p:sld xmlns:a="http://schemas.openxmlformats.org/drawingml/2006/main" xmlns:r="http://schemas.openxmlformats.org/officeDocument/2006/relationships" xmlns:mc="http://schemas.openxmlformats.org/markup-compatibility/2006" xmlns:mv="urn:schemas-microsoft-com:mac:vml" xmlns:p="http://schemas.openxmlformats.org/presentationml/2006/main" xmlns:c="http://schemas.openxmlformats.org/drawingml/2006/chart" xmlns:dgm="http://schemas.openxmlformats.org/drawingml/2006/diagram" xmlns:o="urn:schemas-microsoft-com:office:office" xmlns:v="urn:schemas-microsoft-com:vml" xmlns:pvml="urn:schemas-microsoft-com:office:powerpoint" xmlns:com="http://schemas.openxmlformats.org/drawingml/2006/compatibility" xmlns:p14="http://schemas.microsoft.com/office/powerpoint/2010/main" xmlns:p15="http://schemas.microsoft.com/office/powerpoint/2012/main" xmlns:ahyp="http://schemas.microsoft.com/office/drawing/2018/hyperlinkcolor">
+<p:sld xmlns:a="http://schemas.openxmlformats.org/drawingml/2006/main" xmlns:r="http://schemas.openxmlformats.org/officeDocument/2006/relationships" xmlns:p="http://schemas.openxmlformats.org/presentationml/2006/main">
   <p:cSld>
     <p:spTree>
       <p:nvGrpSpPr>
-        <p:cNvPr id="122" name="Shape 122"/>
+        <p:cNvPr id="1" name="Shape 122"/>
         <p:cNvGrpSpPr/>
         <p:nvPr/>
       </p:nvGrpSpPr>
@@ -7707,7 +7918,9 @@
       <p:sp>
         <p:nvSpPr>
           <p:cNvPr id="123" name="Google Shape;123;p23"/>
-          <p:cNvSpPr txBox="1"/>
+          <p:cNvSpPr txBox="1">
+            <a:spLocks noGrp="1"/>
+          </p:cNvSpPr>
           <p:nvPr>
             <p:ph type="title"/>
           </p:nvPr>
@@ -7722,12 +7935,12 @@
           </a:prstGeom>
         </p:spPr>
         <p:txBody>
-          <a:bodyPr anchorCtr="0" anchor="t" bIns="91425" lIns="91425" spcFirstLastPara="1" rIns="91425" wrap="square" tIns="91425">
+          <a:bodyPr spcFirstLastPara="1" wrap="square" lIns="91425" tIns="91425" rIns="91425" bIns="91425" anchor="t" anchorCtr="0">
             <a:noAutofit/>
           </a:bodyPr>
           <a:lstStyle/>
           <a:p>
-            <a:pPr indent="0" lvl="0" marL="0" rtl="0" algn="l">
+            <a:pPr marL="0" lvl="0" indent="0" algn="l" rtl="0">
               <a:spcBef>
                 <a:spcPts val="0"/>
               </a:spcBef>
@@ -7747,9 +7960,11 @@
       <p:sp>
         <p:nvSpPr>
           <p:cNvPr id="124" name="Google Shape;124;p23"/>
-          <p:cNvSpPr txBox="1"/>
+          <p:cNvSpPr txBox="1">
+            <a:spLocks noGrp="1"/>
+          </p:cNvSpPr>
           <p:nvPr>
-            <p:ph idx="1" type="body"/>
+            <p:ph type="body" idx="1"/>
           </p:nvPr>
         </p:nvSpPr>
         <p:spPr>
@@ -7762,12 +7977,12 @@
           </a:prstGeom>
         </p:spPr>
         <p:txBody>
-          <a:bodyPr anchorCtr="0" anchor="t" bIns="91425" lIns="91425" spcFirstLastPara="1" rIns="91425" wrap="square" tIns="91425">
+          <a:bodyPr spcFirstLastPara="1" wrap="square" lIns="91425" tIns="91425" rIns="91425" bIns="91425" anchor="t" anchorCtr="0">
             <a:noAutofit/>
           </a:bodyPr>
           <a:lstStyle/>
           <a:p>
-            <a:pPr indent="0" lvl="0" marL="0" rtl="0" algn="l">
+            <a:pPr marL="0" lvl="0" indent="0" algn="l" rtl="0">
               <a:spcBef>
                 <a:spcPts val="0"/>
               </a:spcBef>
@@ -7777,13 +7992,13 @@
               <a:buNone/>
             </a:pPr>
             <a:r>
-              <a:rPr lang="en"/>
+              <a:rPr lang="en" dirty="0"/>
               <a:t>Fit a linear regression: </a:t>
             </a:r>
-            <a:endParaRPr/>
-          </a:p>
-          <a:p>
-            <a:pPr indent="0" lvl="0" marL="0" rtl="0" algn="l">
+            <a:endParaRPr dirty="0"/>
+          </a:p>
+          <a:p>
+            <a:pPr marL="0" lvl="0" indent="0" algn="l" rtl="0">
               <a:spcBef>
                 <a:spcPts val="0"/>
               </a:spcBef>
@@ -7793,18 +8008,18 @@
               <a:buNone/>
             </a:pPr>
             <a:r>
-              <a:rPr lang="en"/>
+              <a:rPr lang="en" dirty="0"/>
               <a:t>r</a:t>
             </a:r>
             <a:r>
-              <a:rPr baseline="30000" lang="en"/>
+              <a:rPr lang="en" baseline="30000" dirty="0"/>
               <a:t>2</a:t>
             </a:r>
             <a:r>
-              <a:rPr lang="en"/>
+              <a:rPr lang="en" dirty="0"/>
               <a:t> = 0.703</a:t>
             </a:r>
-            <a:endParaRPr sz="1800"/>
+            <a:endParaRPr sz="1800" dirty="0"/>
           </a:p>
         </p:txBody>
       </p:sp>
@@ -7845,11 +8060,11 @@
 </file>
 
 <file path=ppt/slides/slide12.xml><?xml version="1.0" encoding="utf-8"?>
-<p:sld xmlns:a="http://schemas.openxmlformats.org/drawingml/2006/main" xmlns:r="http://schemas.openxmlformats.org/officeDocument/2006/relationships" xmlns:mc="http://schemas.openxmlformats.org/markup-compatibility/2006" xmlns:mv="urn:schemas-microsoft-com:mac:vml" xmlns:p="http://schemas.openxmlformats.org/presentationml/2006/main" xmlns:c="http://schemas.openxmlformats.org/drawingml/2006/chart" xmlns:dgm="http://schemas.openxmlformats.org/drawingml/2006/diagram" xmlns:o="urn:schemas-microsoft-com:office:office" xmlns:v="urn:schemas-microsoft-com:vml" xmlns:pvml="urn:schemas-microsoft-com:office:powerpoint" xmlns:com="http://schemas.openxmlformats.org/drawingml/2006/compatibility" xmlns:p14="http://schemas.microsoft.com/office/powerpoint/2010/main" xmlns:p15="http://schemas.microsoft.com/office/powerpoint/2012/main" xmlns:ahyp="http://schemas.microsoft.com/office/drawing/2018/hyperlinkcolor">
+<p:sld xmlns:a="http://schemas.openxmlformats.org/drawingml/2006/main" xmlns:r="http://schemas.openxmlformats.org/officeDocument/2006/relationships" xmlns:p="http://schemas.openxmlformats.org/presentationml/2006/main">
   <p:cSld>
     <p:spTree>
       <p:nvGrpSpPr>
-        <p:cNvPr id="129" name="Shape 129"/>
+        <p:cNvPr id="1" name="Shape 129"/>
         <p:cNvGrpSpPr/>
         <p:nvPr/>
       </p:nvGrpSpPr>
@@ -7864,7 +8079,9 @@
       <p:sp>
         <p:nvSpPr>
           <p:cNvPr id="130" name="Google Shape;130;p24"/>
-          <p:cNvSpPr txBox="1"/>
+          <p:cNvSpPr txBox="1">
+            <a:spLocks noGrp="1"/>
+          </p:cNvSpPr>
           <p:nvPr>
             <p:ph type="title"/>
           </p:nvPr>
@@ -7879,12 +8096,12 @@
           </a:prstGeom>
         </p:spPr>
         <p:txBody>
-          <a:bodyPr anchorCtr="0" anchor="t" bIns="91425" lIns="91425" spcFirstLastPara="1" rIns="91425" wrap="square" tIns="91425">
+          <a:bodyPr spcFirstLastPara="1" wrap="square" lIns="91425" tIns="91425" rIns="91425" bIns="91425" anchor="t" anchorCtr="0">
             <a:noAutofit/>
           </a:bodyPr>
           <a:lstStyle/>
           <a:p>
-            <a:pPr indent="0" lvl="0" marL="0" rtl="0" algn="l">
+            <a:pPr marL="0" lvl="0" indent="0" algn="l" rtl="0">
               <a:spcBef>
                 <a:spcPts val="0"/>
               </a:spcBef>
@@ -7904,9 +8121,11 @@
       <p:sp>
         <p:nvSpPr>
           <p:cNvPr id="131" name="Google Shape;131;p24"/>
-          <p:cNvSpPr txBox="1"/>
+          <p:cNvSpPr txBox="1">
+            <a:spLocks noGrp="1"/>
+          </p:cNvSpPr>
           <p:nvPr>
-            <p:ph idx="1" type="body"/>
+            <p:ph type="body" idx="1"/>
           </p:nvPr>
         </p:nvSpPr>
         <p:spPr>
@@ -7919,12 +8138,12 @@
           </a:prstGeom>
         </p:spPr>
         <p:txBody>
-          <a:bodyPr anchorCtr="0" anchor="t" bIns="91425" lIns="91425" spcFirstLastPara="1" rIns="91425" wrap="square" tIns="91425">
+          <a:bodyPr spcFirstLastPara="1" wrap="square" lIns="91425" tIns="91425" rIns="91425" bIns="91425" anchor="t" anchorCtr="0">
             <a:noAutofit/>
           </a:bodyPr>
           <a:lstStyle/>
           <a:p>
-            <a:pPr indent="0" lvl="0" marL="0" rtl="0" algn="l">
+            <a:pPr marL="0" lvl="0" indent="0" algn="l" rtl="0">
               <a:spcBef>
                 <a:spcPts val="0"/>
               </a:spcBef>
@@ -7934,13 +8153,13 @@
               <a:buNone/>
             </a:pPr>
             <a:r>
-              <a:rPr lang="en" sz="2400"/>
+              <a:rPr lang="en" sz="2400" dirty="0"/>
               <a:t>Calculated “expected MA” by:</a:t>
             </a:r>
-            <a:endParaRPr sz="2400"/>
-          </a:p>
-          <a:p>
-            <a:pPr indent="-342900" lvl="0" marL="457200" rtl="0" algn="l">
+            <a:endParaRPr sz="2400" dirty="0"/>
+          </a:p>
+          <a:p>
+            <a:pPr marL="457200" lvl="0" indent="-342900" algn="l" rtl="0">
               <a:spcBef>
                 <a:spcPts val="0"/>
               </a:spcBef>
@@ -7951,13 +8170,13 @@
               <a:buChar char="●"/>
             </a:pPr>
             <a:r>
-              <a:rPr lang="en"/>
-              <a:t>Find average molecular weight of samples</a:t>
+              <a:rPr lang="en" dirty="0"/>
+              <a:t>Finding average molecular weight of samples</a:t>
             </a:r>
-            <a:endParaRPr/>
-          </a:p>
-          <a:p>
-            <a:pPr indent="-342900" lvl="0" marL="457200" rtl="0" algn="l">
+            <a:endParaRPr dirty="0"/>
+          </a:p>
+          <a:p>
+            <a:pPr marL="457200" lvl="0" indent="-342900" algn="l" rtl="0">
               <a:spcBef>
                 <a:spcPts val="0"/>
               </a:spcBef>
@@ -7968,10 +8187,10 @@
               <a:buChar char="●"/>
             </a:pPr>
             <a:r>
-              <a:rPr lang="en"/>
-              <a:t>Use linear regression to predict expected MA </a:t>
+              <a:rPr lang="en" dirty="0"/>
+              <a:t>Using linear regression (previous slide) to predict expected MA </a:t>
             </a:r>
-            <a:endParaRPr/>
+            <a:endParaRPr dirty="0"/>
           </a:p>
         </p:txBody>
       </p:sp>
@@ -8012,11 +8231,11 @@
 </file>
 
 <file path=ppt/slides/slide13.xml><?xml version="1.0" encoding="utf-8"?>
-<p:sld xmlns:a="http://schemas.openxmlformats.org/drawingml/2006/main" xmlns:r="http://schemas.openxmlformats.org/officeDocument/2006/relationships" xmlns:mc="http://schemas.openxmlformats.org/markup-compatibility/2006" xmlns:mv="urn:schemas-microsoft-com:mac:vml" xmlns:p="http://schemas.openxmlformats.org/presentationml/2006/main" xmlns:c="http://schemas.openxmlformats.org/drawingml/2006/chart" xmlns:dgm="http://schemas.openxmlformats.org/drawingml/2006/diagram" xmlns:o="urn:schemas-microsoft-com:office:office" xmlns:v="urn:schemas-microsoft-com:vml" xmlns:pvml="urn:schemas-microsoft-com:office:powerpoint" xmlns:com="http://schemas.openxmlformats.org/drawingml/2006/compatibility" xmlns:p14="http://schemas.microsoft.com/office/powerpoint/2010/main" xmlns:p15="http://schemas.microsoft.com/office/powerpoint/2012/main" xmlns:ahyp="http://schemas.microsoft.com/office/drawing/2018/hyperlinkcolor">
+<p:sld xmlns:a="http://schemas.openxmlformats.org/drawingml/2006/main" xmlns:r="http://schemas.openxmlformats.org/officeDocument/2006/relationships" xmlns:p="http://schemas.openxmlformats.org/presentationml/2006/main">
   <p:cSld>
     <p:spTree>
       <p:nvGrpSpPr>
-        <p:cNvPr id="136" name="Shape 136"/>
+        <p:cNvPr id="1" name="Shape 136"/>
         <p:cNvGrpSpPr/>
         <p:nvPr/>
       </p:nvGrpSpPr>
@@ -8031,7 +8250,9 @@
       <p:sp>
         <p:nvSpPr>
           <p:cNvPr id="137" name="Google Shape;137;p25"/>
-          <p:cNvSpPr txBox="1"/>
+          <p:cNvSpPr txBox="1">
+            <a:spLocks noGrp="1"/>
+          </p:cNvSpPr>
           <p:nvPr>
             <p:ph type="title"/>
           </p:nvPr>
@@ -8046,12 +8267,12 @@
           </a:prstGeom>
         </p:spPr>
         <p:txBody>
-          <a:bodyPr anchorCtr="0" anchor="t" bIns="91425" lIns="91425" spcFirstLastPara="1" rIns="91425" wrap="square" tIns="91425">
+          <a:bodyPr spcFirstLastPara="1" wrap="square" lIns="91425" tIns="91425" rIns="91425" bIns="91425" anchor="t" anchorCtr="0">
             <a:noAutofit/>
           </a:bodyPr>
           <a:lstStyle/>
           <a:p>
-            <a:pPr indent="0" lvl="0" marL="0" rtl="0" algn="l">
+            <a:pPr marL="0" lvl="0" indent="0" algn="l" rtl="0">
               <a:spcBef>
                 <a:spcPts val="0"/>
               </a:spcBef>
@@ -8071,9 +8292,11 @@
       <p:sp>
         <p:nvSpPr>
           <p:cNvPr id="138" name="Google Shape;138;p25"/>
-          <p:cNvSpPr txBox="1"/>
+          <p:cNvSpPr txBox="1">
+            <a:spLocks noGrp="1"/>
+          </p:cNvSpPr>
           <p:nvPr>
-            <p:ph idx="1" type="body"/>
+            <p:ph type="body" idx="1"/>
           </p:nvPr>
         </p:nvSpPr>
         <p:spPr>
@@ -8086,12 +8309,12 @@
           </a:prstGeom>
         </p:spPr>
         <p:txBody>
-          <a:bodyPr anchorCtr="0" anchor="t" bIns="91425" lIns="91425" spcFirstLastPara="1" rIns="91425" wrap="square" tIns="91425">
+          <a:bodyPr spcFirstLastPara="1" wrap="square" lIns="91425" tIns="91425" rIns="91425" bIns="91425" anchor="t" anchorCtr="0">
             <a:noAutofit/>
           </a:bodyPr>
           <a:lstStyle/>
           <a:p>
-            <a:pPr indent="-381000" lvl="0" marL="457200" rtl="0" algn="l">
+            <a:pPr marL="457200" lvl="0" indent="-381000" algn="l" rtl="0">
               <a:spcBef>
                 <a:spcPts val="0"/>
               </a:spcBef>
@@ -8108,7 +8331,7 @@
             <a:endParaRPr sz="2400"/>
           </a:p>
           <a:p>
-            <a:pPr indent="-342900" lvl="1" marL="914400" rtl="0" algn="l">
+            <a:pPr marL="914400" lvl="1" indent="-342900" algn="l" rtl="0">
               <a:spcBef>
                 <a:spcPts val="0"/>
               </a:spcBef>
@@ -8125,7 +8348,7 @@
             <a:endParaRPr sz="1800"/>
           </a:p>
           <a:p>
-            <a:pPr indent="0" lvl="0" marL="0" rtl="0" algn="l">
+            <a:pPr marL="0" lvl="0" indent="0" algn="l" rtl="0">
               <a:spcBef>
                 <a:spcPts val="1200"/>
               </a:spcBef>
@@ -8134,13 +8357,10 @@
               </a:spcAft>
               <a:buNone/>
             </a:pPr>
-            <a:r>
-              <a:t/>
-            </a:r>
             <a:endParaRPr sz="1800"/>
           </a:p>
           <a:p>
-            <a:pPr indent="-381000" lvl="0" marL="457200" rtl="0" algn="l">
+            <a:pPr marL="457200" lvl="0" indent="-381000" algn="l" rtl="0">
               <a:spcBef>
                 <a:spcPts val="1200"/>
               </a:spcBef>
@@ -8157,7 +8377,7 @@
             <a:endParaRPr sz="2400"/>
           </a:p>
           <a:p>
-            <a:pPr indent="-342900" lvl="1" marL="914400" rtl="0" algn="l">
+            <a:pPr marL="914400" lvl="1" indent="-342900" algn="l" rtl="0">
               <a:spcBef>
                 <a:spcPts val="0"/>
               </a:spcBef>
@@ -8212,11 +8432,11 @@
 </file>
 
 <file path=ppt/slides/slide14.xml><?xml version="1.0" encoding="utf-8"?>
-<p:sld xmlns:a="http://schemas.openxmlformats.org/drawingml/2006/main" xmlns:r="http://schemas.openxmlformats.org/officeDocument/2006/relationships" xmlns:mc="http://schemas.openxmlformats.org/markup-compatibility/2006" xmlns:mv="urn:schemas-microsoft-com:mac:vml" xmlns:p="http://schemas.openxmlformats.org/presentationml/2006/main" xmlns:c="http://schemas.openxmlformats.org/drawingml/2006/chart" xmlns:dgm="http://schemas.openxmlformats.org/drawingml/2006/diagram" xmlns:o="urn:schemas-microsoft-com:office:office" xmlns:v="urn:schemas-microsoft-com:vml" xmlns:pvml="urn:schemas-microsoft-com:office:powerpoint" xmlns:com="http://schemas.openxmlformats.org/drawingml/2006/compatibility" xmlns:p14="http://schemas.microsoft.com/office/powerpoint/2010/main" xmlns:p15="http://schemas.microsoft.com/office/powerpoint/2012/main" xmlns:ahyp="http://schemas.microsoft.com/office/drawing/2018/hyperlinkcolor">
+<p:sld xmlns:a="http://schemas.openxmlformats.org/drawingml/2006/main" xmlns:r="http://schemas.openxmlformats.org/officeDocument/2006/relationships" xmlns:p="http://schemas.openxmlformats.org/presentationml/2006/main">
   <p:cSld>
     <p:spTree>
       <p:nvGrpSpPr>
-        <p:cNvPr id="143" name="Shape 143"/>
+        <p:cNvPr id="1" name="Shape 143"/>
         <p:cNvGrpSpPr/>
         <p:nvPr/>
       </p:nvGrpSpPr>
@@ -8231,7 +8451,9 @@
       <p:sp>
         <p:nvSpPr>
           <p:cNvPr id="144" name="Google Shape;144;p26"/>
-          <p:cNvSpPr txBox="1"/>
+          <p:cNvSpPr txBox="1">
+            <a:spLocks noGrp="1"/>
+          </p:cNvSpPr>
           <p:nvPr>
             <p:ph type="title"/>
           </p:nvPr>
@@ -8246,12 +8468,12 @@
           </a:prstGeom>
         </p:spPr>
         <p:txBody>
-          <a:bodyPr anchorCtr="0" anchor="t" bIns="91425" lIns="91425" spcFirstLastPara="1" rIns="91425" wrap="square" tIns="91425">
+          <a:bodyPr spcFirstLastPara="1" wrap="square" lIns="91425" tIns="91425" rIns="91425" bIns="91425" anchor="t" anchorCtr="0">
             <a:noAutofit/>
           </a:bodyPr>
           <a:lstStyle/>
           <a:p>
-            <a:pPr indent="0" lvl="0" marL="0" rtl="0" algn="l">
+            <a:pPr marL="0" lvl="0" indent="0" algn="l" rtl="0">
               <a:spcBef>
                 <a:spcPts val="0"/>
               </a:spcBef>
@@ -8271,9 +8493,11 @@
       <p:sp>
         <p:nvSpPr>
           <p:cNvPr id="145" name="Google Shape;145;p26"/>
-          <p:cNvSpPr txBox="1"/>
+          <p:cNvSpPr txBox="1">
+            <a:spLocks noGrp="1"/>
+          </p:cNvSpPr>
           <p:nvPr>
-            <p:ph idx="1" type="body"/>
+            <p:ph type="body" idx="1"/>
           </p:nvPr>
         </p:nvSpPr>
         <p:spPr>
@@ -8286,12 +8510,12 @@
           </a:prstGeom>
         </p:spPr>
         <p:txBody>
-          <a:bodyPr anchorCtr="0" anchor="t" bIns="91425" lIns="91425" spcFirstLastPara="1" rIns="91425" wrap="square" tIns="91425">
+          <a:bodyPr spcFirstLastPara="1" wrap="square" lIns="91425" tIns="91425" rIns="91425" bIns="91425" anchor="t" anchorCtr="0">
             <a:noAutofit/>
           </a:bodyPr>
           <a:lstStyle/>
           <a:p>
-            <a:pPr indent="-381000" lvl="0" marL="457200" rtl="0" algn="l">
+            <a:pPr marL="457200" lvl="0" indent="-381000" algn="l" rtl="0">
               <a:spcBef>
                 <a:spcPts val="0"/>
               </a:spcBef>
@@ -8308,7 +8532,7 @@
             <a:endParaRPr sz="2400"/>
           </a:p>
           <a:p>
-            <a:pPr indent="0" lvl="0" marL="0" rtl="0" algn="l">
+            <a:pPr marL="0" lvl="0" indent="0" algn="l" rtl="0">
               <a:spcBef>
                 <a:spcPts val="1200"/>
               </a:spcBef>
@@ -8317,13 +8541,10 @@
               </a:spcAft>
               <a:buNone/>
             </a:pPr>
-            <a:r>
-              <a:t/>
-            </a:r>
             <a:endParaRPr sz="2400"/>
           </a:p>
           <a:p>
-            <a:pPr indent="-381000" lvl="0" marL="457200" rtl="0" algn="l">
+            <a:pPr marL="457200" lvl="0" indent="-381000" algn="l" rtl="0">
               <a:spcBef>
                 <a:spcPts val="1200"/>
               </a:spcBef>
@@ -8340,7 +8561,7 @@
             <a:endParaRPr sz="2400"/>
           </a:p>
           <a:p>
-            <a:pPr indent="-342900" lvl="1" marL="914400" rtl="0" algn="l">
+            <a:pPr marL="914400" lvl="1" indent="-342900" algn="l" rtl="0">
               <a:spcBef>
                 <a:spcPts val="0"/>
               </a:spcBef>
@@ -8367,11 +8588,11 @@
 </file>
 
 <file path=ppt/slides/slide15.xml><?xml version="1.0" encoding="utf-8"?>
-<p:sld xmlns:a="http://schemas.openxmlformats.org/drawingml/2006/main" xmlns:r="http://schemas.openxmlformats.org/officeDocument/2006/relationships" xmlns:mc="http://schemas.openxmlformats.org/markup-compatibility/2006" xmlns:mv="urn:schemas-microsoft-com:mac:vml" xmlns:p="http://schemas.openxmlformats.org/presentationml/2006/main" xmlns:c="http://schemas.openxmlformats.org/drawingml/2006/chart" xmlns:dgm="http://schemas.openxmlformats.org/drawingml/2006/diagram" xmlns:o="urn:schemas-microsoft-com:office:office" xmlns:v="urn:schemas-microsoft-com:vml" xmlns:pvml="urn:schemas-microsoft-com:office:powerpoint" xmlns:com="http://schemas.openxmlformats.org/drawingml/2006/compatibility" xmlns:p14="http://schemas.microsoft.com/office/powerpoint/2010/main" xmlns:p15="http://schemas.microsoft.com/office/powerpoint/2012/main" xmlns:ahyp="http://schemas.microsoft.com/office/drawing/2018/hyperlinkcolor">
+<p:sld xmlns:a="http://schemas.openxmlformats.org/drawingml/2006/main" xmlns:r="http://schemas.openxmlformats.org/officeDocument/2006/relationships" xmlns:p="http://schemas.openxmlformats.org/presentationml/2006/main">
   <p:cSld>
     <p:spTree>
       <p:nvGrpSpPr>
-        <p:cNvPr id="149" name="Shape 149"/>
+        <p:cNvPr id="1" name="Shape 149"/>
         <p:cNvGrpSpPr/>
         <p:nvPr/>
       </p:nvGrpSpPr>
@@ -8386,7 +8607,9 @@
       <p:sp>
         <p:nvSpPr>
           <p:cNvPr id="150" name="Google Shape;150;p27"/>
-          <p:cNvSpPr txBox="1"/>
+          <p:cNvSpPr txBox="1">
+            <a:spLocks noGrp="1"/>
+          </p:cNvSpPr>
           <p:nvPr>
             <p:ph type="title"/>
           </p:nvPr>
@@ -8401,12 +8624,12 @@
           </a:prstGeom>
         </p:spPr>
         <p:txBody>
-          <a:bodyPr anchorCtr="0" anchor="t" bIns="91425" lIns="91425" spcFirstLastPara="1" rIns="91425" wrap="square" tIns="91425">
+          <a:bodyPr spcFirstLastPara="1" wrap="square" lIns="91425" tIns="91425" rIns="91425" bIns="91425" anchor="t" anchorCtr="0">
             <a:noAutofit/>
           </a:bodyPr>
           <a:lstStyle/>
           <a:p>
-            <a:pPr indent="0" lvl="0" marL="0" rtl="0" algn="l">
+            <a:pPr marL="0" lvl="0" indent="0" algn="l" rtl="0">
               <a:spcBef>
                 <a:spcPts val="0"/>
               </a:spcBef>
@@ -8426,9 +8649,11 @@
       <p:sp>
         <p:nvSpPr>
           <p:cNvPr id="151" name="Google Shape;151;p27"/>
-          <p:cNvSpPr txBox="1"/>
+          <p:cNvSpPr txBox="1">
+            <a:spLocks noGrp="1"/>
+          </p:cNvSpPr>
           <p:nvPr>
-            <p:ph idx="1" type="body"/>
+            <p:ph type="body" idx="1"/>
           </p:nvPr>
         </p:nvSpPr>
         <p:spPr>
@@ -8441,12 +8666,12 @@
           </a:prstGeom>
         </p:spPr>
         <p:txBody>
-          <a:bodyPr anchorCtr="0" anchor="t" bIns="91425" lIns="91425" spcFirstLastPara="1" rIns="91425" wrap="square" tIns="91425">
+          <a:bodyPr spcFirstLastPara="1" wrap="square" lIns="91425" tIns="91425" rIns="91425" bIns="91425" anchor="t" anchorCtr="0">
             <a:noAutofit/>
           </a:bodyPr>
           <a:lstStyle/>
           <a:p>
-            <a:pPr indent="-381000" lvl="0" marL="457200" rtl="0" algn="l">
+            <a:pPr marL="457200" lvl="0" indent="-381000" algn="l" rtl="0">
               <a:spcBef>
                 <a:spcPts val="0"/>
               </a:spcBef>
@@ -8457,13 +8682,13 @@
               <a:buChar char="●"/>
             </a:pPr>
             <a:r>
-              <a:rPr lang="en" sz="2400"/>
+              <a:rPr lang="en" sz="2400" dirty="0"/>
               <a:t>Calculate initial compound degree</a:t>
             </a:r>
-            <a:endParaRPr sz="2400"/>
-          </a:p>
-          <a:p>
-            <a:pPr indent="-381000" lvl="0" marL="457200" rtl="0" algn="l">
+            <a:endParaRPr sz="2400" dirty="0"/>
+          </a:p>
+          <a:p>
+            <a:pPr marL="457200" lvl="0" indent="-381000" algn="l" rtl="0">
               <a:spcBef>
                 <a:spcPts val="0"/>
               </a:spcBef>
@@ -8474,13 +8699,13 @@
               <a:buChar char="●"/>
             </a:pPr>
             <a:r>
-              <a:rPr lang="en" sz="2400"/>
+              <a:rPr lang="en" sz="2400" dirty="0"/>
               <a:t>Calculate attachment index:</a:t>
             </a:r>
-            <a:endParaRPr sz="2400"/>
-          </a:p>
-          <a:p>
-            <a:pPr indent="-342900" lvl="1" marL="914400" rtl="0" algn="l">
+            <a:endParaRPr sz="2400" dirty="0"/>
+          </a:p>
+          <a:p>
+            <a:pPr marL="914400" lvl="1" indent="-342900" algn="l" rtl="0">
               <a:spcBef>
                 <a:spcPts val="0"/>
               </a:spcBef>
@@ -8491,13 +8716,13 @@
               <a:buChar char="○"/>
             </a:pPr>
             <a:r>
-              <a:rPr lang="en" sz="1800"/>
+              <a:rPr lang="en" sz="1800" dirty="0"/>
               <a:t>Average change in degree over a time period (60 months)</a:t>
             </a:r>
-            <a:endParaRPr sz="1800"/>
-          </a:p>
-          <a:p>
-            <a:pPr indent="-342900" lvl="1" marL="914400" rtl="0" algn="l">
+            <a:endParaRPr sz="1800" dirty="0"/>
+          </a:p>
+          <a:p>
+            <a:pPr marL="914400" lvl="1" indent="-342900" algn="l" rtl="0">
               <a:spcBef>
                 <a:spcPts val="0"/>
               </a:spcBef>
@@ -8507,13 +8732,10 @@
               <a:buSzPts val="1800"/>
               <a:buChar char="○"/>
             </a:pPr>
-            <a:r>
-              <a:t/>
-            </a:r>
-            <a:endParaRPr sz="1800"/>
-          </a:p>
-          <a:p>
-            <a:pPr indent="-381000" lvl="0" marL="457200" rtl="0" algn="l">
+            <a:endParaRPr sz="1800" dirty="0"/>
+          </a:p>
+          <a:p>
+            <a:pPr marL="457200" lvl="0" indent="-381000" algn="l" rtl="0">
               <a:spcBef>
                 <a:spcPts val="0"/>
               </a:spcBef>
@@ -8524,10 +8746,10 @@
               <a:buChar char="●"/>
             </a:pPr>
             <a:r>
-              <a:rPr lang="en" sz="2400"/>
+              <a:rPr lang="en" sz="2000" i="1" dirty="0"/>
               <a:t>If there is a linear or superlinear relationship, this is evidence of preferential attachment</a:t>
             </a:r>
-            <a:endParaRPr sz="2400"/>
+            <a:endParaRPr sz="2000" i="1" dirty="0"/>
           </a:p>
         </p:txBody>
       </p:sp>
@@ -8576,23 +8798,23 @@
           <a:solidFill>
             <a:schemeClr val="lt1"/>
           </a:solidFill>
-          <a:ln cap="flat" cmpd="sng" w="9525">
+          <a:ln w="9525" cap="flat" cmpd="sng">
             <a:solidFill>
               <a:schemeClr val="lt1"/>
             </a:solidFill>
             <a:prstDash val="solid"/>
             <a:round/>
-            <a:headEnd len="sm" w="sm" type="none"/>
-            <a:tailEnd len="sm" w="sm" type="none"/>
+            <a:headEnd type="none" w="sm" len="sm"/>
+            <a:tailEnd type="none" w="sm" len="sm"/>
           </a:ln>
         </p:spPr>
         <p:txBody>
-          <a:bodyPr anchorCtr="0" anchor="ctr" bIns="91425" lIns="91425" spcFirstLastPara="1" rIns="91425" wrap="square" tIns="91425">
+          <a:bodyPr spcFirstLastPara="1" wrap="square" lIns="91425" tIns="91425" rIns="91425" bIns="91425" anchor="ctr" anchorCtr="0">
             <a:noAutofit/>
           </a:bodyPr>
           <a:lstStyle/>
           <a:p>
-            <a:pPr indent="0" lvl="0" marL="0" rtl="0" algn="l">
+            <a:pPr marL="0" lvl="0" indent="0" algn="l" rtl="0">
               <a:spcBef>
                 <a:spcPts val="0"/>
               </a:spcBef>
@@ -8601,9 +8823,6 @@
               </a:spcAft>
               <a:buNone/>
             </a:pPr>
-            <a:r>
-              <a:t/>
-            </a:r>
             <a:endParaRPr/>
           </a:p>
         </p:txBody>
@@ -8617,11 +8836,11 @@
 </file>
 
 <file path=ppt/slides/slide16.xml><?xml version="1.0" encoding="utf-8"?>
-<p:sld xmlns:a="http://schemas.openxmlformats.org/drawingml/2006/main" xmlns:r="http://schemas.openxmlformats.org/officeDocument/2006/relationships" xmlns:mc="http://schemas.openxmlformats.org/markup-compatibility/2006" xmlns:mv="urn:schemas-microsoft-com:mac:vml" xmlns:p="http://schemas.openxmlformats.org/presentationml/2006/main" xmlns:c="http://schemas.openxmlformats.org/drawingml/2006/chart" xmlns:dgm="http://schemas.openxmlformats.org/drawingml/2006/diagram" xmlns:o="urn:schemas-microsoft-com:office:office" xmlns:v="urn:schemas-microsoft-com:vml" xmlns:pvml="urn:schemas-microsoft-com:office:powerpoint" xmlns:com="http://schemas.openxmlformats.org/drawingml/2006/compatibility" xmlns:p14="http://schemas.microsoft.com/office/powerpoint/2010/main" xmlns:p15="http://schemas.microsoft.com/office/powerpoint/2012/main" xmlns:ahyp="http://schemas.microsoft.com/office/drawing/2018/hyperlinkcolor">
+<p:sld xmlns:a="http://schemas.openxmlformats.org/drawingml/2006/main" xmlns:r="http://schemas.openxmlformats.org/officeDocument/2006/relationships" xmlns:p="http://schemas.openxmlformats.org/presentationml/2006/main">
   <p:cSld>
     <p:spTree>
       <p:nvGrpSpPr>
-        <p:cNvPr id="157" name="Shape 157"/>
+        <p:cNvPr id="1" name="Shape 157"/>
         <p:cNvGrpSpPr/>
         <p:nvPr/>
       </p:nvGrpSpPr>
@@ -8670,11 +8889,11 @@
 </file>
 
 <file path=ppt/slides/slide17.xml><?xml version="1.0" encoding="utf-8"?>
-<p:sld xmlns:a="http://schemas.openxmlformats.org/drawingml/2006/main" xmlns:r="http://schemas.openxmlformats.org/officeDocument/2006/relationships" xmlns:mc="http://schemas.openxmlformats.org/markup-compatibility/2006" xmlns:mv="urn:schemas-microsoft-com:mac:vml" xmlns:p="http://schemas.openxmlformats.org/presentationml/2006/main" xmlns:c="http://schemas.openxmlformats.org/drawingml/2006/chart" xmlns:dgm="http://schemas.openxmlformats.org/drawingml/2006/diagram" xmlns:o="urn:schemas-microsoft-com:office:office" xmlns:v="urn:schemas-microsoft-com:vml" xmlns:pvml="urn:schemas-microsoft-com:office:powerpoint" xmlns:com="http://schemas.openxmlformats.org/drawingml/2006/compatibility" xmlns:p14="http://schemas.microsoft.com/office/powerpoint/2010/main" xmlns:p15="http://schemas.microsoft.com/office/powerpoint/2012/main" xmlns:ahyp="http://schemas.microsoft.com/office/drawing/2018/hyperlinkcolor">
+<p:sld xmlns:a="http://schemas.openxmlformats.org/drawingml/2006/main" xmlns:r="http://schemas.openxmlformats.org/officeDocument/2006/relationships" xmlns:p="http://schemas.openxmlformats.org/presentationml/2006/main">
   <p:cSld>
     <p:spTree>
       <p:nvGrpSpPr>
-        <p:cNvPr id="162" name="Shape 162"/>
+        <p:cNvPr id="1" name="Shape 162"/>
         <p:cNvGrpSpPr/>
         <p:nvPr/>
       </p:nvGrpSpPr>
@@ -8689,7 +8908,9 @@
       <p:sp>
         <p:nvSpPr>
           <p:cNvPr id="163" name="Google Shape;163;p29"/>
-          <p:cNvSpPr txBox="1"/>
+          <p:cNvSpPr txBox="1">
+            <a:spLocks noGrp="1"/>
+          </p:cNvSpPr>
           <p:nvPr>
             <p:ph type="title"/>
           </p:nvPr>
@@ -8704,12 +8925,12 @@
           </a:prstGeom>
         </p:spPr>
         <p:txBody>
-          <a:bodyPr anchorCtr="0" anchor="t" bIns="91425" lIns="91425" spcFirstLastPara="1" rIns="91425" wrap="square" tIns="91425">
+          <a:bodyPr spcFirstLastPara="1" wrap="square" lIns="91425" tIns="91425" rIns="91425" bIns="91425" anchor="t" anchorCtr="0">
             <a:noAutofit/>
           </a:bodyPr>
           <a:lstStyle/>
           <a:p>
-            <a:pPr indent="0" lvl="0" marL="0" rtl="0" algn="l">
+            <a:pPr marL="0" lvl="0" indent="0" algn="l" rtl="0">
               <a:spcBef>
                 <a:spcPts val="0"/>
               </a:spcBef>
@@ -8729,9 +8950,11 @@
       <p:sp>
         <p:nvSpPr>
           <p:cNvPr id="164" name="Google Shape;164;p29"/>
-          <p:cNvSpPr txBox="1"/>
+          <p:cNvSpPr txBox="1">
+            <a:spLocks noGrp="1"/>
+          </p:cNvSpPr>
           <p:nvPr>
-            <p:ph idx="1" type="body"/>
+            <p:ph type="body" idx="1"/>
           </p:nvPr>
         </p:nvSpPr>
         <p:spPr>
@@ -8744,12 +8967,12 @@
           </a:prstGeom>
         </p:spPr>
         <p:txBody>
-          <a:bodyPr anchorCtr="0" anchor="t" bIns="91425" lIns="91425" spcFirstLastPara="1" rIns="91425" wrap="square" tIns="91425">
+          <a:bodyPr spcFirstLastPara="1" wrap="square" lIns="91425" tIns="91425" rIns="91425" bIns="91425" anchor="t" anchorCtr="0">
             <a:noAutofit/>
           </a:bodyPr>
           <a:lstStyle/>
           <a:p>
-            <a:pPr indent="-342900" lvl="0" marL="457200" rtl="0" algn="l">
+            <a:pPr marL="457200" lvl="0" indent="-342900" algn="l" rtl="0">
               <a:spcBef>
                 <a:spcPts val="0"/>
               </a:spcBef>
@@ -8760,20 +8983,12 @@
               <a:buChar char="●"/>
             </a:pPr>
             <a:r>
-              <a:rPr i="1" lang="en"/>
+              <a:rPr lang="en" i="1"/>
               <a:t>Result:</a:t>
             </a:r>
             <a:r>
               <a:rPr lang="en"/>
-              <a:t> The SureChemBL patent </a:t>
-            </a:r>
-            <a:r>
-              <a:rPr lang="en"/>
-              <a:t>database</a:t>
-            </a:r>
-            <a:r>
-              <a:rPr lang="en"/>
-              <a:t> is built using preferential attachment across 5-year time frames</a:t>
+              <a:t> The SureChemBL patent database is built using preferential attachment across 5-year time frames</a:t>
             </a:r>
             <a:endParaRPr/>
           </a:p>
@@ -8816,11 +9031,11 @@
 </file>
 
 <file path=ppt/slides/slide18.xml><?xml version="1.0" encoding="utf-8"?>
-<p:sld xmlns:a="http://schemas.openxmlformats.org/drawingml/2006/main" xmlns:r="http://schemas.openxmlformats.org/officeDocument/2006/relationships" xmlns:mc="http://schemas.openxmlformats.org/markup-compatibility/2006" xmlns:mv="urn:schemas-microsoft-com:mac:vml" xmlns:p="http://schemas.openxmlformats.org/presentationml/2006/main" xmlns:c="http://schemas.openxmlformats.org/drawingml/2006/chart" xmlns:dgm="http://schemas.openxmlformats.org/drawingml/2006/diagram" xmlns:o="urn:schemas-microsoft-com:office:office" xmlns:v="urn:schemas-microsoft-com:vml" xmlns:pvml="urn:schemas-microsoft-com:office:powerpoint" xmlns:com="http://schemas.openxmlformats.org/drawingml/2006/compatibility" xmlns:p14="http://schemas.microsoft.com/office/powerpoint/2010/main" xmlns:p15="http://schemas.microsoft.com/office/powerpoint/2012/main" xmlns:ahyp="http://schemas.microsoft.com/office/drawing/2018/hyperlinkcolor">
+<p:sld xmlns:a="http://schemas.openxmlformats.org/drawingml/2006/main" xmlns:r="http://schemas.openxmlformats.org/officeDocument/2006/relationships" xmlns:p="http://schemas.openxmlformats.org/presentationml/2006/main">
   <p:cSld>
     <p:spTree>
       <p:nvGrpSpPr>
-        <p:cNvPr id="169" name="Shape 169"/>
+        <p:cNvPr id="1" name="Shape 169"/>
         <p:cNvGrpSpPr/>
         <p:nvPr/>
       </p:nvGrpSpPr>
@@ -8835,7 +9050,9 @@
       <p:sp>
         <p:nvSpPr>
           <p:cNvPr id="170" name="Google Shape;170;p30"/>
-          <p:cNvSpPr txBox="1"/>
+          <p:cNvSpPr txBox="1">
+            <a:spLocks noGrp="1"/>
+          </p:cNvSpPr>
           <p:nvPr>
             <p:ph type="title"/>
           </p:nvPr>
@@ -8850,12 +9067,12 @@
           </a:prstGeom>
         </p:spPr>
         <p:txBody>
-          <a:bodyPr anchorCtr="0" anchor="t" bIns="91425" lIns="91425" spcFirstLastPara="1" rIns="91425" wrap="square" tIns="91425">
+          <a:bodyPr spcFirstLastPara="1" wrap="square" lIns="91425" tIns="91425" rIns="91425" bIns="91425" anchor="t" anchorCtr="0">
             <a:noAutofit/>
           </a:bodyPr>
           <a:lstStyle/>
           <a:p>
-            <a:pPr indent="0" lvl="0" marL="0" rtl="0" algn="l">
+            <a:pPr marL="0" lvl="0" indent="0" algn="l" rtl="0">
               <a:spcBef>
                 <a:spcPts val="0"/>
               </a:spcBef>
@@ -8876,7 +9093,7 @@
             <a:endParaRPr/>
           </a:p>
           <a:p>
-            <a:pPr indent="0" lvl="0" marL="0" rtl="0" algn="l">
+            <a:pPr marL="0" lvl="0" indent="0" algn="l" rtl="0">
               <a:spcBef>
                 <a:spcPts val="0"/>
               </a:spcBef>
@@ -8885,9 +9102,6 @@
               </a:spcAft>
               <a:buNone/>
             </a:pPr>
-            <a:r>
-              <a:t/>
-            </a:r>
             <a:endParaRPr/>
           </a:p>
         </p:txBody>
@@ -8895,9 +9109,11 @@
       <p:sp>
         <p:nvSpPr>
           <p:cNvPr id="171" name="Google Shape;171;p30"/>
-          <p:cNvSpPr txBox="1"/>
+          <p:cNvSpPr txBox="1">
+            <a:spLocks noGrp="1"/>
+          </p:cNvSpPr>
           <p:nvPr>
-            <p:ph idx="1" type="body"/>
+            <p:ph type="body" idx="1"/>
           </p:nvPr>
         </p:nvSpPr>
         <p:spPr>
@@ -8910,12 +9126,12 @@
           </a:prstGeom>
         </p:spPr>
         <p:txBody>
-          <a:bodyPr anchorCtr="0" anchor="t" bIns="91425" lIns="91425" spcFirstLastPara="1" rIns="91425" wrap="square" tIns="91425">
+          <a:bodyPr spcFirstLastPara="1" wrap="square" lIns="91425" tIns="91425" rIns="91425" bIns="91425" anchor="t" anchorCtr="0">
             <a:noAutofit/>
           </a:bodyPr>
           <a:lstStyle/>
           <a:p>
-            <a:pPr indent="-342900" lvl="0" marL="457200" rtl="0" algn="l">
+            <a:pPr marL="457200" lvl="0" indent="-342900" algn="l" rtl="0">
               <a:spcBef>
                 <a:spcPts val="0"/>
               </a:spcBef>
@@ -8926,13 +9142,13 @@
               <a:buChar char="●"/>
             </a:pPr>
             <a:r>
-              <a:rPr lang="en"/>
-              <a:t>Can track increasing/decreasing attachment over time, relative to average</a:t>
+              <a:rPr lang="en" dirty="0"/>
+              <a:t>Can track increasing/decreasing attachment over time of specifc compounds, relative to average</a:t>
             </a:r>
-            <a:endParaRPr/>
-          </a:p>
-          <a:p>
-            <a:pPr indent="0" lvl="0" marL="0" rtl="0" algn="l">
+            <a:endParaRPr dirty="0"/>
+          </a:p>
+          <a:p>
+            <a:pPr marL="0" lvl="0" indent="0" algn="l" rtl="0">
               <a:spcBef>
                 <a:spcPts val="1200"/>
               </a:spcBef>
@@ -8941,13 +9157,10 @@
               </a:spcAft>
               <a:buNone/>
             </a:pPr>
-            <a:r>
-              <a:t/>
-            </a:r>
-            <a:endParaRPr/>
-          </a:p>
-          <a:p>
-            <a:pPr indent="-342900" lvl="0" marL="457200" rtl="0" algn="l">
+            <a:endParaRPr dirty="0"/>
+          </a:p>
+          <a:p>
+            <a:pPr marL="457200" lvl="0" indent="-342900" algn="l" rtl="0">
               <a:spcBef>
                 <a:spcPts val="1200"/>
               </a:spcBef>
@@ -8958,14 +9171,27 @@
               <a:buChar char="●"/>
             </a:pPr>
             <a:r>
-              <a:rPr i="1" lang="en"/>
+              <a:rPr lang="en" i="1" dirty="0"/>
               <a:t>Green solvents: </a:t>
             </a:r>
             <a:r>
-              <a:rPr lang="en"/>
+              <a:rPr lang="en" dirty="0"/>
               <a:t>very high attachment relative to average</a:t>
             </a:r>
-            <a:endParaRPr/>
+          </a:p>
+          <a:p>
+            <a:pPr lvl="1" indent="-342900">
+              <a:spcBef>
+                <a:spcPts val="1200"/>
+              </a:spcBef>
+              <a:buSzPts val="1800"/>
+              <a:buChar char="●"/>
+            </a:pPr>
+            <a:r>
+              <a:rPr lang="en" dirty="0"/>
+              <a:t>Shows these compounds are used far more frequently than average</a:t>
+            </a:r>
+            <a:endParaRPr dirty="0"/>
           </a:p>
         </p:txBody>
       </p:sp>
@@ -9006,11 +9232,11 @@
 </file>
 
 <file path=ppt/slides/slide19.xml><?xml version="1.0" encoding="utf-8"?>
-<p:sld xmlns:a="http://schemas.openxmlformats.org/drawingml/2006/main" xmlns:r="http://schemas.openxmlformats.org/officeDocument/2006/relationships" xmlns:mc="http://schemas.openxmlformats.org/markup-compatibility/2006" xmlns:mv="urn:schemas-microsoft-com:mac:vml" xmlns:p="http://schemas.openxmlformats.org/presentationml/2006/main" xmlns:c="http://schemas.openxmlformats.org/drawingml/2006/chart" xmlns:dgm="http://schemas.openxmlformats.org/drawingml/2006/diagram" xmlns:o="urn:schemas-microsoft-com:office:office" xmlns:v="urn:schemas-microsoft-com:vml" xmlns:pvml="urn:schemas-microsoft-com:office:powerpoint" xmlns:com="http://schemas.openxmlformats.org/drawingml/2006/compatibility" xmlns:p14="http://schemas.microsoft.com/office/powerpoint/2010/main" xmlns:p15="http://schemas.microsoft.com/office/powerpoint/2012/main" xmlns:ahyp="http://schemas.microsoft.com/office/drawing/2018/hyperlinkcolor">
+<p:sld xmlns:a="http://schemas.openxmlformats.org/drawingml/2006/main" xmlns:r="http://schemas.openxmlformats.org/officeDocument/2006/relationships" xmlns:p="http://schemas.openxmlformats.org/presentationml/2006/main">
   <p:cSld>
     <p:spTree>
       <p:nvGrpSpPr>
-        <p:cNvPr id="176" name="Shape 176"/>
+        <p:cNvPr id="1" name="Shape 176"/>
         <p:cNvGrpSpPr/>
         <p:nvPr/>
       </p:nvGrpSpPr>
@@ -9025,7 +9251,9 @@
       <p:sp>
         <p:nvSpPr>
           <p:cNvPr id="177" name="Google Shape;177;p31"/>
-          <p:cNvSpPr txBox="1"/>
+          <p:cNvSpPr txBox="1">
+            <a:spLocks noGrp="1"/>
+          </p:cNvSpPr>
           <p:nvPr>
             <p:ph type="title"/>
           </p:nvPr>
@@ -9040,12 +9268,12 @@
           </a:prstGeom>
         </p:spPr>
         <p:txBody>
-          <a:bodyPr anchorCtr="0" anchor="t" bIns="91425" lIns="91425" spcFirstLastPara="1" rIns="91425" wrap="square" tIns="91425">
+          <a:bodyPr spcFirstLastPara="1" wrap="square" lIns="91425" tIns="91425" rIns="91425" bIns="91425" anchor="t" anchorCtr="0">
             <a:noAutofit/>
           </a:bodyPr>
           <a:lstStyle/>
           <a:p>
-            <a:pPr indent="0" lvl="0" marL="0" rtl="0" algn="l">
+            <a:pPr marL="0" lvl="0" indent="0" algn="l" rtl="0">
               <a:spcBef>
                 <a:spcPts val="0"/>
               </a:spcBef>
@@ -9065,9 +9293,11 @@
       <p:sp>
         <p:nvSpPr>
           <p:cNvPr id="178" name="Google Shape;178;p31"/>
-          <p:cNvSpPr txBox="1"/>
+          <p:cNvSpPr txBox="1">
+            <a:spLocks noGrp="1"/>
+          </p:cNvSpPr>
           <p:nvPr>
-            <p:ph idx="1" type="body"/>
+            <p:ph type="body" idx="1"/>
           </p:nvPr>
         </p:nvSpPr>
         <p:spPr>
@@ -9080,12 +9310,12 @@
           </a:prstGeom>
         </p:spPr>
         <p:txBody>
-          <a:bodyPr anchorCtr="0" anchor="t" bIns="91425" lIns="91425" spcFirstLastPara="1" rIns="91425" wrap="square" tIns="91425">
+          <a:bodyPr spcFirstLastPara="1" wrap="square" lIns="91425" tIns="91425" rIns="91425" bIns="91425" anchor="t" anchorCtr="0">
             <a:noAutofit/>
           </a:bodyPr>
           <a:lstStyle/>
           <a:p>
-            <a:pPr indent="0" lvl="0" marL="0" rtl="0" algn="l">
+            <a:pPr marL="0" lvl="0" indent="0" algn="l" rtl="0">
               <a:spcBef>
                 <a:spcPts val="0"/>
               </a:spcBef>
@@ -9120,11 +9350,11 @@
 </file>
 
 <file path=ppt/slides/slide2.xml><?xml version="1.0" encoding="utf-8"?>
-<p:sld xmlns:a="http://schemas.openxmlformats.org/drawingml/2006/main" xmlns:r="http://schemas.openxmlformats.org/officeDocument/2006/relationships" xmlns:mc="http://schemas.openxmlformats.org/markup-compatibility/2006" xmlns:mv="urn:schemas-microsoft-com:mac:vml" xmlns:p="http://schemas.openxmlformats.org/presentationml/2006/main" xmlns:c="http://schemas.openxmlformats.org/drawingml/2006/chart" xmlns:dgm="http://schemas.openxmlformats.org/drawingml/2006/diagram" xmlns:o="urn:schemas-microsoft-com:office:office" xmlns:v="urn:schemas-microsoft-com:vml" xmlns:pvml="urn:schemas-microsoft-com:office:powerpoint" xmlns:com="http://schemas.openxmlformats.org/drawingml/2006/compatibility" xmlns:p14="http://schemas.microsoft.com/office/powerpoint/2010/main" xmlns:p15="http://schemas.microsoft.com/office/powerpoint/2012/main" xmlns:ahyp="http://schemas.microsoft.com/office/drawing/2018/hyperlinkcolor">
+<p:sld xmlns:a="http://schemas.openxmlformats.org/drawingml/2006/main" xmlns:r="http://schemas.openxmlformats.org/officeDocument/2006/relationships" xmlns:p="http://schemas.openxmlformats.org/presentationml/2006/main">
   <p:cSld>
     <p:spTree>
       <p:nvGrpSpPr>
-        <p:cNvPr id="61" name="Shape 61"/>
+        <p:cNvPr id="1" name="Shape 61"/>
         <p:cNvGrpSpPr/>
         <p:nvPr/>
       </p:nvGrpSpPr>
@@ -9139,7 +9369,9 @@
       <p:sp>
         <p:nvSpPr>
           <p:cNvPr id="62" name="Google Shape;62;p14"/>
-          <p:cNvSpPr txBox="1"/>
+          <p:cNvSpPr txBox="1">
+            <a:spLocks noGrp="1"/>
+          </p:cNvSpPr>
           <p:nvPr>
             <p:ph type="title"/>
           </p:nvPr>
@@ -9154,12 +9386,12 @@
           </a:prstGeom>
         </p:spPr>
         <p:txBody>
-          <a:bodyPr anchorCtr="0" anchor="t" bIns="91425" lIns="91425" spcFirstLastPara="1" rIns="91425" wrap="square" tIns="91425">
+          <a:bodyPr spcFirstLastPara="1" wrap="square" lIns="91425" tIns="91425" rIns="91425" bIns="91425" anchor="t" anchorCtr="0">
             <a:noAutofit/>
           </a:bodyPr>
           <a:lstStyle/>
           <a:p>
-            <a:pPr indent="0" lvl="0" marL="0" rtl="0" algn="l">
+            <a:pPr marL="0" lvl="0" indent="0" algn="l" rtl="0">
               <a:spcBef>
                 <a:spcPts val="0"/>
               </a:spcBef>
@@ -9179,9 +9411,11 @@
       <p:sp>
         <p:nvSpPr>
           <p:cNvPr id="63" name="Google Shape;63;p14"/>
-          <p:cNvSpPr txBox="1"/>
+          <p:cNvSpPr txBox="1">
+            <a:spLocks noGrp="1"/>
+          </p:cNvSpPr>
           <p:nvPr>
-            <p:ph idx="1" type="body"/>
+            <p:ph type="body" idx="1"/>
           </p:nvPr>
         </p:nvSpPr>
         <p:spPr>
@@ -9194,12 +9428,12 @@
           </a:prstGeom>
         </p:spPr>
         <p:txBody>
-          <a:bodyPr anchorCtr="0" anchor="t" bIns="91425" lIns="91425" spcFirstLastPara="1" rIns="91425" wrap="square" tIns="91425">
+          <a:bodyPr spcFirstLastPara="1" wrap="square" lIns="91425" tIns="91425" rIns="91425" bIns="91425" anchor="t" anchorCtr="0">
             <a:noAutofit/>
           </a:bodyPr>
           <a:lstStyle/>
           <a:p>
-            <a:pPr indent="-381000" lvl="0" marL="457200" rtl="0" algn="l">
+            <a:pPr marL="457200" lvl="0" indent="-381000" algn="l" rtl="0">
               <a:spcBef>
                 <a:spcPts val="0"/>
               </a:spcBef>
@@ -9214,7 +9448,7 @@
               <a:t>How do </a:t>
             </a:r>
             <a:r>
-              <a:rPr b="1" lang="en" sz="2400"/>
+              <a:rPr lang="en" sz="2400" b="1"/>
               <a:t>societal constraints on chemistry</a:t>
             </a:r>
             <a:r>
@@ -9224,7 +9458,7 @@
             <a:endParaRPr sz="2400"/>
           </a:p>
           <a:p>
-            <a:pPr indent="0" lvl="0" marL="457200" rtl="0" algn="l">
+            <a:pPr marL="457200" lvl="0" indent="0" algn="l" rtl="0">
               <a:spcBef>
                 <a:spcPts val="1200"/>
               </a:spcBef>
@@ -9233,13 +9467,10 @@
               </a:spcAft>
               <a:buNone/>
             </a:pPr>
-            <a:r>
-              <a:t/>
-            </a:r>
             <a:endParaRPr sz="2400"/>
           </a:p>
           <a:p>
-            <a:pPr indent="-381000" lvl="0" marL="457200" rtl="0" algn="l">
+            <a:pPr marL="457200" lvl="0" indent="-381000" algn="l" rtl="0">
               <a:spcBef>
                 <a:spcPts val="1200"/>
               </a:spcBef>
@@ -9254,10 +9485,10 @@
               <a:t>Studied through</a:t>
             </a:r>
             <a:r>
-              <a:rPr b="1" lang="en" sz="2400"/>
+              <a:rPr lang="en" sz="2400" b="1"/>
               <a:t> network science &amp; molecular assembly</a:t>
             </a:r>
-            <a:endParaRPr b="1" sz="2400"/>
+            <a:endParaRPr sz="2400" b="1"/>
           </a:p>
         </p:txBody>
       </p:sp>
@@ -9270,11 +9501,11 @@
 </file>
 
 <file path=ppt/slides/slide3.xml><?xml version="1.0" encoding="utf-8"?>
-<p:sld xmlns:a="http://schemas.openxmlformats.org/drawingml/2006/main" xmlns:r="http://schemas.openxmlformats.org/officeDocument/2006/relationships" xmlns:mc="http://schemas.openxmlformats.org/markup-compatibility/2006" xmlns:mv="urn:schemas-microsoft-com:mac:vml" xmlns:p="http://schemas.openxmlformats.org/presentationml/2006/main" xmlns:c="http://schemas.openxmlformats.org/drawingml/2006/chart" xmlns:dgm="http://schemas.openxmlformats.org/drawingml/2006/diagram" xmlns:o="urn:schemas-microsoft-com:office:office" xmlns:v="urn:schemas-microsoft-com:vml" xmlns:pvml="urn:schemas-microsoft-com:office:powerpoint" xmlns:com="http://schemas.openxmlformats.org/drawingml/2006/compatibility" xmlns:p14="http://schemas.microsoft.com/office/powerpoint/2010/main" xmlns:p15="http://schemas.microsoft.com/office/powerpoint/2012/main" xmlns:ahyp="http://schemas.microsoft.com/office/drawing/2018/hyperlinkcolor">
+<p:sld xmlns:a="http://schemas.openxmlformats.org/drawingml/2006/main" xmlns:r="http://schemas.openxmlformats.org/officeDocument/2006/relationships" xmlns:p="http://schemas.openxmlformats.org/presentationml/2006/main">
   <p:cSld>
     <p:spTree>
       <p:nvGrpSpPr>
-        <p:cNvPr id="67" name="Shape 67"/>
+        <p:cNvPr id="1" name="Shape 67"/>
         <p:cNvGrpSpPr/>
         <p:nvPr/>
       </p:nvGrpSpPr>
@@ -9299,29 +9530,29 @@
           </a:xfrm>
           <a:prstGeom prst="roundRect">
             <a:avLst>
-              <a:gd fmla="val 16667" name="adj"/>
+              <a:gd name="adj" fmla="val 16667"/>
             </a:avLst>
           </a:prstGeom>
           <a:solidFill>
             <a:schemeClr val="lt1"/>
           </a:solidFill>
-          <a:ln cap="flat" cmpd="sng" w="9525">
+          <a:ln w="9525" cap="flat" cmpd="sng">
             <a:solidFill>
               <a:schemeClr val="lt1"/>
             </a:solidFill>
             <a:prstDash val="solid"/>
             <a:round/>
-            <a:headEnd len="sm" w="sm" type="none"/>
-            <a:tailEnd len="sm" w="sm" type="none"/>
+            <a:headEnd type="none" w="sm" len="sm"/>
+            <a:tailEnd type="none" w="sm" len="sm"/>
           </a:ln>
         </p:spPr>
         <p:txBody>
-          <a:bodyPr anchorCtr="0" anchor="ctr" bIns="91425" lIns="91425" spcFirstLastPara="1" rIns="91425" wrap="square" tIns="91425">
+          <a:bodyPr spcFirstLastPara="1" wrap="square" lIns="91425" tIns="91425" rIns="91425" bIns="91425" anchor="ctr" anchorCtr="0">
             <a:noAutofit/>
           </a:bodyPr>
           <a:lstStyle/>
           <a:p>
-            <a:pPr indent="0" lvl="0" marL="0" rtl="0" algn="l">
+            <a:pPr marL="0" lvl="0" indent="0" algn="l" rtl="0">
               <a:spcBef>
                 <a:spcPts val="0"/>
               </a:spcBef>
@@ -9330,9 +9561,6 @@
               </a:spcAft>
               <a:buNone/>
             </a:pPr>
-            <a:r>
-              <a:t/>
-            </a:r>
             <a:endParaRPr/>
           </a:p>
         </p:txBody>
@@ -9382,23 +9610,23 @@
           <a:solidFill>
             <a:schemeClr val="lt1"/>
           </a:solidFill>
-          <a:ln cap="flat" cmpd="sng" w="9525">
+          <a:ln w="9525" cap="flat" cmpd="sng">
             <a:solidFill>
               <a:schemeClr val="lt1"/>
             </a:solidFill>
             <a:prstDash val="solid"/>
             <a:round/>
-            <a:headEnd len="sm" w="sm" type="none"/>
-            <a:tailEnd len="sm" w="sm" type="none"/>
+            <a:headEnd type="none" w="sm" len="sm"/>
+            <a:tailEnd type="none" w="sm" len="sm"/>
           </a:ln>
         </p:spPr>
         <p:txBody>
-          <a:bodyPr anchorCtr="0" anchor="ctr" bIns="91425" lIns="91425" spcFirstLastPara="1" rIns="91425" wrap="square" tIns="91425">
+          <a:bodyPr spcFirstLastPara="1" wrap="square" lIns="91425" tIns="91425" rIns="91425" bIns="91425" anchor="ctr" anchorCtr="0">
             <a:noAutofit/>
           </a:bodyPr>
           <a:lstStyle/>
           <a:p>
-            <a:pPr indent="0" lvl="0" marL="0" rtl="0" algn="l">
+            <a:pPr marL="0" lvl="0" indent="0" algn="l" rtl="0">
               <a:spcBef>
                 <a:spcPts val="0"/>
               </a:spcBef>
@@ -9407,9 +9635,6 @@
               </a:spcAft>
               <a:buNone/>
             </a:pPr>
-            <a:r>
-              <a:t/>
-            </a:r>
             <a:endParaRPr/>
           </a:p>
         </p:txBody>
@@ -9423,11 +9648,11 @@
 </file>
 
 <file path=ppt/slides/slide4.xml><?xml version="1.0" encoding="utf-8"?>
-<p:sld xmlns:a="http://schemas.openxmlformats.org/drawingml/2006/main" xmlns:r="http://schemas.openxmlformats.org/officeDocument/2006/relationships" xmlns:mc="http://schemas.openxmlformats.org/markup-compatibility/2006" xmlns:mv="urn:schemas-microsoft-com:mac:vml" xmlns:p="http://schemas.openxmlformats.org/presentationml/2006/main" xmlns:c="http://schemas.openxmlformats.org/drawingml/2006/chart" xmlns:dgm="http://schemas.openxmlformats.org/drawingml/2006/diagram" xmlns:o="urn:schemas-microsoft-com:office:office" xmlns:v="urn:schemas-microsoft-com:vml" xmlns:pvml="urn:schemas-microsoft-com:office:powerpoint" xmlns:com="http://schemas.openxmlformats.org/drawingml/2006/compatibility" xmlns:p14="http://schemas.microsoft.com/office/powerpoint/2010/main" xmlns:p15="http://schemas.microsoft.com/office/powerpoint/2012/main" xmlns:ahyp="http://schemas.microsoft.com/office/drawing/2018/hyperlinkcolor">
+<p:sld xmlns:a="http://schemas.openxmlformats.org/drawingml/2006/main" xmlns:r="http://schemas.openxmlformats.org/officeDocument/2006/relationships" xmlns:p="http://schemas.openxmlformats.org/presentationml/2006/main">
   <p:cSld>
     <p:spTree>
       <p:nvGrpSpPr>
-        <p:cNvPr id="74" name="Shape 74"/>
+        <p:cNvPr id="1" name="Shape 74"/>
         <p:cNvGrpSpPr/>
         <p:nvPr/>
       </p:nvGrpSpPr>
@@ -9452,29 +9677,29 @@
           </a:xfrm>
           <a:prstGeom prst="roundRect">
             <a:avLst>
-              <a:gd fmla="val 16667" name="adj"/>
+              <a:gd name="adj" fmla="val 16667"/>
             </a:avLst>
           </a:prstGeom>
           <a:solidFill>
             <a:schemeClr val="lt1"/>
           </a:solidFill>
-          <a:ln cap="flat" cmpd="sng" w="9525">
+          <a:ln w="9525" cap="flat" cmpd="sng">
             <a:solidFill>
               <a:schemeClr val="lt1"/>
             </a:solidFill>
             <a:prstDash val="solid"/>
             <a:round/>
-            <a:headEnd len="sm" w="sm" type="none"/>
-            <a:tailEnd len="sm" w="sm" type="none"/>
+            <a:headEnd type="none" w="sm" len="sm"/>
+            <a:tailEnd type="none" w="sm" len="sm"/>
           </a:ln>
         </p:spPr>
         <p:txBody>
-          <a:bodyPr anchorCtr="0" anchor="ctr" bIns="91425" lIns="91425" spcFirstLastPara="1" rIns="91425" wrap="square" tIns="91425">
+          <a:bodyPr spcFirstLastPara="1" wrap="square" lIns="91425" tIns="91425" rIns="91425" bIns="91425" anchor="ctr" anchorCtr="0">
             <a:noAutofit/>
           </a:bodyPr>
           <a:lstStyle/>
           <a:p>
-            <a:pPr indent="0" lvl="0" marL="0" rtl="0" algn="l">
+            <a:pPr marL="0" lvl="0" indent="0" algn="l" rtl="0">
               <a:spcBef>
                 <a:spcPts val="0"/>
               </a:spcBef>
@@ -9483,9 +9708,6 @@
               </a:spcAft>
               <a:buNone/>
             </a:pPr>
-            <a:r>
-              <a:t/>
-            </a:r>
             <a:endParaRPr/>
           </a:p>
         </p:txBody>
@@ -9535,23 +9757,23 @@
           <a:solidFill>
             <a:schemeClr val="lt1"/>
           </a:solidFill>
-          <a:ln cap="flat" cmpd="sng" w="9525">
+          <a:ln w="9525" cap="flat" cmpd="sng">
             <a:solidFill>
               <a:schemeClr val="lt1"/>
             </a:solidFill>
             <a:prstDash val="solid"/>
             <a:round/>
-            <a:headEnd len="sm" w="sm" type="none"/>
-            <a:tailEnd len="sm" w="sm" type="none"/>
+            <a:headEnd type="none" w="sm" len="sm"/>
+            <a:tailEnd type="none" w="sm" len="sm"/>
           </a:ln>
         </p:spPr>
         <p:txBody>
-          <a:bodyPr anchorCtr="0" anchor="ctr" bIns="91425" lIns="91425" spcFirstLastPara="1" rIns="91425" wrap="square" tIns="91425">
+          <a:bodyPr spcFirstLastPara="1" wrap="square" lIns="91425" tIns="91425" rIns="91425" bIns="91425" anchor="ctr" anchorCtr="0">
             <a:noAutofit/>
           </a:bodyPr>
           <a:lstStyle/>
           <a:p>
-            <a:pPr indent="0" lvl="0" marL="0" rtl="0" algn="l">
+            <a:pPr marL="0" lvl="0" indent="0" algn="l" rtl="0">
               <a:spcBef>
                 <a:spcPts val="0"/>
               </a:spcBef>
@@ -9560,9 +9782,6 @@
               </a:spcAft>
               <a:buNone/>
             </a:pPr>
-            <a:r>
-              <a:t/>
-            </a:r>
             <a:endParaRPr/>
           </a:p>
         </p:txBody>
@@ -9576,11 +9795,11 @@
 </file>
 
 <file path=ppt/slides/slide5.xml><?xml version="1.0" encoding="utf-8"?>
-<p:sld xmlns:a="http://schemas.openxmlformats.org/drawingml/2006/main" xmlns:r="http://schemas.openxmlformats.org/officeDocument/2006/relationships" xmlns:mc="http://schemas.openxmlformats.org/markup-compatibility/2006" xmlns:mv="urn:schemas-microsoft-com:mac:vml" xmlns:p="http://schemas.openxmlformats.org/presentationml/2006/main" xmlns:c="http://schemas.openxmlformats.org/drawingml/2006/chart" xmlns:dgm="http://schemas.openxmlformats.org/drawingml/2006/diagram" xmlns:o="urn:schemas-microsoft-com:office:office" xmlns:v="urn:schemas-microsoft-com:vml" xmlns:pvml="urn:schemas-microsoft-com:office:powerpoint" xmlns:com="http://schemas.openxmlformats.org/drawingml/2006/compatibility" xmlns:p14="http://schemas.microsoft.com/office/powerpoint/2010/main" xmlns:p15="http://schemas.microsoft.com/office/powerpoint/2012/main" xmlns:ahyp="http://schemas.microsoft.com/office/drawing/2018/hyperlinkcolor">
+<p:sld xmlns:a="http://schemas.openxmlformats.org/drawingml/2006/main" xmlns:r="http://schemas.openxmlformats.org/officeDocument/2006/relationships" xmlns:p="http://schemas.openxmlformats.org/presentationml/2006/main">
   <p:cSld>
     <p:spTree>
       <p:nvGrpSpPr>
-        <p:cNvPr id="81" name="Shape 81"/>
+        <p:cNvPr id="1" name="Shape 81"/>
         <p:cNvGrpSpPr/>
         <p:nvPr/>
       </p:nvGrpSpPr>
@@ -9605,29 +9824,29 @@
           </a:xfrm>
           <a:prstGeom prst="roundRect">
             <a:avLst>
-              <a:gd fmla="val 16667" name="adj"/>
+              <a:gd name="adj" fmla="val 16667"/>
             </a:avLst>
           </a:prstGeom>
           <a:solidFill>
             <a:schemeClr val="lt1"/>
           </a:solidFill>
-          <a:ln cap="flat" cmpd="sng" w="9525">
+          <a:ln w="9525" cap="flat" cmpd="sng">
             <a:solidFill>
               <a:schemeClr val="lt1"/>
             </a:solidFill>
             <a:prstDash val="solid"/>
             <a:round/>
-            <a:headEnd len="sm" w="sm" type="none"/>
-            <a:tailEnd len="sm" w="sm" type="none"/>
+            <a:headEnd type="none" w="sm" len="sm"/>
+            <a:tailEnd type="none" w="sm" len="sm"/>
           </a:ln>
         </p:spPr>
         <p:txBody>
-          <a:bodyPr anchorCtr="0" anchor="ctr" bIns="91425" lIns="91425" spcFirstLastPara="1" rIns="91425" wrap="square" tIns="91425">
+          <a:bodyPr spcFirstLastPara="1" wrap="square" lIns="91425" tIns="91425" rIns="91425" bIns="91425" anchor="ctr" anchorCtr="0">
             <a:noAutofit/>
           </a:bodyPr>
           <a:lstStyle/>
           <a:p>
-            <a:pPr indent="0" lvl="0" marL="0" rtl="0" algn="l">
+            <a:pPr marL="0" lvl="0" indent="0" algn="l" rtl="0">
               <a:spcBef>
                 <a:spcPts val="0"/>
               </a:spcBef>
@@ -9636,9 +9855,6 @@
               </a:spcAft>
               <a:buNone/>
             </a:pPr>
-            <a:r>
-              <a:t/>
-            </a:r>
             <a:endParaRPr/>
           </a:p>
         </p:txBody>
@@ -9680,11 +9896,11 @@
 </file>
 
 <file path=ppt/slides/slide6.xml><?xml version="1.0" encoding="utf-8"?>
-<p:sld xmlns:a="http://schemas.openxmlformats.org/drawingml/2006/main" xmlns:r="http://schemas.openxmlformats.org/officeDocument/2006/relationships" xmlns:mc="http://schemas.openxmlformats.org/markup-compatibility/2006" xmlns:mv="urn:schemas-microsoft-com:mac:vml" xmlns:p="http://schemas.openxmlformats.org/presentationml/2006/main" xmlns:c="http://schemas.openxmlformats.org/drawingml/2006/chart" xmlns:dgm="http://schemas.openxmlformats.org/drawingml/2006/diagram" xmlns:o="urn:schemas-microsoft-com:office:office" xmlns:v="urn:schemas-microsoft-com:vml" xmlns:pvml="urn:schemas-microsoft-com:office:powerpoint" xmlns:com="http://schemas.openxmlformats.org/drawingml/2006/compatibility" xmlns:p14="http://schemas.microsoft.com/office/powerpoint/2010/main" xmlns:p15="http://schemas.microsoft.com/office/powerpoint/2012/main" xmlns:ahyp="http://schemas.microsoft.com/office/drawing/2018/hyperlinkcolor">
+<p:sld xmlns:a="http://schemas.openxmlformats.org/drawingml/2006/main" xmlns:r="http://schemas.openxmlformats.org/officeDocument/2006/relationships" xmlns:p="http://schemas.openxmlformats.org/presentationml/2006/main">
   <p:cSld>
     <p:spTree>
       <p:nvGrpSpPr>
-        <p:cNvPr id="87" name="Shape 87"/>
+        <p:cNvPr id="1" name="Shape 87"/>
         <p:cNvGrpSpPr/>
         <p:nvPr/>
       </p:nvGrpSpPr>
@@ -9699,7 +9915,9 @@
       <p:sp>
         <p:nvSpPr>
           <p:cNvPr id="88" name="Google Shape;88;p18"/>
-          <p:cNvSpPr txBox="1"/>
+          <p:cNvSpPr txBox="1">
+            <a:spLocks noGrp="1"/>
+          </p:cNvSpPr>
           <p:nvPr>
             <p:ph type="title"/>
           </p:nvPr>
@@ -9714,12 +9932,12 @@
           </a:prstGeom>
         </p:spPr>
         <p:txBody>
-          <a:bodyPr anchorCtr="0" anchor="t" bIns="91425" lIns="91425" spcFirstLastPara="1" rIns="91425" wrap="square" tIns="91425">
+          <a:bodyPr spcFirstLastPara="1" wrap="square" lIns="91425" tIns="91425" rIns="91425" bIns="91425" anchor="t" anchorCtr="0">
             <a:noAutofit/>
           </a:bodyPr>
           <a:lstStyle/>
           <a:p>
-            <a:pPr indent="0" lvl="0" marL="0" rtl="0" algn="l">
+            <a:pPr marL="0" lvl="0" indent="0" algn="l" rtl="0">
               <a:spcBef>
                 <a:spcPts val="0"/>
               </a:spcBef>
@@ -9739,9 +9957,11 @@
       <p:sp>
         <p:nvSpPr>
           <p:cNvPr id="89" name="Google Shape;89;p18"/>
-          <p:cNvSpPr txBox="1"/>
+          <p:cNvSpPr txBox="1">
+            <a:spLocks noGrp="1"/>
+          </p:cNvSpPr>
           <p:nvPr>
-            <p:ph idx="1" type="body"/>
+            <p:ph type="body" idx="1"/>
           </p:nvPr>
         </p:nvSpPr>
         <p:spPr>
@@ -9754,12 +9974,12 @@
           </a:prstGeom>
         </p:spPr>
         <p:txBody>
-          <a:bodyPr anchorCtr="0" anchor="t" bIns="91425" lIns="91425" spcFirstLastPara="1" rIns="91425" wrap="square" tIns="91425">
+          <a:bodyPr spcFirstLastPara="1" wrap="square" lIns="91425" tIns="91425" rIns="91425" bIns="91425" anchor="t" anchorCtr="0">
             <a:noAutofit/>
           </a:bodyPr>
           <a:lstStyle/>
           <a:p>
-            <a:pPr indent="-393700" lvl="0" marL="457200" rtl="0" algn="l">
+            <a:pPr marL="457200" lvl="0" indent="-393700" algn="l" rtl="0">
               <a:spcBef>
                 <a:spcPts val="0"/>
               </a:spcBef>
@@ -9776,7 +9996,7 @@
             <a:endParaRPr sz="2600"/>
           </a:p>
           <a:p>
-            <a:pPr indent="-355600" lvl="1" marL="914400" rtl="0" algn="l">
+            <a:pPr marL="914400" lvl="1" indent="-355600" algn="l" rtl="0">
               <a:spcBef>
                 <a:spcPts val="0"/>
               </a:spcBef>
@@ -9793,7 +10013,7 @@
             <a:endParaRPr sz="2000"/>
           </a:p>
           <a:p>
-            <a:pPr indent="-393700" lvl="0" marL="457200" rtl="0" algn="l">
+            <a:pPr marL="457200" lvl="0" indent="-393700" algn="l" rtl="0">
               <a:spcBef>
                 <a:spcPts val="0"/>
               </a:spcBef>
@@ -9810,7 +10030,7 @@
             <a:endParaRPr sz="2600"/>
           </a:p>
           <a:p>
-            <a:pPr indent="-393700" lvl="0" marL="457200" rtl="0" algn="l">
+            <a:pPr marL="457200" lvl="0" indent="-393700" algn="l" rtl="0">
               <a:spcBef>
                 <a:spcPts val="0"/>
               </a:spcBef>
@@ -9827,7 +10047,7 @@
             <a:endParaRPr sz="2600"/>
           </a:p>
           <a:p>
-            <a:pPr indent="-393700" lvl="0" marL="457200" rtl="0" algn="l">
+            <a:pPr marL="457200" lvl="0" indent="-393700" algn="l" rtl="0">
               <a:spcBef>
                 <a:spcPts val="0"/>
               </a:spcBef>
@@ -9882,11 +10102,11 @@
 </file>
 
 <file path=ppt/slides/slide7.xml><?xml version="1.0" encoding="utf-8"?>
-<p:sld xmlns:a="http://schemas.openxmlformats.org/drawingml/2006/main" xmlns:r="http://schemas.openxmlformats.org/officeDocument/2006/relationships" xmlns:mc="http://schemas.openxmlformats.org/markup-compatibility/2006" xmlns:mv="urn:schemas-microsoft-com:mac:vml" xmlns:p="http://schemas.openxmlformats.org/presentationml/2006/main" xmlns:c="http://schemas.openxmlformats.org/drawingml/2006/chart" xmlns:dgm="http://schemas.openxmlformats.org/drawingml/2006/diagram" xmlns:o="urn:schemas-microsoft-com:office:office" xmlns:v="urn:schemas-microsoft-com:vml" xmlns:pvml="urn:schemas-microsoft-com:office:powerpoint" xmlns:com="http://schemas.openxmlformats.org/drawingml/2006/compatibility" xmlns:p14="http://schemas.microsoft.com/office/powerpoint/2010/main" xmlns:p15="http://schemas.microsoft.com/office/powerpoint/2012/main" xmlns:ahyp="http://schemas.microsoft.com/office/drawing/2018/hyperlinkcolor">
+<p:sld xmlns:a="http://schemas.openxmlformats.org/drawingml/2006/main" xmlns:r="http://schemas.openxmlformats.org/officeDocument/2006/relationships" xmlns:p="http://schemas.openxmlformats.org/presentationml/2006/main">
   <p:cSld>
     <p:spTree>
       <p:nvGrpSpPr>
-        <p:cNvPr id="94" name="Shape 94"/>
+        <p:cNvPr id="1" name="Shape 94"/>
         <p:cNvGrpSpPr/>
         <p:nvPr/>
       </p:nvGrpSpPr>
@@ -9901,7 +10121,9 @@
       <p:sp>
         <p:nvSpPr>
           <p:cNvPr id="95" name="Google Shape;95;p19"/>
-          <p:cNvSpPr txBox="1"/>
+          <p:cNvSpPr txBox="1">
+            <a:spLocks noGrp="1"/>
+          </p:cNvSpPr>
           <p:nvPr>
             <p:ph type="title"/>
           </p:nvPr>
@@ -9916,12 +10138,12 @@
           </a:prstGeom>
         </p:spPr>
         <p:txBody>
-          <a:bodyPr anchorCtr="0" anchor="t" bIns="91425" lIns="91425" spcFirstLastPara="1" rIns="91425" wrap="square" tIns="91425">
+          <a:bodyPr spcFirstLastPara="1" wrap="square" lIns="91425" tIns="91425" rIns="91425" bIns="91425" anchor="t" anchorCtr="0">
             <a:noAutofit/>
           </a:bodyPr>
           <a:lstStyle/>
           <a:p>
-            <a:pPr indent="0" lvl="0" marL="0" rtl="0" algn="l">
+            <a:pPr marL="0" lvl="0" indent="0" algn="l" rtl="0">
               <a:spcBef>
                 <a:spcPts val="0"/>
               </a:spcBef>
@@ -9930,9 +10152,6 @@
               </a:spcAft>
               <a:buNone/>
             </a:pPr>
-            <a:r>
-              <a:t/>
-            </a:r>
             <a:endParaRPr/>
           </a:p>
         </p:txBody>
@@ -9940,9 +10159,11 @@
       <p:sp>
         <p:nvSpPr>
           <p:cNvPr id="96" name="Google Shape;96;p19"/>
-          <p:cNvSpPr txBox="1"/>
+          <p:cNvSpPr txBox="1">
+            <a:spLocks noGrp="1"/>
+          </p:cNvSpPr>
           <p:nvPr>
-            <p:ph idx="1" type="body"/>
+            <p:ph type="body" idx="1"/>
           </p:nvPr>
         </p:nvSpPr>
         <p:spPr>
@@ -9955,12 +10176,12 @@
           </a:prstGeom>
         </p:spPr>
         <p:txBody>
-          <a:bodyPr anchorCtr="0" anchor="t" bIns="91425" lIns="91425" spcFirstLastPara="1" rIns="91425" wrap="square" tIns="91425">
+          <a:bodyPr spcFirstLastPara="1" wrap="square" lIns="91425" tIns="91425" rIns="91425" bIns="91425" anchor="t" anchorCtr="0">
             <a:noAutofit/>
           </a:bodyPr>
           <a:lstStyle/>
           <a:p>
-            <a:pPr indent="-393700" lvl="0" marL="457200" rtl="0" algn="l">
+            <a:pPr marL="457200" lvl="0" indent="-393700" algn="l" rtl="0">
               <a:spcBef>
                 <a:spcPts val="0"/>
               </a:spcBef>
@@ -9971,13 +10192,13 @@
               <a:buChar char="●"/>
             </a:pPr>
             <a:r>
-              <a:rPr lang="en" sz="2600"/>
+              <a:rPr lang="en" sz="2600" dirty="0"/>
               <a:t>Using data from 1980 - present day</a:t>
             </a:r>
-            <a:endParaRPr sz="2600"/>
-          </a:p>
-          <a:p>
-            <a:pPr indent="0" lvl="0" marL="0" rtl="0" algn="l">
+            <a:endParaRPr sz="2600" dirty="0"/>
+          </a:p>
+          <a:p>
+            <a:pPr marL="0" lvl="0" indent="0" algn="l" rtl="0">
               <a:spcBef>
                 <a:spcPts val="1200"/>
               </a:spcBef>
@@ -9986,13 +10207,10 @@
               </a:spcAft>
               <a:buNone/>
             </a:pPr>
-            <a:r>
-              <a:t/>
-            </a:r>
-            <a:endParaRPr sz="2600"/>
-          </a:p>
-          <a:p>
-            <a:pPr indent="0" lvl="0" marL="0" rtl="0" algn="l">
+            <a:endParaRPr sz="2600" dirty="0"/>
+          </a:p>
+          <a:p>
+            <a:pPr marL="0" lvl="0" indent="0" algn="l" rtl="0">
               <a:spcBef>
                 <a:spcPts val="1200"/>
               </a:spcBef>
@@ -10001,28 +10219,10 @@
               </a:spcAft>
               <a:buNone/>
             </a:pPr>
-            <a:r>
-              <a:t/>
-            </a:r>
-            <a:endParaRPr sz="2600"/>
-          </a:p>
-          <a:p>
-            <a:pPr indent="0" lvl="0" marL="0" rtl="0" algn="l">
-              <a:spcBef>
-                <a:spcPts val="1200"/>
-              </a:spcBef>
-              <a:spcAft>
-                <a:spcPts val="0"/>
-              </a:spcAft>
-              <a:buNone/>
-            </a:pPr>
-            <a:r>
-              <a:t/>
-            </a:r>
-            <a:endParaRPr sz="2600"/>
-          </a:p>
-          <a:p>
-            <a:pPr indent="-355600" lvl="0" marL="457200" rtl="0" algn="l">
+            <a:endParaRPr sz="2600" dirty="0"/>
+          </a:p>
+          <a:p>
+            <a:pPr marL="457200" lvl="0" indent="-355600" algn="l" rtl="0">
               <a:spcBef>
                 <a:spcPts val="1200"/>
               </a:spcBef>
@@ -10033,13 +10233,13 @@
               <a:buChar char="●"/>
             </a:pPr>
             <a:r>
-              <a:rPr lang="en" sz="2000"/>
+              <a:rPr lang="en" sz="2000" dirty="0"/>
               <a:t>x-axis: month</a:t>
             </a:r>
-            <a:endParaRPr sz="2000"/>
-          </a:p>
-          <a:p>
-            <a:pPr indent="-355600" lvl="0" marL="457200" rtl="0" algn="l">
+            <a:endParaRPr sz="2000" dirty="0"/>
+          </a:p>
+          <a:p>
+            <a:pPr marL="457200" lvl="0" indent="-355600" algn="l" rtl="0">
               <a:spcBef>
                 <a:spcPts val="0"/>
               </a:spcBef>
@@ -10050,13 +10250,13 @@
               <a:buChar char="●"/>
             </a:pPr>
             <a:r>
-              <a:rPr lang="en" sz="2000"/>
+              <a:rPr lang="en" sz="2000" dirty="0"/>
               <a:t>Y-axis: compounds </a:t>
             </a:r>
-            <a:endParaRPr sz="2000"/>
-          </a:p>
-          <a:p>
-            <a:pPr indent="-355600" lvl="0" marL="457200" rtl="0" algn="l">
+            <a:endParaRPr sz="2000" dirty="0"/>
+          </a:p>
+          <a:p>
+            <a:pPr marL="457200" lvl="0" indent="-355600" algn="l" rtl="0">
               <a:spcBef>
                 <a:spcPts val="0"/>
               </a:spcBef>
@@ -10067,10 +10267,10 @@
               <a:buChar char="●"/>
             </a:pPr>
             <a:r>
-              <a:rPr lang="en" sz="2000"/>
+              <a:rPr lang="en" sz="2000" dirty="0"/>
               <a:t>“Novel” - new to database </a:t>
             </a:r>
-            <a:endParaRPr sz="2000"/>
+            <a:endParaRPr sz="2000" dirty="0"/>
           </a:p>
         </p:txBody>
       </p:sp>
@@ -10139,11 +10339,11 @@
 </file>
 
 <file path=ppt/slides/slide8.xml><?xml version="1.0" encoding="utf-8"?>
-<p:sld xmlns:a="http://schemas.openxmlformats.org/drawingml/2006/main" xmlns:r="http://schemas.openxmlformats.org/officeDocument/2006/relationships" xmlns:mc="http://schemas.openxmlformats.org/markup-compatibility/2006" xmlns:mv="urn:schemas-microsoft-com:mac:vml" xmlns:p="http://schemas.openxmlformats.org/presentationml/2006/main" xmlns:c="http://schemas.openxmlformats.org/drawingml/2006/chart" xmlns:dgm="http://schemas.openxmlformats.org/drawingml/2006/diagram" xmlns:o="urn:schemas-microsoft-com:office:office" xmlns:v="urn:schemas-microsoft-com:vml" xmlns:pvml="urn:schemas-microsoft-com:office:powerpoint" xmlns:com="http://schemas.openxmlformats.org/drawingml/2006/compatibility" xmlns:p14="http://schemas.microsoft.com/office/powerpoint/2010/main" xmlns:p15="http://schemas.microsoft.com/office/powerpoint/2012/main" xmlns:ahyp="http://schemas.microsoft.com/office/drawing/2018/hyperlinkcolor">
+<p:sld xmlns:a="http://schemas.openxmlformats.org/drawingml/2006/main" xmlns:r="http://schemas.openxmlformats.org/officeDocument/2006/relationships" xmlns:p="http://schemas.openxmlformats.org/presentationml/2006/main">
   <p:cSld>
     <p:spTree>
       <p:nvGrpSpPr>
-        <p:cNvPr id="102" name="Shape 102"/>
+        <p:cNvPr id="1" name="Shape 102"/>
         <p:cNvGrpSpPr/>
         <p:nvPr/>
       </p:nvGrpSpPr>
@@ -10158,7 +10358,9 @@
       <p:sp>
         <p:nvSpPr>
           <p:cNvPr id="103" name="Google Shape;103;p20"/>
-          <p:cNvSpPr txBox="1"/>
+          <p:cNvSpPr txBox="1">
+            <a:spLocks noGrp="1"/>
+          </p:cNvSpPr>
           <p:nvPr>
             <p:ph type="title"/>
           </p:nvPr>
@@ -10173,12 +10375,12 @@
           </a:prstGeom>
         </p:spPr>
         <p:txBody>
-          <a:bodyPr anchorCtr="0" anchor="t" bIns="91425" lIns="91425" spcFirstLastPara="1" rIns="91425" wrap="square" tIns="91425">
+          <a:bodyPr spcFirstLastPara="1" wrap="square" lIns="91425" tIns="91425" rIns="91425" bIns="91425" anchor="t" anchorCtr="0">
             <a:noAutofit/>
           </a:bodyPr>
           <a:lstStyle/>
           <a:p>
-            <a:pPr indent="0" lvl="0" marL="0" rtl="0" algn="l">
+            <a:pPr marL="0" lvl="0" indent="0" algn="l" rtl="0">
               <a:spcBef>
                 <a:spcPts val="0"/>
               </a:spcBef>
@@ -10188,19 +10390,21 @@
               <a:buNone/>
             </a:pPr>
             <a:r>
-              <a:rPr lang="en"/>
+              <a:rPr lang="en" dirty="0"/>
               <a:t>MA</a:t>
             </a:r>
-            <a:endParaRPr/>
+            <a:endParaRPr dirty="0"/>
           </a:p>
         </p:txBody>
       </p:sp>
       <p:sp>
         <p:nvSpPr>
           <p:cNvPr id="104" name="Google Shape;104;p20"/>
-          <p:cNvSpPr txBox="1"/>
+          <p:cNvSpPr txBox="1">
+            <a:spLocks noGrp="1"/>
+          </p:cNvSpPr>
           <p:nvPr>
-            <p:ph idx="1" type="body"/>
+            <p:ph type="body" idx="1"/>
           </p:nvPr>
         </p:nvSpPr>
         <p:spPr>
@@ -10213,12 +10417,12 @@
           </a:prstGeom>
         </p:spPr>
         <p:txBody>
-          <a:bodyPr anchorCtr="0" anchor="t" bIns="91425" lIns="91425" spcFirstLastPara="1" rIns="91425" wrap="square" tIns="91425">
+          <a:bodyPr spcFirstLastPara="1" wrap="square" lIns="91425" tIns="91425" rIns="91425" bIns="91425" anchor="t" anchorCtr="0">
             <a:noAutofit/>
           </a:bodyPr>
           <a:lstStyle/>
           <a:p>
-            <a:pPr indent="-381000" lvl="0" marL="457200" rtl="0" algn="l">
+            <a:pPr marL="457200" lvl="0" indent="-381000" algn="l" rtl="0">
               <a:spcBef>
                 <a:spcPts val="0"/>
               </a:spcBef>
@@ -10229,13 +10433,13 @@
               <a:buChar char="●"/>
             </a:pPr>
             <a:r>
-              <a:rPr lang="en" sz="2400"/>
-              <a:t>Select 1000 compounds per month</a:t>
+              <a:rPr lang="en" sz="2400" dirty="0"/>
+              <a:t>Randomly selected 1000 compounds per month</a:t>
             </a:r>
-            <a:endParaRPr sz="2400"/>
-          </a:p>
-          <a:p>
-            <a:pPr indent="-342900" lvl="1" marL="914400" rtl="0" algn="l">
+            <a:endParaRPr sz="2400" dirty="0"/>
+          </a:p>
+          <a:p>
+            <a:pPr marL="914400" lvl="1" indent="-342900" algn="l" rtl="0">
               <a:spcBef>
                 <a:spcPts val="0"/>
               </a:spcBef>
@@ -10246,10 +10450,10 @@
               <a:buChar char="○"/>
             </a:pPr>
             <a:r>
-              <a:rPr lang="en" sz="1800"/>
+              <a:rPr lang="en" sz="1800" dirty="0"/>
               <a:t>From new compounds &amp; full database</a:t>
             </a:r>
-            <a:endParaRPr sz="1800"/>
+            <a:endParaRPr sz="1800" dirty="0"/>
           </a:p>
         </p:txBody>
       </p:sp>
@@ -10290,11 +10494,11 @@
 </file>
 
 <file path=ppt/slides/slide9.xml><?xml version="1.0" encoding="utf-8"?>
-<p:sld xmlns:a="http://schemas.openxmlformats.org/drawingml/2006/main" xmlns:r="http://schemas.openxmlformats.org/officeDocument/2006/relationships" xmlns:mc="http://schemas.openxmlformats.org/markup-compatibility/2006" xmlns:mv="urn:schemas-microsoft-com:mac:vml" xmlns:p="http://schemas.openxmlformats.org/presentationml/2006/main" xmlns:c="http://schemas.openxmlformats.org/drawingml/2006/chart" xmlns:dgm="http://schemas.openxmlformats.org/drawingml/2006/diagram" xmlns:o="urn:schemas-microsoft-com:office:office" xmlns:v="urn:schemas-microsoft-com:vml" xmlns:pvml="urn:schemas-microsoft-com:office:powerpoint" xmlns:com="http://schemas.openxmlformats.org/drawingml/2006/compatibility" xmlns:p14="http://schemas.microsoft.com/office/powerpoint/2010/main" xmlns:p15="http://schemas.microsoft.com/office/powerpoint/2012/main" xmlns:ahyp="http://schemas.microsoft.com/office/drawing/2018/hyperlinkcolor">
+<p:sld xmlns:a="http://schemas.openxmlformats.org/drawingml/2006/main" xmlns:r="http://schemas.openxmlformats.org/officeDocument/2006/relationships" xmlns:p="http://schemas.openxmlformats.org/presentationml/2006/main">
   <p:cSld>
     <p:spTree>
       <p:nvGrpSpPr>
-        <p:cNvPr id="109" name="Shape 109"/>
+        <p:cNvPr id="1" name="Shape 109"/>
         <p:cNvGrpSpPr/>
         <p:nvPr/>
       </p:nvGrpSpPr>
@@ -10309,7 +10513,9 @@
       <p:sp>
         <p:nvSpPr>
           <p:cNvPr id="110" name="Google Shape;110;p21"/>
-          <p:cNvSpPr txBox="1"/>
+          <p:cNvSpPr txBox="1">
+            <a:spLocks noGrp="1"/>
+          </p:cNvSpPr>
           <p:nvPr>
             <p:ph type="title"/>
           </p:nvPr>
@@ -10324,12 +10530,12 @@
           </a:prstGeom>
         </p:spPr>
         <p:txBody>
-          <a:bodyPr anchorCtr="0" anchor="t" bIns="91425" lIns="91425" spcFirstLastPara="1" rIns="91425" wrap="square" tIns="91425">
+          <a:bodyPr spcFirstLastPara="1" wrap="square" lIns="91425" tIns="91425" rIns="91425" bIns="91425" anchor="t" anchorCtr="0">
             <a:noAutofit/>
           </a:bodyPr>
           <a:lstStyle/>
           <a:p>
-            <a:pPr indent="0" lvl="0" marL="0" rtl="0" algn="l">
+            <a:pPr marL="0" lvl="0" indent="0" algn="l" rtl="0">
               <a:spcBef>
                 <a:spcPts val="0"/>
               </a:spcBef>
@@ -10349,9 +10555,11 @@
       <p:sp>
         <p:nvSpPr>
           <p:cNvPr id="111" name="Google Shape;111;p21"/>
-          <p:cNvSpPr txBox="1"/>
+          <p:cNvSpPr txBox="1">
+            <a:spLocks noGrp="1"/>
+          </p:cNvSpPr>
           <p:nvPr>
-            <p:ph idx="1" type="body"/>
+            <p:ph type="body" idx="1"/>
           </p:nvPr>
         </p:nvSpPr>
         <p:spPr>
@@ -10364,12 +10572,12 @@
           </a:prstGeom>
         </p:spPr>
         <p:txBody>
-          <a:bodyPr anchorCtr="0" anchor="t" bIns="91425" lIns="91425" spcFirstLastPara="1" rIns="91425" wrap="square" tIns="91425">
+          <a:bodyPr spcFirstLastPara="1" wrap="square" lIns="91425" tIns="91425" rIns="91425" bIns="91425" anchor="t" anchorCtr="0">
             <a:noAutofit/>
           </a:bodyPr>
           <a:lstStyle/>
           <a:p>
-            <a:pPr indent="-381000" lvl="0" marL="457200" rtl="0" algn="l">
+            <a:pPr marL="457200" lvl="0" indent="-381000" algn="l" rtl="0">
               <a:spcBef>
                 <a:spcPts val="0"/>
               </a:spcBef>
@@ -10380,13 +10588,12 @@
               <a:buChar char="●"/>
             </a:pPr>
             <a:r>
-              <a:rPr lang="en" sz="2400"/>
-              <a:t>Select 1000 compounds per month</a:t>
+              <a:rPr lang="en-GB" sz="2400" dirty="0"/>
+              <a:t>Randomly selected 1000 compounds per month</a:t>
             </a:r>
-            <a:endParaRPr sz="2400"/>
-          </a:p>
-          <a:p>
-            <a:pPr indent="-342900" lvl="1" marL="914400" rtl="0" algn="l">
+          </a:p>
+          <a:p>
+            <a:pPr marL="914400" lvl="1" indent="-342900" algn="l" rtl="0">
               <a:spcBef>
                 <a:spcPts val="0"/>
               </a:spcBef>
@@ -10397,13 +10604,13 @@
               <a:buChar char="○"/>
             </a:pPr>
             <a:r>
-              <a:rPr lang="en" sz="1800"/>
+              <a:rPr lang="en" sz="1800" dirty="0"/>
               <a:t>From new compounds &amp; full database</a:t>
             </a:r>
-            <a:endParaRPr sz="1800"/>
-          </a:p>
-          <a:p>
-            <a:pPr indent="0" lvl="0" marL="0" rtl="0" algn="l">
+            <a:endParaRPr sz="1800" dirty="0"/>
+          </a:p>
+          <a:p>
+            <a:pPr marL="0" lvl="0" indent="0" algn="l" rtl="0">
               <a:spcBef>
                 <a:spcPts val="1200"/>
               </a:spcBef>
@@ -10412,13 +10619,10 @@
               </a:spcAft>
               <a:buNone/>
             </a:pPr>
-            <a:r>
-              <a:t/>
-            </a:r>
-            <a:endParaRPr sz="1800"/>
-          </a:p>
-          <a:p>
-            <a:pPr indent="-381000" lvl="0" marL="457200" rtl="0" algn="l">
+            <a:endParaRPr sz="1800" dirty="0"/>
+          </a:p>
+          <a:p>
+            <a:pPr marL="457200" lvl="0" indent="-381000" algn="l" rtl="0">
               <a:spcBef>
                 <a:spcPts val="1200"/>
               </a:spcBef>
@@ -10429,10 +10633,10 @@
               <a:buChar char="●"/>
             </a:pPr>
             <a:r>
-              <a:rPr lang="en" sz="2400"/>
+              <a:rPr lang="en" sz="2400" dirty="0"/>
               <a:t>Error bars +/- 2 standard deviations </a:t>
             </a:r>
-            <a:endParaRPr sz="2400"/>
+            <a:endParaRPr sz="2400" dirty="0"/>
           </a:p>
         </p:txBody>
       </p:sp>
@@ -10473,7 +10677,7 @@
 </file>
 
 <file path=ppt/theme/theme1.xml><?xml version="1.0" encoding="utf-8"?>
-<a:theme xmlns:a="http://schemas.openxmlformats.org/drawingml/2006/main" xmlns:r="http://schemas.openxmlformats.org/officeDocument/2006/relationships" name="Simple Light">
+<a:theme xmlns:a="http://schemas.openxmlformats.org/drawingml/2006/main" name="Simple Light">
   <a:themeElements>
     <a:clrScheme name="Simple Light">
       <a:dk1>
@@ -10748,11 +10952,13 @@
       </a:bgFillStyleLst>
     </a:fmtScheme>
   </a:themeElements>
+  <a:objectDefaults/>
+  <a:extraClrSchemeLst/>
 </a:theme>
 </file>
 
 <file path=ppt/theme/theme2.xml><?xml version="1.0" encoding="utf-8"?>
-<a:theme xmlns:a="http://schemas.openxmlformats.org/drawingml/2006/main" xmlns:r="http://schemas.openxmlformats.org/officeDocument/2006/relationships">
+<a:theme xmlns:a="http://schemas.openxmlformats.org/drawingml/2006/main">
   <a:themeElements>
     <a:clrScheme name="Default">
       <a:dk1>
@@ -11027,5 +11233,7 @@
       </a:bgFillStyleLst>
     </a:fmtScheme>
   </a:themeElements>
+  <a:objectDefaults/>
+  <a:extraClrSchemeLst/>
 </a:theme>
 </file>